--- a/cheat-sheet-system/supplement/figure-layout.pptx
+++ b/cheat-sheet-system/supplement/figure-layout.pptx
@@ -5,13 +5,14 @@
     <p:sldMasterId id="2147483648" r:id="rId1"/>
   </p:sldMasterIdLst>
   <p:notesMasterIdLst>
-    <p:notesMasterId r:id="rId6"/>
+    <p:notesMasterId r:id="rId7"/>
   </p:notesMasterIdLst>
   <p:sldIdLst>
     <p:sldId id="257" r:id="rId2"/>
     <p:sldId id="258" r:id="rId3"/>
     <p:sldId id="259" r:id="rId4"/>
     <p:sldId id="260" r:id="rId5"/>
+    <p:sldId id="261" r:id="rId6"/>
   </p:sldIdLst>
   <p:sldSz cx="12192000" cy="6858000"/>
   <p:notesSz cx="6858000" cy="9144000"/>
@@ -200,7 +201,7 @@
           <a:p>
             <a:fld id="{7FA39CCC-590F-1541-9ADD-B2E5AA3EC406}" type="datetimeFigureOut">
               <a:rPr lang="en-US" smtClean="0"/>
-              <a:t>4/6/19</a:t>
+              <a:t>5/1/19</a:t>
             </a:fld>
             <a:endParaRPr lang="en-US"/>
           </a:p>
@@ -596,7 +597,7 @@
           <a:p>
             <a:fld id="{C6511869-07AB-EF49-B84E-DA7E82FDC0D2}" type="datetimeFigureOut">
               <a:rPr lang="en-US" smtClean="0"/>
-              <a:t>4/6/19</a:t>
+              <a:t>5/1/19</a:t>
             </a:fld>
             <a:endParaRPr lang="en-US"/>
           </a:p>
@@ -764,7 +765,7 @@
           <a:p>
             <a:fld id="{C6511869-07AB-EF49-B84E-DA7E82FDC0D2}" type="datetimeFigureOut">
               <a:rPr lang="en-US" smtClean="0"/>
-              <a:t>4/6/19</a:t>
+              <a:t>5/1/19</a:t>
             </a:fld>
             <a:endParaRPr lang="en-US"/>
           </a:p>
@@ -942,7 +943,7 @@
           <a:p>
             <a:fld id="{C6511869-07AB-EF49-B84E-DA7E82FDC0D2}" type="datetimeFigureOut">
               <a:rPr lang="en-US" smtClean="0"/>
-              <a:t>4/6/19</a:t>
+              <a:t>5/1/19</a:t>
             </a:fld>
             <a:endParaRPr lang="en-US"/>
           </a:p>
@@ -1110,7 +1111,7 @@
           <a:p>
             <a:fld id="{C6511869-07AB-EF49-B84E-DA7E82FDC0D2}" type="datetimeFigureOut">
               <a:rPr lang="en-US" smtClean="0"/>
-              <a:t>4/6/19</a:t>
+              <a:t>5/1/19</a:t>
             </a:fld>
             <a:endParaRPr lang="en-US"/>
           </a:p>
@@ -1355,7 +1356,7 @@
           <a:p>
             <a:fld id="{C6511869-07AB-EF49-B84E-DA7E82FDC0D2}" type="datetimeFigureOut">
               <a:rPr lang="en-US" smtClean="0"/>
-              <a:t>4/6/19</a:t>
+              <a:t>5/1/19</a:t>
             </a:fld>
             <a:endParaRPr lang="en-US"/>
           </a:p>
@@ -1584,7 +1585,7 @@
           <a:p>
             <a:fld id="{C6511869-07AB-EF49-B84E-DA7E82FDC0D2}" type="datetimeFigureOut">
               <a:rPr lang="en-US" smtClean="0"/>
-              <a:t>4/6/19</a:t>
+              <a:t>5/1/19</a:t>
             </a:fld>
             <a:endParaRPr lang="en-US"/>
           </a:p>
@@ -1948,7 +1949,7 @@
           <a:p>
             <a:fld id="{C6511869-07AB-EF49-B84E-DA7E82FDC0D2}" type="datetimeFigureOut">
               <a:rPr lang="en-US" smtClean="0"/>
-              <a:t>4/6/19</a:t>
+              <a:t>5/1/19</a:t>
             </a:fld>
             <a:endParaRPr lang="en-US"/>
           </a:p>
@@ -2065,7 +2066,7 @@
           <a:p>
             <a:fld id="{C6511869-07AB-EF49-B84E-DA7E82FDC0D2}" type="datetimeFigureOut">
               <a:rPr lang="en-US" smtClean="0"/>
-              <a:t>4/6/19</a:t>
+              <a:t>5/1/19</a:t>
             </a:fld>
             <a:endParaRPr lang="en-US"/>
           </a:p>
@@ -2160,7 +2161,7 @@
           <a:p>
             <a:fld id="{C6511869-07AB-EF49-B84E-DA7E82FDC0D2}" type="datetimeFigureOut">
               <a:rPr lang="en-US" smtClean="0"/>
-              <a:t>4/6/19</a:t>
+              <a:t>5/1/19</a:t>
             </a:fld>
             <a:endParaRPr lang="en-US"/>
           </a:p>
@@ -2435,7 +2436,7 @@
           <a:p>
             <a:fld id="{C6511869-07AB-EF49-B84E-DA7E82FDC0D2}" type="datetimeFigureOut">
               <a:rPr lang="en-US" smtClean="0"/>
-              <a:t>4/6/19</a:t>
+              <a:t>5/1/19</a:t>
             </a:fld>
             <a:endParaRPr lang="en-US"/>
           </a:p>
@@ -2687,7 +2688,7 @@
           <a:p>
             <a:fld id="{C6511869-07AB-EF49-B84E-DA7E82FDC0D2}" type="datetimeFigureOut">
               <a:rPr lang="en-US" smtClean="0"/>
-              <a:t>4/6/19</a:t>
+              <a:t>5/1/19</a:t>
             </a:fld>
             <a:endParaRPr lang="en-US"/>
           </a:p>
@@ -2898,7 +2899,7 @@
           <a:p>
             <a:fld id="{C6511869-07AB-EF49-B84E-DA7E82FDC0D2}" type="datetimeFigureOut">
               <a:rPr lang="en-US" smtClean="0"/>
-              <a:t>4/6/19</a:t>
+              <a:t>5/1/19</a:t>
             </a:fld>
             <a:endParaRPr lang="en-US"/>
           </a:p>
@@ -8537,6 +8538,1105 @@
     <p:extLst>
       <p:ext uri="{BB962C8B-B14F-4D97-AF65-F5344CB8AC3E}">
         <p14:creationId xmlns:p14="http://schemas.microsoft.com/office/powerpoint/2010/main" val="2855533484"/>
+      </p:ext>
+    </p:extLst>
+  </p:cSld>
+  <p:clrMapOvr>
+    <a:masterClrMapping/>
+  </p:clrMapOvr>
+</p:sld>
+</file>
+
+<file path=ppt/slides/slide5.xml><?xml version="1.0" encoding="utf-8"?>
+<p:sld xmlns:a="http://schemas.openxmlformats.org/drawingml/2006/main" xmlns:r="http://schemas.openxmlformats.org/officeDocument/2006/relationships" xmlns:p="http://schemas.openxmlformats.org/presentationml/2006/main">
+  <p:cSld>
+    <p:spTree>
+      <p:nvGrpSpPr>
+        <p:cNvPr id="1" name=""/>
+        <p:cNvGrpSpPr/>
+        <p:nvPr/>
+      </p:nvGrpSpPr>
+      <p:grpSpPr>
+        <a:xfrm>
+          <a:off x="0" y="0"/>
+          <a:ext cx="0" cy="0"/>
+          <a:chOff x="0" y="0"/>
+          <a:chExt cx="0" cy="0"/>
+        </a:xfrm>
+      </p:grpSpPr>
+      <p:cxnSp>
+        <p:nvCxnSpPr>
+          <p:cNvPr id="8" name="Straight Connector 7">
+            <a:extLst>
+              <a:ext uri="{FF2B5EF4-FFF2-40B4-BE49-F238E27FC236}">
+                <a16:creationId xmlns:a16="http://schemas.microsoft.com/office/drawing/2014/main" id="{1DCEDE24-AC8C-ED42-A8C3-4700D33700E6}"/>
+              </a:ext>
+            </a:extLst>
+          </p:cNvPr>
+          <p:cNvCxnSpPr/>
+          <p:nvPr/>
+        </p:nvCxnSpPr>
+        <p:spPr>
+          <a:xfrm>
+            <a:off x="3488675" y="1828800"/>
+            <a:ext cx="0" cy="341523"/>
+          </a:xfrm>
+          <a:prstGeom prst="line">
+            <a:avLst/>
+          </a:prstGeom>
+          <a:ln w="38100">
+            <a:solidFill>
+              <a:schemeClr val="bg2">
+                <a:lumMod val="75000"/>
+              </a:schemeClr>
+            </a:solidFill>
+          </a:ln>
+        </p:spPr>
+        <p:style>
+          <a:lnRef idx="1">
+            <a:schemeClr val="accent1"/>
+          </a:lnRef>
+          <a:fillRef idx="0">
+            <a:schemeClr val="accent1"/>
+          </a:fillRef>
+          <a:effectRef idx="0">
+            <a:schemeClr val="accent1"/>
+          </a:effectRef>
+          <a:fontRef idx="minor">
+            <a:schemeClr val="tx1"/>
+          </a:fontRef>
+        </p:style>
+      </p:cxnSp>
+      <p:cxnSp>
+        <p:nvCxnSpPr>
+          <p:cNvPr id="9" name="Straight Connector 8">
+            <a:extLst>
+              <a:ext uri="{FF2B5EF4-FFF2-40B4-BE49-F238E27FC236}">
+                <a16:creationId xmlns:a16="http://schemas.microsoft.com/office/drawing/2014/main" id="{BC4F24FA-F2AC-5A43-9CF7-41DFC822F9B1}"/>
+              </a:ext>
+            </a:extLst>
+          </p:cNvPr>
+          <p:cNvCxnSpPr/>
+          <p:nvPr/>
+        </p:nvCxnSpPr>
+        <p:spPr>
+          <a:xfrm>
+            <a:off x="4112964" y="1828800"/>
+            <a:ext cx="0" cy="341523"/>
+          </a:xfrm>
+          <a:prstGeom prst="line">
+            <a:avLst/>
+          </a:prstGeom>
+          <a:ln w="38100">
+            <a:solidFill>
+              <a:schemeClr val="bg2">
+                <a:lumMod val="75000"/>
+              </a:schemeClr>
+            </a:solidFill>
+          </a:ln>
+        </p:spPr>
+        <p:style>
+          <a:lnRef idx="1">
+            <a:schemeClr val="accent1"/>
+          </a:lnRef>
+          <a:fillRef idx="0">
+            <a:schemeClr val="accent1"/>
+          </a:fillRef>
+          <a:effectRef idx="0">
+            <a:schemeClr val="accent1"/>
+          </a:effectRef>
+          <a:fontRef idx="minor">
+            <a:schemeClr val="tx1"/>
+          </a:fontRef>
+        </p:style>
+      </p:cxnSp>
+      <p:cxnSp>
+        <p:nvCxnSpPr>
+          <p:cNvPr id="10" name="Straight Connector 9">
+            <a:extLst>
+              <a:ext uri="{FF2B5EF4-FFF2-40B4-BE49-F238E27FC236}">
+                <a16:creationId xmlns:a16="http://schemas.microsoft.com/office/drawing/2014/main" id="{39F88B3D-8C7F-FB45-884B-71EA7A01C245}"/>
+              </a:ext>
+            </a:extLst>
+          </p:cNvPr>
+          <p:cNvCxnSpPr/>
+          <p:nvPr/>
+        </p:nvCxnSpPr>
+        <p:spPr>
+          <a:xfrm>
+            <a:off x="4737253" y="1828800"/>
+            <a:ext cx="0" cy="341523"/>
+          </a:xfrm>
+          <a:prstGeom prst="line">
+            <a:avLst/>
+          </a:prstGeom>
+          <a:ln w="38100">
+            <a:solidFill>
+              <a:schemeClr val="bg2">
+                <a:lumMod val="75000"/>
+              </a:schemeClr>
+            </a:solidFill>
+          </a:ln>
+        </p:spPr>
+        <p:style>
+          <a:lnRef idx="1">
+            <a:schemeClr val="accent1"/>
+          </a:lnRef>
+          <a:fillRef idx="0">
+            <a:schemeClr val="accent1"/>
+          </a:fillRef>
+          <a:effectRef idx="0">
+            <a:schemeClr val="accent1"/>
+          </a:effectRef>
+          <a:fontRef idx="minor">
+            <a:schemeClr val="tx1"/>
+          </a:fontRef>
+        </p:style>
+      </p:cxnSp>
+      <p:cxnSp>
+        <p:nvCxnSpPr>
+          <p:cNvPr id="11" name="Straight Connector 10">
+            <a:extLst>
+              <a:ext uri="{FF2B5EF4-FFF2-40B4-BE49-F238E27FC236}">
+                <a16:creationId xmlns:a16="http://schemas.microsoft.com/office/drawing/2014/main" id="{CFBF9984-C6B6-3C42-B9BB-2A4568160DBE}"/>
+              </a:ext>
+            </a:extLst>
+          </p:cNvPr>
+          <p:cNvCxnSpPr/>
+          <p:nvPr/>
+        </p:nvCxnSpPr>
+        <p:spPr>
+          <a:xfrm>
+            <a:off x="5361542" y="1828800"/>
+            <a:ext cx="0" cy="341523"/>
+          </a:xfrm>
+          <a:prstGeom prst="line">
+            <a:avLst/>
+          </a:prstGeom>
+          <a:ln w="38100">
+            <a:solidFill>
+              <a:schemeClr val="bg2">
+                <a:lumMod val="75000"/>
+              </a:schemeClr>
+            </a:solidFill>
+          </a:ln>
+        </p:spPr>
+        <p:style>
+          <a:lnRef idx="1">
+            <a:schemeClr val="accent1"/>
+          </a:lnRef>
+          <a:fillRef idx="0">
+            <a:schemeClr val="accent1"/>
+          </a:fillRef>
+          <a:effectRef idx="0">
+            <a:schemeClr val="accent1"/>
+          </a:effectRef>
+          <a:fontRef idx="minor">
+            <a:schemeClr val="tx1"/>
+          </a:fontRef>
+        </p:style>
+      </p:cxnSp>
+      <p:cxnSp>
+        <p:nvCxnSpPr>
+          <p:cNvPr id="12" name="Straight Connector 11">
+            <a:extLst>
+              <a:ext uri="{FF2B5EF4-FFF2-40B4-BE49-F238E27FC236}">
+                <a16:creationId xmlns:a16="http://schemas.microsoft.com/office/drawing/2014/main" id="{DC19DD17-D967-F845-9DF6-C5D8BBE54206}"/>
+              </a:ext>
+            </a:extLst>
+          </p:cNvPr>
+          <p:cNvCxnSpPr/>
+          <p:nvPr/>
+        </p:nvCxnSpPr>
+        <p:spPr>
+          <a:xfrm>
+            <a:off x="5985831" y="1828800"/>
+            <a:ext cx="0" cy="341523"/>
+          </a:xfrm>
+          <a:prstGeom prst="line">
+            <a:avLst/>
+          </a:prstGeom>
+          <a:ln w="38100">
+            <a:solidFill>
+              <a:schemeClr val="bg2">
+                <a:lumMod val="75000"/>
+              </a:schemeClr>
+            </a:solidFill>
+          </a:ln>
+        </p:spPr>
+        <p:style>
+          <a:lnRef idx="1">
+            <a:schemeClr val="accent1"/>
+          </a:lnRef>
+          <a:fillRef idx="0">
+            <a:schemeClr val="accent1"/>
+          </a:fillRef>
+          <a:effectRef idx="0">
+            <a:schemeClr val="accent1"/>
+          </a:effectRef>
+          <a:fontRef idx="minor">
+            <a:schemeClr val="tx1"/>
+          </a:fontRef>
+        </p:style>
+      </p:cxnSp>
+      <p:cxnSp>
+        <p:nvCxnSpPr>
+          <p:cNvPr id="13" name="Straight Connector 12">
+            <a:extLst>
+              <a:ext uri="{FF2B5EF4-FFF2-40B4-BE49-F238E27FC236}">
+                <a16:creationId xmlns:a16="http://schemas.microsoft.com/office/drawing/2014/main" id="{6D932691-8FF1-174B-8B2B-9FA0D0D25597}"/>
+              </a:ext>
+            </a:extLst>
+          </p:cNvPr>
+          <p:cNvCxnSpPr/>
+          <p:nvPr/>
+        </p:nvCxnSpPr>
+        <p:spPr>
+          <a:xfrm>
+            <a:off x="6610120" y="1828800"/>
+            <a:ext cx="0" cy="341523"/>
+          </a:xfrm>
+          <a:prstGeom prst="line">
+            <a:avLst/>
+          </a:prstGeom>
+          <a:ln w="38100">
+            <a:solidFill>
+              <a:schemeClr val="bg2">
+                <a:lumMod val="75000"/>
+              </a:schemeClr>
+            </a:solidFill>
+          </a:ln>
+        </p:spPr>
+        <p:style>
+          <a:lnRef idx="1">
+            <a:schemeClr val="accent1"/>
+          </a:lnRef>
+          <a:fillRef idx="0">
+            <a:schemeClr val="accent1"/>
+          </a:fillRef>
+          <a:effectRef idx="0">
+            <a:schemeClr val="accent1"/>
+          </a:effectRef>
+          <a:fontRef idx="minor">
+            <a:schemeClr val="tx1"/>
+          </a:fontRef>
+        </p:style>
+      </p:cxnSp>
+      <p:cxnSp>
+        <p:nvCxnSpPr>
+          <p:cNvPr id="14" name="Straight Connector 13">
+            <a:extLst>
+              <a:ext uri="{FF2B5EF4-FFF2-40B4-BE49-F238E27FC236}">
+                <a16:creationId xmlns:a16="http://schemas.microsoft.com/office/drawing/2014/main" id="{94E5DB45-067B-3C4A-9816-41D5CCE2A086}"/>
+              </a:ext>
+            </a:extLst>
+          </p:cNvPr>
+          <p:cNvCxnSpPr/>
+          <p:nvPr/>
+        </p:nvCxnSpPr>
+        <p:spPr>
+          <a:xfrm>
+            <a:off x="7234409" y="1828800"/>
+            <a:ext cx="0" cy="341523"/>
+          </a:xfrm>
+          <a:prstGeom prst="line">
+            <a:avLst/>
+          </a:prstGeom>
+          <a:ln w="38100">
+            <a:solidFill>
+              <a:schemeClr val="bg2">
+                <a:lumMod val="75000"/>
+              </a:schemeClr>
+            </a:solidFill>
+          </a:ln>
+        </p:spPr>
+        <p:style>
+          <a:lnRef idx="1">
+            <a:schemeClr val="accent1"/>
+          </a:lnRef>
+          <a:fillRef idx="0">
+            <a:schemeClr val="accent1"/>
+          </a:fillRef>
+          <a:effectRef idx="0">
+            <a:schemeClr val="accent1"/>
+          </a:effectRef>
+          <a:fontRef idx="minor">
+            <a:schemeClr val="tx1"/>
+          </a:fontRef>
+        </p:style>
+      </p:cxnSp>
+      <p:cxnSp>
+        <p:nvCxnSpPr>
+          <p:cNvPr id="15" name="Straight Connector 14">
+            <a:extLst>
+              <a:ext uri="{FF2B5EF4-FFF2-40B4-BE49-F238E27FC236}">
+                <a16:creationId xmlns:a16="http://schemas.microsoft.com/office/drawing/2014/main" id="{E41600B6-B308-6343-8063-4470811F6F7E}"/>
+              </a:ext>
+            </a:extLst>
+          </p:cNvPr>
+          <p:cNvCxnSpPr/>
+          <p:nvPr/>
+        </p:nvCxnSpPr>
+        <p:spPr>
+          <a:xfrm>
+            <a:off x="7858698" y="1828800"/>
+            <a:ext cx="0" cy="341523"/>
+          </a:xfrm>
+          <a:prstGeom prst="line">
+            <a:avLst/>
+          </a:prstGeom>
+          <a:ln w="38100">
+            <a:solidFill>
+              <a:schemeClr val="bg2">
+                <a:lumMod val="75000"/>
+              </a:schemeClr>
+            </a:solidFill>
+          </a:ln>
+        </p:spPr>
+        <p:style>
+          <a:lnRef idx="1">
+            <a:schemeClr val="accent1"/>
+          </a:lnRef>
+          <a:fillRef idx="0">
+            <a:schemeClr val="accent1"/>
+          </a:fillRef>
+          <a:effectRef idx="0">
+            <a:schemeClr val="accent1"/>
+          </a:effectRef>
+          <a:fontRef idx="minor">
+            <a:schemeClr val="tx1"/>
+          </a:fontRef>
+        </p:style>
+      </p:cxnSp>
+      <p:sp>
+        <p:nvSpPr>
+          <p:cNvPr id="4" name="Rectangle 3">
+            <a:extLst>
+              <a:ext uri="{FF2B5EF4-FFF2-40B4-BE49-F238E27FC236}">
+                <a16:creationId xmlns:a16="http://schemas.microsoft.com/office/drawing/2014/main" id="{21996AA9-6814-C848-9DF4-9CFB267DF239}"/>
+              </a:ext>
+            </a:extLst>
+          </p:cNvPr>
+          <p:cNvSpPr/>
+          <p:nvPr/>
+        </p:nvSpPr>
+        <p:spPr>
+          <a:xfrm>
+            <a:off x="2864386" y="1828796"/>
+            <a:ext cx="5618602" cy="154236"/>
+          </a:xfrm>
+          <a:prstGeom prst="rect">
+            <a:avLst/>
+          </a:prstGeom>
+          <a:gradFill flip="none" rotWithShape="1">
+            <a:gsLst>
+              <a:gs pos="79000">
+                <a:schemeClr val="bg2">
+                  <a:lumMod val="75000"/>
+                </a:schemeClr>
+              </a:gs>
+              <a:gs pos="17000">
+                <a:schemeClr val="bg2">
+                  <a:lumMod val="75000"/>
+                </a:schemeClr>
+              </a:gs>
+              <a:gs pos="0">
+                <a:srgbClr val="FF0000">
+                  <a:lumMod val="27000"/>
+                  <a:lumOff val="73000"/>
+                </a:srgbClr>
+              </a:gs>
+              <a:gs pos="100000">
+                <a:schemeClr val="accent6">
+                  <a:lumMod val="23000"/>
+                  <a:lumOff val="77000"/>
+                </a:schemeClr>
+              </a:gs>
+            </a:gsLst>
+            <a:path path="circle">
+              <a:fillToRect l="100000" b="100000"/>
+            </a:path>
+            <a:tileRect t="-100000" r="-100000"/>
+          </a:gradFill>
+          <a:ln>
+            <a:noFill/>
+          </a:ln>
+        </p:spPr>
+        <p:style>
+          <a:lnRef idx="2">
+            <a:schemeClr val="accent1">
+              <a:shade val="50000"/>
+            </a:schemeClr>
+          </a:lnRef>
+          <a:fillRef idx="1">
+            <a:schemeClr val="accent1"/>
+          </a:fillRef>
+          <a:effectRef idx="0">
+            <a:schemeClr val="accent1"/>
+          </a:effectRef>
+          <a:fontRef idx="minor">
+            <a:schemeClr val="lt1"/>
+          </a:fontRef>
+        </p:style>
+        <p:txBody>
+          <a:bodyPr rtlCol="0" anchor="ctr"/>
+          <a:lstStyle/>
+          <a:p>
+            <a:pPr algn="ctr"/>
+            <a:endParaRPr lang="en-US"/>
+          </a:p>
+        </p:txBody>
+      </p:sp>
+      <p:cxnSp>
+        <p:nvCxnSpPr>
+          <p:cNvPr id="6" name="Straight Connector 5">
+            <a:extLst>
+              <a:ext uri="{FF2B5EF4-FFF2-40B4-BE49-F238E27FC236}">
+                <a16:creationId xmlns:a16="http://schemas.microsoft.com/office/drawing/2014/main" id="{9C4EEB05-9771-9746-A39D-D5FED4CCA49C}"/>
+              </a:ext>
+            </a:extLst>
+          </p:cNvPr>
+          <p:cNvCxnSpPr/>
+          <p:nvPr/>
+        </p:nvCxnSpPr>
+        <p:spPr>
+          <a:xfrm>
+            <a:off x="2864386" y="1828800"/>
+            <a:ext cx="0" cy="341523"/>
+          </a:xfrm>
+          <a:prstGeom prst="line">
+            <a:avLst/>
+          </a:prstGeom>
+          <a:ln w="38100">
+            <a:solidFill>
+              <a:schemeClr val="accent6"/>
+            </a:solidFill>
+          </a:ln>
+        </p:spPr>
+        <p:style>
+          <a:lnRef idx="1">
+            <a:schemeClr val="accent1"/>
+          </a:lnRef>
+          <a:fillRef idx="0">
+            <a:schemeClr val="accent1"/>
+          </a:fillRef>
+          <a:effectRef idx="0">
+            <a:schemeClr val="accent1"/>
+          </a:effectRef>
+          <a:fontRef idx="minor">
+            <a:schemeClr val="tx1"/>
+          </a:fontRef>
+        </p:style>
+      </p:cxnSp>
+      <p:cxnSp>
+        <p:nvCxnSpPr>
+          <p:cNvPr id="7" name="Straight Connector 6">
+            <a:extLst>
+              <a:ext uri="{FF2B5EF4-FFF2-40B4-BE49-F238E27FC236}">
+                <a16:creationId xmlns:a16="http://schemas.microsoft.com/office/drawing/2014/main" id="{8A737770-4211-DA43-94A3-856F7B2670F1}"/>
+              </a:ext>
+            </a:extLst>
+          </p:cNvPr>
+          <p:cNvCxnSpPr/>
+          <p:nvPr/>
+        </p:nvCxnSpPr>
+        <p:spPr>
+          <a:xfrm>
+            <a:off x="8482988" y="1828800"/>
+            <a:ext cx="0" cy="341523"/>
+          </a:xfrm>
+          <a:prstGeom prst="line">
+            <a:avLst/>
+          </a:prstGeom>
+          <a:ln w="38100">
+            <a:solidFill>
+              <a:srgbClr val="FF0000"/>
+            </a:solidFill>
+          </a:ln>
+        </p:spPr>
+        <p:style>
+          <a:lnRef idx="1">
+            <a:schemeClr val="accent1"/>
+          </a:lnRef>
+          <a:fillRef idx="0">
+            <a:schemeClr val="accent1"/>
+          </a:fillRef>
+          <a:effectRef idx="0">
+            <a:schemeClr val="accent1"/>
+          </a:effectRef>
+          <a:fontRef idx="minor">
+            <a:schemeClr val="tx1"/>
+          </a:fontRef>
+        </p:style>
+      </p:cxnSp>
+      <p:sp>
+        <p:nvSpPr>
+          <p:cNvPr id="21" name="Rectangle 20">
+            <a:extLst>
+              <a:ext uri="{FF2B5EF4-FFF2-40B4-BE49-F238E27FC236}">
+                <a16:creationId xmlns:a16="http://schemas.microsoft.com/office/drawing/2014/main" id="{E8D01089-FE5C-A34D-A03B-A4D807BFAFC4}"/>
+              </a:ext>
+            </a:extLst>
+          </p:cNvPr>
+          <p:cNvSpPr/>
+          <p:nvPr/>
+        </p:nvSpPr>
+        <p:spPr>
+          <a:xfrm>
+            <a:off x="4726236" y="1434947"/>
+            <a:ext cx="1872867" cy="154236"/>
+          </a:xfrm>
+          <a:prstGeom prst="rect">
+            <a:avLst/>
+          </a:prstGeom>
+          <a:solidFill>
+            <a:schemeClr val="accent6">
+              <a:lumMod val="40000"/>
+              <a:lumOff val="60000"/>
+            </a:schemeClr>
+          </a:solidFill>
+        </p:spPr>
+        <p:style>
+          <a:lnRef idx="2">
+            <a:schemeClr val="accent1">
+              <a:shade val="50000"/>
+            </a:schemeClr>
+          </a:lnRef>
+          <a:fillRef idx="1">
+            <a:schemeClr val="accent1"/>
+          </a:fillRef>
+          <a:effectRef idx="0">
+            <a:schemeClr val="accent1"/>
+          </a:effectRef>
+          <a:fontRef idx="minor">
+            <a:schemeClr val="lt1"/>
+          </a:fontRef>
+        </p:style>
+        <p:txBody>
+          <a:bodyPr rtlCol="0" anchor="ctr"/>
+          <a:lstStyle/>
+          <a:p>
+            <a:pPr algn="ctr"/>
+            <a:endParaRPr lang="en-US"/>
+          </a:p>
+        </p:txBody>
+      </p:sp>
+      <p:sp>
+        <p:nvSpPr>
+          <p:cNvPr id="22" name="Rectangle 21">
+            <a:extLst>
+              <a:ext uri="{FF2B5EF4-FFF2-40B4-BE49-F238E27FC236}">
+                <a16:creationId xmlns:a16="http://schemas.microsoft.com/office/drawing/2014/main" id="{2FB6239F-DDBC-BD44-A3C1-E05506B9C24C}"/>
+              </a:ext>
+            </a:extLst>
+          </p:cNvPr>
+          <p:cNvSpPr/>
+          <p:nvPr/>
+        </p:nvSpPr>
+        <p:spPr>
+          <a:xfrm>
+            <a:off x="6599103" y="1434947"/>
+            <a:ext cx="1872867" cy="154236"/>
+          </a:xfrm>
+          <a:prstGeom prst="rect">
+            <a:avLst/>
+          </a:prstGeom>
+          <a:solidFill>
+            <a:schemeClr val="accent6">
+              <a:lumMod val="75000"/>
+            </a:schemeClr>
+          </a:solidFill>
+        </p:spPr>
+        <p:style>
+          <a:lnRef idx="2">
+            <a:schemeClr val="accent1">
+              <a:shade val="50000"/>
+            </a:schemeClr>
+          </a:lnRef>
+          <a:fillRef idx="1">
+            <a:schemeClr val="accent1"/>
+          </a:fillRef>
+          <a:effectRef idx="0">
+            <a:schemeClr val="accent1"/>
+          </a:effectRef>
+          <a:fontRef idx="minor">
+            <a:schemeClr val="lt1"/>
+          </a:fontRef>
+        </p:style>
+        <p:txBody>
+          <a:bodyPr rtlCol="0" anchor="ctr"/>
+          <a:lstStyle/>
+          <a:p>
+            <a:pPr algn="ctr"/>
+            <a:endParaRPr lang="en-US"/>
+          </a:p>
+        </p:txBody>
+      </p:sp>
+      <p:sp>
+        <p:nvSpPr>
+          <p:cNvPr id="23" name="Rectangle 22">
+            <a:extLst>
+              <a:ext uri="{FF2B5EF4-FFF2-40B4-BE49-F238E27FC236}">
+                <a16:creationId xmlns:a16="http://schemas.microsoft.com/office/drawing/2014/main" id="{35D7B528-4B75-F14C-B8C1-1A6F613AA83E}"/>
+              </a:ext>
+            </a:extLst>
+          </p:cNvPr>
+          <p:cNvSpPr/>
+          <p:nvPr/>
+        </p:nvSpPr>
+        <p:spPr>
+          <a:xfrm>
+            <a:off x="2853369" y="1627742"/>
+            <a:ext cx="1872867" cy="154236"/>
+          </a:xfrm>
+          <a:prstGeom prst="rect">
+            <a:avLst/>
+          </a:prstGeom>
+          <a:solidFill>
+            <a:srgbClr val="C00000"/>
+          </a:solidFill>
+        </p:spPr>
+        <p:style>
+          <a:lnRef idx="2">
+            <a:schemeClr val="accent1">
+              <a:shade val="50000"/>
+            </a:schemeClr>
+          </a:lnRef>
+          <a:fillRef idx="1">
+            <a:schemeClr val="accent1"/>
+          </a:fillRef>
+          <a:effectRef idx="0">
+            <a:schemeClr val="accent1"/>
+          </a:effectRef>
+          <a:fontRef idx="minor">
+            <a:schemeClr val="lt1"/>
+          </a:fontRef>
+        </p:style>
+        <p:txBody>
+          <a:bodyPr rtlCol="0" anchor="ctr"/>
+          <a:lstStyle/>
+          <a:p>
+            <a:pPr algn="ctr"/>
+            <a:endParaRPr lang="en-US"/>
+          </a:p>
+        </p:txBody>
+      </p:sp>
+      <p:sp>
+        <p:nvSpPr>
+          <p:cNvPr id="24" name="Rectangle 23">
+            <a:extLst>
+              <a:ext uri="{FF2B5EF4-FFF2-40B4-BE49-F238E27FC236}">
+                <a16:creationId xmlns:a16="http://schemas.microsoft.com/office/drawing/2014/main" id="{FF1476E8-FA3D-4148-9F49-C9FB1E54CB10}"/>
+              </a:ext>
+            </a:extLst>
+          </p:cNvPr>
+          <p:cNvSpPr/>
+          <p:nvPr/>
+        </p:nvSpPr>
+        <p:spPr>
+          <a:xfrm>
+            <a:off x="4726235" y="1627742"/>
+            <a:ext cx="1872867" cy="154236"/>
+          </a:xfrm>
+          <a:prstGeom prst="rect">
+            <a:avLst/>
+          </a:prstGeom>
+          <a:solidFill>
+            <a:schemeClr val="accent2">
+              <a:lumMod val="60000"/>
+              <a:lumOff val="40000"/>
+            </a:schemeClr>
+          </a:solidFill>
+        </p:spPr>
+        <p:style>
+          <a:lnRef idx="2">
+            <a:schemeClr val="accent1">
+              <a:shade val="50000"/>
+            </a:schemeClr>
+          </a:lnRef>
+          <a:fillRef idx="1">
+            <a:schemeClr val="accent1"/>
+          </a:fillRef>
+          <a:effectRef idx="0">
+            <a:schemeClr val="accent1"/>
+          </a:effectRef>
+          <a:fontRef idx="minor">
+            <a:schemeClr val="lt1"/>
+          </a:fontRef>
+        </p:style>
+        <p:txBody>
+          <a:bodyPr rtlCol="0" anchor="ctr"/>
+          <a:lstStyle/>
+          <a:p>
+            <a:pPr algn="ctr"/>
+            <a:endParaRPr lang="en-US"/>
+          </a:p>
+        </p:txBody>
+      </p:sp>
+      <p:sp>
+        <p:nvSpPr>
+          <p:cNvPr id="25" name="TextBox 24">
+            <a:extLst>
+              <a:ext uri="{FF2B5EF4-FFF2-40B4-BE49-F238E27FC236}">
+                <a16:creationId xmlns:a16="http://schemas.microsoft.com/office/drawing/2014/main" id="{A91E4D0A-2B4A-0546-9AA3-132AE68772C5}"/>
+              </a:ext>
+            </a:extLst>
+          </p:cNvPr>
+          <p:cNvSpPr txBox="1"/>
+          <p:nvPr/>
+        </p:nvSpPr>
+        <p:spPr>
+          <a:xfrm>
+            <a:off x="2688116" y="2244679"/>
+            <a:ext cx="352540" cy="276999"/>
+          </a:xfrm>
+          <a:prstGeom prst="rect">
+            <a:avLst/>
+          </a:prstGeom>
+          <a:noFill/>
+        </p:spPr>
+        <p:txBody>
+          <a:bodyPr wrap="square" rtlCol="0">
+            <a:spAutoFit/>
+          </a:bodyPr>
+          <a:lstStyle/>
+          <a:p>
+            <a:pPr algn="ctr"/>
+            <a:r>
+              <a:rPr lang="en-US" sz="1200" dirty="0"/>
+              <a:t>00</a:t>
+            </a:r>
+          </a:p>
+        </p:txBody>
+      </p:sp>
+      <p:sp>
+        <p:nvSpPr>
+          <p:cNvPr id="26" name="TextBox 25">
+            <a:extLst>
+              <a:ext uri="{FF2B5EF4-FFF2-40B4-BE49-F238E27FC236}">
+                <a16:creationId xmlns:a16="http://schemas.microsoft.com/office/drawing/2014/main" id="{9F2E1A25-B063-C64E-AB24-ED6A60D2E5F6}"/>
+              </a:ext>
+            </a:extLst>
+          </p:cNvPr>
+          <p:cNvSpPr txBox="1"/>
+          <p:nvPr/>
+        </p:nvSpPr>
+        <p:spPr>
+          <a:xfrm>
+            <a:off x="3312405" y="2244679"/>
+            <a:ext cx="352540" cy="276999"/>
+          </a:xfrm>
+          <a:prstGeom prst="rect">
+            <a:avLst/>
+          </a:prstGeom>
+          <a:noFill/>
+        </p:spPr>
+        <p:txBody>
+          <a:bodyPr wrap="square" rtlCol="0">
+            <a:spAutoFit/>
+          </a:bodyPr>
+          <a:lstStyle/>
+          <a:p>
+            <a:pPr algn="ctr"/>
+            <a:r>
+              <a:rPr lang="en-US" sz="1200" dirty="0"/>
+              <a:t>11</a:t>
+            </a:r>
+          </a:p>
+        </p:txBody>
+      </p:sp>
+      <p:sp>
+        <p:nvSpPr>
+          <p:cNvPr id="27" name="TextBox 26">
+            <a:extLst>
+              <a:ext uri="{FF2B5EF4-FFF2-40B4-BE49-F238E27FC236}">
+                <a16:creationId xmlns:a16="http://schemas.microsoft.com/office/drawing/2014/main" id="{EEB53355-E659-3D46-B5E9-5AE450F2A2AE}"/>
+              </a:ext>
+            </a:extLst>
+          </p:cNvPr>
+          <p:cNvSpPr txBox="1"/>
+          <p:nvPr/>
+        </p:nvSpPr>
+        <p:spPr>
+          <a:xfrm>
+            <a:off x="3936694" y="2244679"/>
+            <a:ext cx="352540" cy="276999"/>
+          </a:xfrm>
+          <a:prstGeom prst="rect">
+            <a:avLst/>
+          </a:prstGeom>
+          <a:noFill/>
+        </p:spPr>
+        <p:txBody>
+          <a:bodyPr wrap="square" rtlCol="0">
+            <a:spAutoFit/>
+          </a:bodyPr>
+          <a:lstStyle/>
+          <a:p>
+            <a:pPr algn="ctr"/>
+            <a:r>
+              <a:rPr lang="en-US" sz="1200" dirty="0"/>
+              <a:t>22</a:t>
+            </a:r>
+          </a:p>
+        </p:txBody>
+      </p:sp>
+      <p:sp>
+        <p:nvSpPr>
+          <p:cNvPr id="28" name="TextBox 27">
+            <a:extLst>
+              <a:ext uri="{FF2B5EF4-FFF2-40B4-BE49-F238E27FC236}">
+                <a16:creationId xmlns:a16="http://schemas.microsoft.com/office/drawing/2014/main" id="{472A5A05-406D-FA44-AEF0-6513EAFDFC7C}"/>
+              </a:ext>
+            </a:extLst>
+          </p:cNvPr>
+          <p:cNvSpPr txBox="1"/>
+          <p:nvPr/>
+        </p:nvSpPr>
+        <p:spPr>
+          <a:xfrm>
+            <a:off x="4560983" y="2244679"/>
+            <a:ext cx="352540" cy="276999"/>
+          </a:xfrm>
+          <a:prstGeom prst="rect">
+            <a:avLst/>
+          </a:prstGeom>
+          <a:noFill/>
+        </p:spPr>
+        <p:txBody>
+          <a:bodyPr wrap="square" rtlCol="0">
+            <a:spAutoFit/>
+          </a:bodyPr>
+          <a:lstStyle/>
+          <a:p>
+            <a:pPr algn="ctr"/>
+            <a:r>
+              <a:rPr lang="en-US" sz="1200" dirty="0"/>
+              <a:t>33</a:t>
+            </a:r>
+          </a:p>
+        </p:txBody>
+      </p:sp>
+      <p:sp>
+        <p:nvSpPr>
+          <p:cNvPr id="29" name="TextBox 28">
+            <a:extLst>
+              <a:ext uri="{FF2B5EF4-FFF2-40B4-BE49-F238E27FC236}">
+                <a16:creationId xmlns:a16="http://schemas.microsoft.com/office/drawing/2014/main" id="{C6EFFF7E-EEB1-F64C-B0E1-6D8D11AF28AC}"/>
+              </a:ext>
+            </a:extLst>
+          </p:cNvPr>
+          <p:cNvSpPr txBox="1"/>
+          <p:nvPr/>
+        </p:nvSpPr>
+        <p:spPr>
+          <a:xfrm>
+            <a:off x="5185272" y="2244679"/>
+            <a:ext cx="352540" cy="276999"/>
+          </a:xfrm>
+          <a:prstGeom prst="rect">
+            <a:avLst/>
+          </a:prstGeom>
+          <a:noFill/>
+        </p:spPr>
+        <p:txBody>
+          <a:bodyPr wrap="square" rtlCol="0">
+            <a:spAutoFit/>
+          </a:bodyPr>
+          <a:lstStyle/>
+          <a:p>
+            <a:pPr algn="ctr"/>
+            <a:r>
+              <a:rPr lang="en-US" sz="1200" dirty="0"/>
+              <a:t>44</a:t>
+            </a:r>
+          </a:p>
+        </p:txBody>
+      </p:sp>
+      <p:sp>
+        <p:nvSpPr>
+          <p:cNvPr id="30" name="TextBox 29">
+            <a:extLst>
+              <a:ext uri="{FF2B5EF4-FFF2-40B4-BE49-F238E27FC236}">
+                <a16:creationId xmlns:a16="http://schemas.microsoft.com/office/drawing/2014/main" id="{4A7F3D8C-221C-4B45-B872-8D04B16317D2}"/>
+              </a:ext>
+            </a:extLst>
+          </p:cNvPr>
+          <p:cNvSpPr txBox="1"/>
+          <p:nvPr/>
+        </p:nvSpPr>
+        <p:spPr>
+          <a:xfrm>
+            <a:off x="5809561" y="2244679"/>
+            <a:ext cx="352540" cy="276999"/>
+          </a:xfrm>
+          <a:prstGeom prst="rect">
+            <a:avLst/>
+          </a:prstGeom>
+          <a:noFill/>
+        </p:spPr>
+        <p:txBody>
+          <a:bodyPr wrap="square" rtlCol="0">
+            <a:spAutoFit/>
+          </a:bodyPr>
+          <a:lstStyle/>
+          <a:p>
+            <a:pPr algn="ctr"/>
+            <a:r>
+              <a:rPr lang="en-US" sz="1200" dirty="0"/>
+              <a:t>55</a:t>
+            </a:r>
+          </a:p>
+        </p:txBody>
+      </p:sp>
+      <p:sp>
+        <p:nvSpPr>
+          <p:cNvPr id="31" name="TextBox 30">
+            <a:extLst>
+              <a:ext uri="{FF2B5EF4-FFF2-40B4-BE49-F238E27FC236}">
+                <a16:creationId xmlns:a16="http://schemas.microsoft.com/office/drawing/2014/main" id="{DAADDD48-D8B9-0D42-A9E8-284F6C68E019}"/>
+              </a:ext>
+            </a:extLst>
+          </p:cNvPr>
+          <p:cNvSpPr txBox="1"/>
+          <p:nvPr/>
+        </p:nvSpPr>
+        <p:spPr>
+          <a:xfrm>
+            <a:off x="6433850" y="2244679"/>
+            <a:ext cx="352540" cy="276999"/>
+          </a:xfrm>
+          <a:prstGeom prst="rect">
+            <a:avLst/>
+          </a:prstGeom>
+          <a:noFill/>
+        </p:spPr>
+        <p:txBody>
+          <a:bodyPr wrap="square" rtlCol="0">
+            <a:spAutoFit/>
+          </a:bodyPr>
+          <a:lstStyle/>
+          <a:p>
+            <a:pPr algn="ctr"/>
+            <a:r>
+              <a:rPr lang="en-US" sz="1200" dirty="0"/>
+              <a:t>66</a:t>
+            </a:r>
+          </a:p>
+        </p:txBody>
+      </p:sp>
+      <p:sp>
+        <p:nvSpPr>
+          <p:cNvPr id="32" name="TextBox 31">
+            <a:extLst>
+              <a:ext uri="{FF2B5EF4-FFF2-40B4-BE49-F238E27FC236}">
+                <a16:creationId xmlns:a16="http://schemas.microsoft.com/office/drawing/2014/main" id="{C83D1C72-1461-FC43-87BC-575C598C22E7}"/>
+              </a:ext>
+            </a:extLst>
+          </p:cNvPr>
+          <p:cNvSpPr txBox="1"/>
+          <p:nvPr/>
+        </p:nvSpPr>
+        <p:spPr>
+          <a:xfrm>
+            <a:off x="7058139" y="2244679"/>
+            <a:ext cx="352540" cy="276999"/>
+          </a:xfrm>
+          <a:prstGeom prst="rect">
+            <a:avLst/>
+          </a:prstGeom>
+          <a:noFill/>
+        </p:spPr>
+        <p:txBody>
+          <a:bodyPr wrap="square" rtlCol="0">
+            <a:spAutoFit/>
+          </a:bodyPr>
+          <a:lstStyle/>
+          <a:p>
+            <a:pPr algn="ctr"/>
+            <a:r>
+              <a:rPr lang="en-US" sz="1200" dirty="0"/>
+              <a:t>77</a:t>
+            </a:r>
+          </a:p>
+        </p:txBody>
+      </p:sp>
+      <p:sp>
+        <p:nvSpPr>
+          <p:cNvPr id="33" name="TextBox 32">
+            <a:extLst>
+              <a:ext uri="{FF2B5EF4-FFF2-40B4-BE49-F238E27FC236}">
+                <a16:creationId xmlns:a16="http://schemas.microsoft.com/office/drawing/2014/main" id="{FE9EE899-22C0-5B4F-A4FF-A588F697026A}"/>
+              </a:ext>
+            </a:extLst>
+          </p:cNvPr>
+          <p:cNvSpPr txBox="1"/>
+          <p:nvPr/>
+        </p:nvSpPr>
+        <p:spPr>
+          <a:xfrm>
+            <a:off x="7682428" y="2244679"/>
+            <a:ext cx="352540" cy="276999"/>
+          </a:xfrm>
+          <a:prstGeom prst="rect">
+            <a:avLst/>
+          </a:prstGeom>
+          <a:noFill/>
+        </p:spPr>
+        <p:txBody>
+          <a:bodyPr wrap="square" rtlCol="0">
+            <a:spAutoFit/>
+          </a:bodyPr>
+          <a:lstStyle/>
+          <a:p>
+            <a:pPr algn="ctr"/>
+            <a:r>
+              <a:rPr lang="en-US" sz="1200" dirty="0"/>
+              <a:t>88</a:t>
+            </a:r>
+          </a:p>
+        </p:txBody>
+      </p:sp>
+      <p:sp>
+        <p:nvSpPr>
+          <p:cNvPr id="34" name="TextBox 33">
+            <a:extLst>
+              <a:ext uri="{FF2B5EF4-FFF2-40B4-BE49-F238E27FC236}">
+                <a16:creationId xmlns:a16="http://schemas.microsoft.com/office/drawing/2014/main" id="{76DBF979-953E-D945-AE38-294D89431559}"/>
+              </a:ext>
+            </a:extLst>
+          </p:cNvPr>
+          <p:cNvSpPr txBox="1"/>
+          <p:nvPr/>
+        </p:nvSpPr>
+        <p:spPr>
+          <a:xfrm>
+            <a:off x="8306717" y="2244679"/>
+            <a:ext cx="352540" cy="276999"/>
+          </a:xfrm>
+          <a:prstGeom prst="rect">
+            <a:avLst/>
+          </a:prstGeom>
+          <a:noFill/>
+        </p:spPr>
+        <p:txBody>
+          <a:bodyPr wrap="square" rtlCol="0">
+            <a:spAutoFit/>
+          </a:bodyPr>
+          <a:lstStyle/>
+          <a:p>
+            <a:pPr algn="ctr"/>
+            <a:r>
+              <a:rPr lang="en-US" sz="1200" dirty="0"/>
+              <a:t>99</a:t>
+            </a:r>
+          </a:p>
+        </p:txBody>
+      </p:sp>
+    </p:spTree>
+    <p:extLst>
+      <p:ext uri="{BB962C8B-B14F-4D97-AF65-F5344CB8AC3E}">
+        <p14:creationId xmlns:p14="http://schemas.microsoft.com/office/powerpoint/2010/main" val="608734863"/>
       </p:ext>
     </p:extLst>
   </p:cSld>

--- a/cheat-sheet-system/supplement/figure-layout.pptx
+++ b/cheat-sheet-system/supplement/figure-layout.pptx
@@ -2,10 +2,10 @@
 <file path=ppt/presentation.xml><?xml version="1.0" encoding="utf-8"?>
 <p:presentation xmlns:a="http://schemas.openxmlformats.org/drawingml/2006/main" xmlns:r="http://schemas.openxmlformats.org/officeDocument/2006/relationships" xmlns:p="http://schemas.openxmlformats.org/presentationml/2006/main" saveSubsetFonts="1" autoCompressPictures="0">
   <p:sldMasterIdLst>
-    <p:sldMasterId id="2147483648" r:id="rId1"/>
+    <p:sldMasterId id="2147483660" r:id="rId1"/>
   </p:sldMasterIdLst>
   <p:notesMasterIdLst>
-    <p:notesMasterId r:id="rId7"/>
+    <p:notesMasterId r:id="rId11"/>
   </p:notesMasterIdLst>
   <p:sldIdLst>
     <p:sldId id="257" r:id="rId2"/>
@@ -13,14 +13,18 @@
     <p:sldId id="259" r:id="rId4"/>
     <p:sldId id="260" r:id="rId5"/>
     <p:sldId id="261" r:id="rId6"/>
+    <p:sldId id="262" r:id="rId7"/>
+    <p:sldId id="263" r:id="rId8"/>
+    <p:sldId id="266" r:id="rId9"/>
+    <p:sldId id="268" r:id="rId10"/>
   </p:sldIdLst>
-  <p:sldSz cx="12192000" cy="6858000"/>
+  <p:sldSz cx="12192000" cy="10799763"/>
   <p:notesSz cx="6858000" cy="9144000"/>
   <p:defaultTextStyle>
     <a:defPPr>
       <a:defRPr lang="en-US"/>
     </a:defPPr>
-    <a:lvl1pPr marL="0" algn="l" defTabSz="914400" rtl="0" eaLnBrk="1" latinLnBrk="0" hangingPunct="1">
+    <a:lvl1pPr marL="0" algn="l" defTabSz="457200" rtl="0" eaLnBrk="1" latinLnBrk="0" hangingPunct="1">
       <a:defRPr sz="1800" kern="1200">
         <a:solidFill>
           <a:schemeClr val="tx1"/>
@@ -30,7 +34,7 @@
         <a:cs typeface="+mn-cs"/>
       </a:defRPr>
     </a:lvl1pPr>
-    <a:lvl2pPr marL="457200" algn="l" defTabSz="914400" rtl="0" eaLnBrk="1" latinLnBrk="0" hangingPunct="1">
+    <a:lvl2pPr marL="457200" algn="l" defTabSz="457200" rtl="0" eaLnBrk="1" latinLnBrk="0" hangingPunct="1">
       <a:defRPr sz="1800" kern="1200">
         <a:solidFill>
           <a:schemeClr val="tx1"/>
@@ -40,7 +44,7 @@
         <a:cs typeface="+mn-cs"/>
       </a:defRPr>
     </a:lvl2pPr>
-    <a:lvl3pPr marL="914400" algn="l" defTabSz="914400" rtl="0" eaLnBrk="1" latinLnBrk="0" hangingPunct="1">
+    <a:lvl3pPr marL="914400" algn="l" defTabSz="457200" rtl="0" eaLnBrk="1" latinLnBrk="0" hangingPunct="1">
       <a:defRPr sz="1800" kern="1200">
         <a:solidFill>
           <a:schemeClr val="tx1"/>
@@ -50,7 +54,7 @@
         <a:cs typeface="+mn-cs"/>
       </a:defRPr>
     </a:lvl3pPr>
-    <a:lvl4pPr marL="1371600" algn="l" defTabSz="914400" rtl="0" eaLnBrk="1" latinLnBrk="0" hangingPunct="1">
+    <a:lvl4pPr marL="1371600" algn="l" defTabSz="457200" rtl="0" eaLnBrk="1" latinLnBrk="0" hangingPunct="1">
       <a:defRPr sz="1800" kern="1200">
         <a:solidFill>
           <a:schemeClr val="tx1"/>
@@ -60,7 +64,7 @@
         <a:cs typeface="+mn-cs"/>
       </a:defRPr>
     </a:lvl4pPr>
-    <a:lvl5pPr marL="1828800" algn="l" defTabSz="914400" rtl="0" eaLnBrk="1" latinLnBrk="0" hangingPunct="1">
+    <a:lvl5pPr marL="1828800" algn="l" defTabSz="457200" rtl="0" eaLnBrk="1" latinLnBrk="0" hangingPunct="1">
       <a:defRPr sz="1800" kern="1200">
         <a:solidFill>
           <a:schemeClr val="tx1"/>
@@ -70,7 +74,7 @@
         <a:cs typeface="+mn-cs"/>
       </a:defRPr>
     </a:lvl5pPr>
-    <a:lvl6pPr marL="2286000" algn="l" defTabSz="914400" rtl="0" eaLnBrk="1" latinLnBrk="0" hangingPunct="1">
+    <a:lvl6pPr marL="2286000" algn="l" defTabSz="457200" rtl="0" eaLnBrk="1" latinLnBrk="0" hangingPunct="1">
       <a:defRPr sz="1800" kern="1200">
         <a:solidFill>
           <a:schemeClr val="tx1"/>
@@ -80,7 +84,7 @@
         <a:cs typeface="+mn-cs"/>
       </a:defRPr>
     </a:lvl6pPr>
-    <a:lvl7pPr marL="2743200" algn="l" defTabSz="914400" rtl="0" eaLnBrk="1" latinLnBrk="0" hangingPunct="1">
+    <a:lvl7pPr marL="2743200" algn="l" defTabSz="457200" rtl="0" eaLnBrk="1" latinLnBrk="0" hangingPunct="1">
       <a:defRPr sz="1800" kern="1200">
         <a:solidFill>
           <a:schemeClr val="tx1"/>
@@ -90,7 +94,7 @@
         <a:cs typeface="+mn-cs"/>
       </a:defRPr>
     </a:lvl7pPr>
-    <a:lvl8pPr marL="3200400" algn="l" defTabSz="914400" rtl="0" eaLnBrk="1" latinLnBrk="0" hangingPunct="1">
+    <a:lvl8pPr marL="3200400" algn="l" defTabSz="457200" rtl="0" eaLnBrk="1" latinLnBrk="0" hangingPunct="1">
       <a:defRPr sz="1800" kern="1200">
         <a:solidFill>
           <a:schemeClr val="tx1"/>
@@ -100,7 +104,7 @@
         <a:cs typeface="+mn-cs"/>
       </a:defRPr>
     </a:lvl8pPr>
-    <a:lvl9pPr marL="3657600" algn="l" defTabSz="914400" rtl="0" eaLnBrk="1" latinLnBrk="0" hangingPunct="1">
+    <a:lvl9pPr marL="3657600" algn="l" defTabSz="457200" rtl="0" eaLnBrk="1" latinLnBrk="0" hangingPunct="1">
       <a:defRPr sz="1800" kern="1200">
         <a:solidFill>
           <a:schemeClr val="tx1"/>
@@ -201,7 +205,7 @@
           <a:p>
             <a:fld id="{7FA39CCC-590F-1541-9ADD-B2E5AA3EC406}" type="datetimeFigureOut">
               <a:rPr lang="en-US" smtClean="0"/>
-              <a:t>5/1/19</a:t>
+              <a:t>5/4/19</a:t>
             </a:fld>
             <a:endParaRPr lang="en-US"/>
           </a:p>
@@ -219,8 +223,8 @@
         </p:nvSpPr>
         <p:spPr>
           <a:xfrm>
-            <a:off x="685800" y="1143000"/>
-            <a:ext cx="5486400" cy="3086100"/>
+            <a:off x="1687513" y="1143000"/>
+            <a:ext cx="3482975" cy="3086100"/>
           </a:xfrm>
           <a:prstGeom prst="rect">
             <a:avLst/>
@@ -497,15 +501,15 @@
         </p:nvSpPr>
         <p:spPr>
           <a:xfrm>
-            <a:off x="1524000" y="1122363"/>
-            <a:ext cx="9144000" cy="2387600"/>
+            <a:off x="914400" y="1767462"/>
+            <a:ext cx="10363200" cy="3759917"/>
           </a:xfrm>
         </p:spPr>
         <p:txBody>
           <a:bodyPr anchor="b"/>
           <a:lstStyle>
             <a:lvl1pPr algn="ctr">
-              <a:defRPr sz="6000"/>
+              <a:defRPr sz="8000"/>
             </a:lvl1pPr>
           </a:lstStyle>
           <a:p>
@@ -513,6 +517,7 @@
               <a:rPr lang="en-US"/>
               <a:t>Click to edit Master title style</a:t>
             </a:r>
+            <a:endParaRPr lang="en-US" dirty="0"/>
           </a:p>
         </p:txBody>
       </p:sp>
@@ -528,8 +533,8 @@
         </p:nvSpPr>
         <p:spPr>
           <a:xfrm>
-            <a:off x="1524000" y="3602038"/>
-            <a:ext cx="9144000" cy="1655762"/>
+            <a:off x="1524000" y="5672376"/>
+            <a:ext cx="9144000" cy="2607442"/>
           </a:xfrm>
         </p:spPr>
         <p:txBody>
@@ -537,39 +542,39 @@
           <a:lstStyle>
             <a:lvl1pPr marL="0" indent="0" algn="ctr">
               <a:buNone/>
+              <a:defRPr sz="3200"/>
+            </a:lvl1pPr>
+            <a:lvl2pPr marL="609585" indent="0" algn="ctr">
+              <a:buNone/>
+              <a:defRPr sz="2667"/>
+            </a:lvl2pPr>
+            <a:lvl3pPr marL="1219170" indent="0" algn="ctr">
+              <a:buNone/>
               <a:defRPr sz="2400"/>
-            </a:lvl1pPr>
-            <a:lvl2pPr marL="457200" indent="0" algn="ctr">
+            </a:lvl3pPr>
+            <a:lvl4pPr marL="1828754" indent="0" algn="ctr">
               <a:buNone/>
-              <a:defRPr sz="2000"/>
-            </a:lvl2pPr>
-            <a:lvl3pPr marL="914400" indent="0" algn="ctr">
+              <a:defRPr sz="2133"/>
+            </a:lvl4pPr>
+            <a:lvl5pPr marL="2438339" indent="0" algn="ctr">
               <a:buNone/>
-              <a:defRPr sz="1800"/>
-            </a:lvl3pPr>
-            <a:lvl4pPr marL="1371600" indent="0" algn="ctr">
+              <a:defRPr sz="2133"/>
+            </a:lvl5pPr>
+            <a:lvl6pPr marL="3047924" indent="0" algn="ctr">
               <a:buNone/>
-              <a:defRPr sz="1600"/>
-            </a:lvl4pPr>
-            <a:lvl5pPr marL="1828800" indent="0" algn="ctr">
+              <a:defRPr sz="2133"/>
+            </a:lvl6pPr>
+            <a:lvl7pPr marL="3657509" indent="0" algn="ctr">
               <a:buNone/>
-              <a:defRPr sz="1600"/>
-            </a:lvl5pPr>
-            <a:lvl6pPr marL="2286000" indent="0" algn="ctr">
+              <a:defRPr sz="2133"/>
+            </a:lvl7pPr>
+            <a:lvl8pPr marL="4267093" indent="0" algn="ctr">
               <a:buNone/>
-              <a:defRPr sz="1600"/>
-            </a:lvl6pPr>
-            <a:lvl7pPr marL="2743200" indent="0" algn="ctr">
+              <a:defRPr sz="2133"/>
+            </a:lvl8pPr>
+            <a:lvl9pPr marL="4876678" indent="0" algn="ctr">
               <a:buNone/>
-              <a:defRPr sz="1600"/>
-            </a:lvl7pPr>
-            <a:lvl8pPr marL="3200400" indent="0" algn="ctr">
-              <a:buNone/>
-              <a:defRPr sz="1600"/>
-            </a:lvl8pPr>
-            <a:lvl9pPr marL="3657600" indent="0" algn="ctr">
-              <a:buNone/>
-              <a:defRPr sz="1600"/>
+              <a:defRPr sz="2133"/>
             </a:lvl9pPr>
           </a:lstStyle>
           <a:p>
@@ -577,6 +582,7 @@
               <a:rPr lang="en-US"/>
               <a:t>Click to edit Master subtitle style</a:t>
             </a:r>
+            <a:endParaRPr lang="en-US" dirty="0"/>
           </a:p>
         </p:txBody>
       </p:sp>
@@ -597,7 +603,7 @@
           <a:p>
             <a:fld id="{C6511869-07AB-EF49-B84E-DA7E82FDC0D2}" type="datetimeFigureOut">
               <a:rPr lang="en-US" smtClean="0"/>
-              <a:t>5/1/19</a:t>
+              <a:t>5/4/19</a:t>
             </a:fld>
             <a:endParaRPr lang="en-US"/>
           </a:p>
@@ -648,7 +654,7 @@
     </p:spTree>
     <p:extLst>
       <p:ext uri="{BB962C8B-B14F-4D97-AF65-F5344CB8AC3E}">
-        <p14:creationId xmlns:p14="http://schemas.microsoft.com/office/powerpoint/2010/main" val="328015387"/>
+        <p14:creationId xmlns:p14="http://schemas.microsoft.com/office/powerpoint/2010/main" val="2414617449"/>
       </p:ext>
     </p:extLst>
   </p:cSld>
@@ -694,6 +700,7 @@
               <a:rPr lang="en-US"/>
               <a:t>Click to edit Master title style</a:t>
             </a:r>
+            <a:endParaRPr lang="en-US" dirty="0"/>
           </a:p>
         </p:txBody>
       </p:sp>
@@ -745,6 +752,7 @@
               <a:rPr lang="en-US"/>
               <a:t>Fifth level</a:t>
             </a:r>
+            <a:endParaRPr lang="en-US" dirty="0"/>
           </a:p>
         </p:txBody>
       </p:sp>
@@ -765,7 +773,7 @@
           <a:p>
             <a:fld id="{C6511869-07AB-EF49-B84E-DA7E82FDC0D2}" type="datetimeFigureOut">
               <a:rPr lang="en-US" smtClean="0"/>
-              <a:t>5/1/19</a:t>
+              <a:t>5/4/19</a:t>
             </a:fld>
             <a:endParaRPr lang="en-US"/>
           </a:p>
@@ -816,7 +824,7 @@
     </p:spTree>
     <p:extLst>
       <p:ext uri="{BB962C8B-B14F-4D97-AF65-F5344CB8AC3E}">
-        <p14:creationId xmlns:p14="http://schemas.microsoft.com/office/powerpoint/2010/main" val="962513770"/>
+        <p14:creationId xmlns:p14="http://schemas.microsoft.com/office/powerpoint/2010/main" val="93045721"/>
       </p:ext>
     </p:extLst>
   </p:cSld>
@@ -855,8 +863,8 @@
         </p:nvSpPr>
         <p:spPr>
           <a:xfrm>
-            <a:off x="8724900" y="365125"/>
-            <a:ext cx="2628900" cy="5811838"/>
+            <a:off x="8724901" y="574987"/>
+            <a:ext cx="2628900" cy="9152300"/>
           </a:xfrm>
         </p:spPr>
         <p:txBody>
@@ -867,6 +875,7 @@
               <a:rPr lang="en-US"/>
               <a:t>Click to edit Master title style</a:t>
             </a:r>
+            <a:endParaRPr lang="en-US" dirty="0"/>
           </a:p>
         </p:txBody>
       </p:sp>
@@ -882,8 +891,8 @@
         </p:nvSpPr>
         <p:spPr>
           <a:xfrm>
-            <a:off x="838200" y="365125"/>
-            <a:ext cx="7734300" cy="5811838"/>
+            <a:off x="838201" y="574987"/>
+            <a:ext cx="7734300" cy="9152300"/>
           </a:xfrm>
         </p:spPr>
         <p:txBody>
@@ -923,6 +932,7 @@
               <a:rPr lang="en-US"/>
               <a:t>Fifth level</a:t>
             </a:r>
+            <a:endParaRPr lang="en-US" dirty="0"/>
           </a:p>
         </p:txBody>
       </p:sp>
@@ -943,7 +953,7 @@
           <a:p>
             <a:fld id="{C6511869-07AB-EF49-B84E-DA7E82FDC0D2}" type="datetimeFigureOut">
               <a:rPr lang="en-US" smtClean="0"/>
-              <a:t>5/1/19</a:t>
+              <a:t>5/4/19</a:t>
             </a:fld>
             <a:endParaRPr lang="en-US"/>
           </a:p>
@@ -994,7 +1004,7 @@
     </p:spTree>
     <p:extLst>
       <p:ext uri="{BB962C8B-B14F-4D97-AF65-F5344CB8AC3E}">
-        <p14:creationId xmlns:p14="http://schemas.microsoft.com/office/powerpoint/2010/main" val="2122103186"/>
+        <p14:creationId xmlns:p14="http://schemas.microsoft.com/office/powerpoint/2010/main" val="2477648594"/>
       </p:ext>
     </p:extLst>
   </p:cSld>
@@ -1040,6 +1050,7 @@
               <a:rPr lang="en-US"/>
               <a:t>Click to edit Master title style</a:t>
             </a:r>
+            <a:endParaRPr lang="en-US" dirty="0"/>
           </a:p>
         </p:txBody>
       </p:sp>
@@ -1091,6 +1102,7 @@
               <a:rPr lang="en-US"/>
               <a:t>Fifth level</a:t>
             </a:r>
+            <a:endParaRPr lang="en-US" dirty="0"/>
           </a:p>
         </p:txBody>
       </p:sp>
@@ -1111,7 +1123,7 @@
           <a:p>
             <a:fld id="{C6511869-07AB-EF49-B84E-DA7E82FDC0D2}" type="datetimeFigureOut">
               <a:rPr lang="en-US" smtClean="0"/>
-              <a:t>5/1/19</a:t>
+              <a:t>5/4/19</a:t>
             </a:fld>
             <a:endParaRPr lang="en-US"/>
           </a:p>
@@ -1162,7 +1174,7 @@
     </p:spTree>
     <p:extLst>
       <p:ext uri="{BB962C8B-B14F-4D97-AF65-F5344CB8AC3E}">
-        <p14:creationId xmlns:p14="http://schemas.microsoft.com/office/powerpoint/2010/main" val="364087460"/>
+        <p14:creationId xmlns:p14="http://schemas.microsoft.com/office/powerpoint/2010/main" val="1087256365"/>
       </p:ext>
     </p:extLst>
   </p:cSld>
@@ -1201,15 +1213,15 @@
         </p:nvSpPr>
         <p:spPr>
           <a:xfrm>
-            <a:off x="831850" y="1709738"/>
-            <a:ext cx="10515600" cy="2852737"/>
+            <a:off x="831851" y="2692444"/>
+            <a:ext cx="10515600" cy="4492401"/>
           </a:xfrm>
         </p:spPr>
         <p:txBody>
           <a:bodyPr anchor="b"/>
           <a:lstStyle>
             <a:lvl1pPr>
-              <a:defRPr sz="6000"/>
+              <a:defRPr sz="8000"/>
             </a:lvl1pPr>
           </a:lstStyle>
           <a:p>
@@ -1217,6 +1229,7 @@
               <a:rPr lang="en-US"/>
               <a:t>Click to edit Master title style</a:t>
             </a:r>
+            <a:endParaRPr lang="en-US" dirty="0"/>
           </a:p>
         </p:txBody>
       </p:sp>
@@ -1232,14 +1245,32 @@
         </p:nvSpPr>
         <p:spPr>
           <a:xfrm>
-            <a:off x="831850" y="4589463"/>
-            <a:ext cx="10515600" cy="1500187"/>
+            <a:off x="831851" y="7227345"/>
+            <a:ext cx="10515600" cy="2362447"/>
           </a:xfrm>
         </p:spPr>
         <p:txBody>
           <a:bodyPr/>
           <a:lstStyle>
             <a:lvl1pPr marL="0" indent="0">
+              <a:buNone/>
+              <a:defRPr sz="3200">
+                <a:solidFill>
+                  <a:schemeClr val="tx1"/>
+                </a:solidFill>
+              </a:defRPr>
+            </a:lvl1pPr>
+            <a:lvl2pPr marL="609585" indent="0">
+              <a:buNone/>
+              <a:defRPr sz="2667">
+                <a:solidFill>
+                  <a:schemeClr val="tx1">
+                    <a:tint val="75000"/>
+                  </a:schemeClr>
+                </a:solidFill>
+              </a:defRPr>
+            </a:lvl2pPr>
+            <a:lvl3pPr marL="1219170" indent="0">
               <a:buNone/>
               <a:defRPr sz="2400">
                 <a:solidFill>
@@ -1248,30 +1279,10 @@
                   </a:schemeClr>
                 </a:solidFill>
               </a:defRPr>
-            </a:lvl1pPr>
-            <a:lvl2pPr marL="457200" indent="0">
+            </a:lvl3pPr>
+            <a:lvl4pPr marL="1828754" indent="0">
               <a:buNone/>
-              <a:defRPr sz="2000">
-                <a:solidFill>
-                  <a:schemeClr val="tx1">
-                    <a:tint val="75000"/>
-                  </a:schemeClr>
-                </a:solidFill>
-              </a:defRPr>
-            </a:lvl2pPr>
-            <a:lvl3pPr marL="914400" indent="0">
-              <a:buNone/>
-              <a:defRPr sz="1800">
-                <a:solidFill>
-                  <a:schemeClr val="tx1">
-                    <a:tint val="75000"/>
-                  </a:schemeClr>
-                </a:solidFill>
-              </a:defRPr>
-            </a:lvl3pPr>
-            <a:lvl4pPr marL="1371600" indent="0">
-              <a:buNone/>
-              <a:defRPr sz="1600">
+              <a:defRPr sz="2133">
                 <a:solidFill>
                   <a:schemeClr val="tx1">
                     <a:tint val="75000"/>
@@ -1279,9 +1290,9 @@
                 </a:solidFill>
               </a:defRPr>
             </a:lvl4pPr>
-            <a:lvl5pPr marL="1828800" indent="0">
+            <a:lvl5pPr marL="2438339" indent="0">
               <a:buNone/>
-              <a:defRPr sz="1600">
+              <a:defRPr sz="2133">
                 <a:solidFill>
                   <a:schemeClr val="tx1">
                     <a:tint val="75000"/>
@@ -1289,9 +1300,9 @@
                 </a:solidFill>
               </a:defRPr>
             </a:lvl5pPr>
-            <a:lvl6pPr marL="2286000" indent="0">
+            <a:lvl6pPr marL="3047924" indent="0">
               <a:buNone/>
-              <a:defRPr sz="1600">
+              <a:defRPr sz="2133">
                 <a:solidFill>
                   <a:schemeClr val="tx1">
                     <a:tint val="75000"/>
@@ -1299,9 +1310,9 @@
                 </a:solidFill>
               </a:defRPr>
             </a:lvl6pPr>
-            <a:lvl7pPr marL="2743200" indent="0">
+            <a:lvl7pPr marL="3657509" indent="0">
               <a:buNone/>
-              <a:defRPr sz="1600">
+              <a:defRPr sz="2133">
                 <a:solidFill>
                   <a:schemeClr val="tx1">
                     <a:tint val="75000"/>
@@ -1309,9 +1320,9 @@
                 </a:solidFill>
               </a:defRPr>
             </a:lvl7pPr>
-            <a:lvl8pPr marL="3200400" indent="0">
+            <a:lvl8pPr marL="4267093" indent="0">
               <a:buNone/>
-              <a:defRPr sz="1600">
+              <a:defRPr sz="2133">
                 <a:solidFill>
                   <a:schemeClr val="tx1">
                     <a:tint val="75000"/>
@@ -1319,9 +1330,9 @@
                 </a:solidFill>
               </a:defRPr>
             </a:lvl8pPr>
-            <a:lvl9pPr marL="3657600" indent="0">
+            <a:lvl9pPr marL="4876678" indent="0">
               <a:buNone/>
-              <a:defRPr sz="1600">
+              <a:defRPr sz="2133">
                 <a:solidFill>
                   <a:schemeClr val="tx1">
                     <a:tint val="75000"/>
@@ -1356,7 +1367,7 @@
           <a:p>
             <a:fld id="{C6511869-07AB-EF49-B84E-DA7E82FDC0D2}" type="datetimeFigureOut">
               <a:rPr lang="en-US" smtClean="0"/>
-              <a:t>5/1/19</a:t>
+              <a:t>5/4/19</a:t>
             </a:fld>
             <a:endParaRPr lang="en-US"/>
           </a:p>
@@ -1407,7 +1418,7 @@
     </p:spTree>
     <p:extLst>
       <p:ext uri="{BB962C8B-B14F-4D97-AF65-F5344CB8AC3E}">
-        <p14:creationId xmlns:p14="http://schemas.microsoft.com/office/powerpoint/2010/main" val="1037029917"/>
+        <p14:creationId xmlns:p14="http://schemas.microsoft.com/office/powerpoint/2010/main" val="1493213733"/>
       </p:ext>
     </p:extLst>
   </p:cSld>
@@ -1453,6 +1464,7 @@
               <a:rPr lang="en-US"/>
               <a:t>Click to edit Master title style</a:t>
             </a:r>
+            <a:endParaRPr lang="en-US" dirty="0"/>
           </a:p>
         </p:txBody>
       </p:sp>
@@ -1468,8 +1480,8 @@
         </p:nvSpPr>
         <p:spPr>
           <a:xfrm>
-            <a:off x="838200" y="1825625"/>
-            <a:ext cx="5181600" cy="4351338"/>
+            <a:off x="838200" y="2874937"/>
+            <a:ext cx="5181600" cy="6852350"/>
           </a:xfrm>
         </p:spPr>
         <p:txBody>
@@ -1509,6 +1521,7 @@
               <a:rPr lang="en-US"/>
               <a:t>Fifth level</a:t>
             </a:r>
+            <a:endParaRPr lang="en-US" dirty="0"/>
           </a:p>
         </p:txBody>
       </p:sp>
@@ -1524,8 +1537,8 @@
         </p:nvSpPr>
         <p:spPr>
           <a:xfrm>
-            <a:off x="6172200" y="1825625"/>
-            <a:ext cx="5181600" cy="4351338"/>
+            <a:off x="6172200" y="2874937"/>
+            <a:ext cx="5181600" cy="6852350"/>
           </a:xfrm>
         </p:spPr>
         <p:txBody>
@@ -1565,6 +1578,7 @@
               <a:rPr lang="en-US"/>
               <a:t>Fifth level</a:t>
             </a:r>
+            <a:endParaRPr lang="en-US" dirty="0"/>
           </a:p>
         </p:txBody>
       </p:sp>
@@ -1585,7 +1599,7 @@
           <a:p>
             <a:fld id="{C6511869-07AB-EF49-B84E-DA7E82FDC0D2}" type="datetimeFigureOut">
               <a:rPr lang="en-US" smtClean="0"/>
-              <a:t>5/1/19</a:t>
+              <a:t>5/4/19</a:t>
             </a:fld>
             <a:endParaRPr lang="en-US"/>
           </a:p>
@@ -1636,7 +1650,7 @@
     </p:spTree>
     <p:extLst>
       <p:ext uri="{BB962C8B-B14F-4D97-AF65-F5344CB8AC3E}">
-        <p14:creationId xmlns:p14="http://schemas.microsoft.com/office/powerpoint/2010/main" val="384535967"/>
+        <p14:creationId xmlns:p14="http://schemas.microsoft.com/office/powerpoint/2010/main" val="742607299"/>
       </p:ext>
     </p:extLst>
   </p:cSld>
@@ -1675,8 +1689,8 @@
         </p:nvSpPr>
         <p:spPr>
           <a:xfrm>
-            <a:off x="839788" y="365125"/>
-            <a:ext cx="10515600" cy="1325563"/>
+            <a:off x="839788" y="574990"/>
+            <a:ext cx="10515600" cy="2087455"/>
           </a:xfrm>
         </p:spPr>
         <p:txBody>
@@ -1687,6 +1701,7 @@
               <a:rPr lang="en-US"/>
               <a:t>Click to edit Master title style</a:t>
             </a:r>
+            <a:endParaRPr lang="en-US" dirty="0"/>
           </a:p>
         </p:txBody>
       </p:sp>
@@ -1702,8 +1717,8 @@
         </p:nvSpPr>
         <p:spPr>
           <a:xfrm>
-            <a:off x="839788" y="1681163"/>
-            <a:ext cx="5157787" cy="823912"/>
+            <a:off x="839789" y="2647443"/>
+            <a:ext cx="5157787" cy="1297471"/>
           </a:xfrm>
         </p:spPr>
         <p:txBody>
@@ -1711,39 +1726,39 @@
           <a:lstStyle>
             <a:lvl1pPr marL="0" indent="0">
               <a:buNone/>
+              <a:defRPr sz="3200" b="1"/>
+            </a:lvl1pPr>
+            <a:lvl2pPr marL="609585" indent="0">
+              <a:buNone/>
+              <a:defRPr sz="2667" b="1"/>
+            </a:lvl2pPr>
+            <a:lvl3pPr marL="1219170" indent="0">
+              <a:buNone/>
               <a:defRPr sz="2400" b="1"/>
-            </a:lvl1pPr>
-            <a:lvl2pPr marL="457200" indent="0">
+            </a:lvl3pPr>
+            <a:lvl4pPr marL="1828754" indent="0">
               <a:buNone/>
-              <a:defRPr sz="2000" b="1"/>
-            </a:lvl2pPr>
-            <a:lvl3pPr marL="914400" indent="0">
+              <a:defRPr sz="2133" b="1"/>
+            </a:lvl4pPr>
+            <a:lvl5pPr marL="2438339" indent="0">
               <a:buNone/>
-              <a:defRPr sz="1800" b="1"/>
-            </a:lvl3pPr>
-            <a:lvl4pPr marL="1371600" indent="0">
+              <a:defRPr sz="2133" b="1"/>
+            </a:lvl5pPr>
+            <a:lvl6pPr marL="3047924" indent="0">
               <a:buNone/>
-              <a:defRPr sz="1600" b="1"/>
-            </a:lvl4pPr>
-            <a:lvl5pPr marL="1828800" indent="0">
+              <a:defRPr sz="2133" b="1"/>
+            </a:lvl6pPr>
+            <a:lvl7pPr marL="3657509" indent="0">
               <a:buNone/>
-              <a:defRPr sz="1600" b="1"/>
-            </a:lvl5pPr>
-            <a:lvl6pPr marL="2286000" indent="0">
+              <a:defRPr sz="2133" b="1"/>
+            </a:lvl7pPr>
+            <a:lvl8pPr marL="4267093" indent="0">
               <a:buNone/>
-              <a:defRPr sz="1600" b="1"/>
-            </a:lvl6pPr>
-            <a:lvl7pPr marL="2743200" indent="0">
+              <a:defRPr sz="2133" b="1"/>
+            </a:lvl8pPr>
+            <a:lvl9pPr marL="4876678" indent="0">
               <a:buNone/>
-              <a:defRPr sz="1600" b="1"/>
-            </a:lvl7pPr>
-            <a:lvl8pPr marL="3200400" indent="0">
-              <a:buNone/>
-              <a:defRPr sz="1600" b="1"/>
-            </a:lvl8pPr>
-            <a:lvl9pPr marL="3657600" indent="0">
-              <a:buNone/>
-              <a:defRPr sz="1600" b="1"/>
+              <a:defRPr sz="2133" b="1"/>
             </a:lvl9pPr>
           </a:lstStyle>
           <a:p>
@@ -1767,8 +1782,8 @@
         </p:nvSpPr>
         <p:spPr>
           <a:xfrm>
-            <a:off x="839788" y="2505075"/>
-            <a:ext cx="5157787" cy="3684588"/>
+            <a:off x="839789" y="3944914"/>
+            <a:ext cx="5157787" cy="5802373"/>
           </a:xfrm>
         </p:spPr>
         <p:txBody>
@@ -1808,6 +1823,7 @@
               <a:rPr lang="en-US"/>
               <a:t>Fifth level</a:t>
             </a:r>
+            <a:endParaRPr lang="en-US" dirty="0"/>
           </a:p>
         </p:txBody>
       </p:sp>
@@ -1823,8 +1839,8 @@
         </p:nvSpPr>
         <p:spPr>
           <a:xfrm>
-            <a:off x="6172200" y="1681163"/>
-            <a:ext cx="5183188" cy="823912"/>
+            <a:off x="6172201" y="2647443"/>
+            <a:ext cx="5183188" cy="1297471"/>
           </a:xfrm>
         </p:spPr>
         <p:txBody>
@@ -1832,39 +1848,39 @@
           <a:lstStyle>
             <a:lvl1pPr marL="0" indent="0">
               <a:buNone/>
+              <a:defRPr sz="3200" b="1"/>
+            </a:lvl1pPr>
+            <a:lvl2pPr marL="609585" indent="0">
+              <a:buNone/>
+              <a:defRPr sz="2667" b="1"/>
+            </a:lvl2pPr>
+            <a:lvl3pPr marL="1219170" indent="0">
+              <a:buNone/>
               <a:defRPr sz="2400" b="1"/>
-            </a:lvl1pPr>
-            <a:lvl2pPr marL="457200" indent="0">
+            </a:lvl3pPr>
+            <a:lvl4pPr marL="1828754" indent="0">
               <a:buNone/>
-              <a:defRPr sz="2000" b="1"/>
-            </a:lvl2pPr>
-            <a:lvl3pPr marL="914400" indent="0">
+              <a:defRPr sz="2133" b="1"/>
+            </a:lvl4pPr>
+            <a:lvl5pPr marL="2438339" indent="0">
               <a:buNone/>
-              <a:defRPr sz="1800" b="1"/>
-            </a:lvl3pPr>
-            <a:lvl4pPr marL="1371600" indent="0">
+              <a:defRPr sz="2133" b="1"/>
+            </a:lvl5pPr>
+            <a:lvl6pPr marL="3047924" indent="0">
               <a:buNone/>
-              <a:defRPr sz="1600" b="1"/>
-            </a:lvl4pPr>
-            <a:lvl5pPr marL="1828800" indent="0">
+              <a:defRPr sz="2133" b="1"/>
+            </a:lvl6pPr>
+            <a:lvl7pPr marL="3657509" indent="0">
               <a:buNone/>
-              <a:defRPr sz="1600" b="1"/>
-            </a:lvl5pPr>
-            <a:lvl6pPr marL="2286000" indent="0">
+              <a:defRPr sz="2133" b="1"/>
+            </a:lvl7pPr>
+            <a:lvl8pPr marL="4267093" indent="0">
               <a:buNone/>
-              <a:defRPr sz="1600" b="1"/>
-            </a:lvl6pPr>
-            <a:lvl7pPr marL="2743200" indent="0">
+              <a:defRPr sz="2133" b="1"/>
+            </a:lvl8pPr>
+            <a:lvl9pPr marL="4876678" indent="0">
               <a:buNone/>
-              <a:defRPr sz="1600" b="1"/>
-            </a:lvl7pPr>
-            <a:lvl8pPr marL="3200400" indent="0">
-              <a:buNone/>
-              <a:defRPr sz="1600" b="1"/>
-            </a:lvl8pPr>
-            <a:lvl9pPr marL="3657600" indent="0">
-              <a:buNone/>
-              <a:defRPr sz="1600" b="1"/>
+              <a:defRPr sz="2133" b="1"/>
             </a:lvl9pPr>
           </a:lstStyle>
           <a:p>
@@ -1888,8 +1904,8 @@
         </p:nvSpPr>
         <p:spPr>
           <a:xfrm>
-            <a:off x="6172200" y="2505075"/>
-            <a:ext cx="5183188" cy="3684588"/>
+            <a:off x="6172201" y="3944914"/>
+            <a:ext cx="5183188" cy="5802373"/>
           </a:xfrm>
         </p:spPr>
         <p:txBody>
@@ -1929,6 +1945,7 @@
               <a:rPr lang="en-US"/>
               <a:t>Fifth level</a:t>
             </a:r>
+            <a:endParaRPr lang="en-US" dirty="0"/>
           </a:p>
         </p:txBody>
       </p:sp>
@@ -1949,7 +1966,7 @@
           <a:p>
             <a:fld id="{C6511869-07AB-EF49-B84E-DA7E82FDC0D2}" type="datetimeFigureOut">
               <a:rPr lang="en-US" smtClean="0"/>
-              <a:t>5/1/19</a:t>
+              <a:t>5/4/19</a:t>
             </a:fld>
             <a:endParaRPr lang="en-US"/>
           </a:p>
@@ -2000,7 +2017,7 @@
     </p:spTree>
     <p:extLst>
       <p:ext uri="{BB962C8B-B14F-4D97-AF65-F5344CB8AC3E}">
-        <p14:creationId xmlns:p14="http://schemas.microsoft.com/office/powerpoint/2010/main" val="1117703546"/>
+        <p14:creationId xmlns:p14="http://schemas.microsoft.com/office/powerpoint/2010/main" val="3689582629"/>
       </p:ext>
     </p:extLst>
   </p:cSld>
@@ -2046,6 +2063,7 @@
               <a:rPr lang="en-US"/>
               <a:t>Click to edit Master title style</a:t>
             </a:r>
+            <a:endParaRPr lang="en-US" dirty="0"/>
           </a:p>
         </p:txBody>
       </p:sp>
@@ -2066,7 +2084,7 @@
           <a:p>
             <a:fld id="{C6511869-07AB-EF49-B84E-DA7E82FDC0D2}" type="datetimeFigureOut">
               <a:rPr lang="en-US" smtClean="0"/>
-              <a:t>5/1/19</a:t>
+              <a:t>5/4/19</a:t>
             </a:fld>
             <a:endParaRPr lang="en-US"/>
           </a:p>
@@ -2117,7 +2135,7 @@
     </p:spTree>
     <p:extLst>
       <p:ext uri="{BB962C8B-B14F-4D97-AF65-F5344CB8AC3E}">
-        <p14:creationId xmlns:p14="http://schemas.microsoft.com/office/powerpoint/2010/main" val="1204037313"/>
+        <p14:creationId xmlns:p14="http://schemas.microsoft.com/office/powerpoint/2010/main" val="4037600443"/>
       </p:ext>
     </p:extLst>
   </p:cSld>
@@ -2161,7 +2179,7 @@
           <a:p>
             <a:fld id="{C6511869-07AB-EF49-B84E-DA7E82FDC0D2}" type="datetimeFigureOut">
               <a:rPr lang="en-US" smtClean="0"/>
-              <a:t>5/1/19</a:t>
+              <a:t>5/4/19</a:t>
             </a:fld>
             <a:endParaRPr lang="en-US"/>
           </a:p>
@@ -2212,7 +2230,7 @@
     </p:spTree>
     <p:extLst>
       <p:ext uri="{BB962C8B-B14F-4D97-AF65-F5344CB8AC3E}">
-        <p14:creationId xmlns:p14="http://schemas.microsoft.com/office/powerpoint/2010/main" val="516713910"/>
+        <p14:creationId xmlns:p14="http://schemas.microsoft.com/office/powerpoint/2010/main" val="70273219"/>
       </p:ext>
     </p:extLst>
   </p:cSld>
@@ -2251,15 +2269,15 @@
         </p:nvSpPr>
         <p:spPr>
           <a:xfrm>
-            <a:off x="839788" y="457200"/>
-            <a:ext cx="3932237" cy="1600200"/>
+            <a:off x="839788" y="719984"/>
+            <a:ext cx="3932237" cy="2519945"/>
           </a:xfrm>
         </p:spPr>
         <p:txBody>
           <a:bodyPr anchor="b"/>
           <a:lstStyle>
             <a:lvl1pPr>
-              <a:defRPr sz="3200"/>
+              <a:defRPr sz="4267"/>
             </a:lvl1pPr>
           </a:lstStyle>
           <a:p>
@@ -2267,6 +2285,7 @@
               <a:rPr lang="en-US"/>
               <a:t>Click to edit Master title style</a:t>
             </a:r>
+            <a:endParaRPr lang="en-US" dirty="0"/>
           </a:p>
         </p:txBody>
       </p:sp>
@@ -2282,39 +2301,39 @@
         </p:nvSpPr>
         <p:spPr>
           <a:xfrm>
-            <a:off x="5183188" y="987425"/>
-            <a:ext cx="6172200" cy="4873625"/>
+            <a:off x="5183188" y="1554968"/>
+            <a:ext cx="6172200" cy="7674832"/>
           </a:xfrm>
         </p:spPr>
         <p:txBody>
           <a:bodyPr/>
           <a:lstStyle>
             <a:lvl1pPr>
-              <a:defRPr sz="3200"/>
+              <a:defRPr sz="4267"/>
             </a:lvl1pPr>
             <a:lvl2pPr>
-              <a:defRPr sz="2800"/>
+              <a:defRPr sz="3733"/>
             </a:lvl2pPr>
             <a:lvl3pPr>
-              <a:defRPr sz="2400"/>
+              <a:defRPr sz="3200"/>
             </a:lvl3pPr>
             <a:lvl4pPr>
-              <a:defRPr sz="2000"/>
+              <a:defRPr sz="2667"/>
             </a:lvl4pPr>
             <a:lvl5pPr>
-              <a:defRPr sz="2000"/>
+              <a:defRPr sz="2667"/>
             </a:lvl5pPr>
             <a:lvl6pPr>
-              <a:defRPr sz="2000"/>
+              <a:defRPr sz="2667"/>
             </a:lvl6pPr>
             <a:lvl7pPr>
-              <a:defRPr sz="2000"/>
+              <a:defRPr sz="2667"/>
             </a:lvl7pPr>
             <a:lvl8pPr>
-              <a:defRPr sz="2000"/>
+              <a:defRPr sz="2667"/>
             </a:lvl8pPr>
             <a:lvl9pPr>
-              <a:defRPr sz="2000"/>
+              <a:defRPr sz="2667"/>
             </a:lvl9pPr>
           </a:lstStyle>
           <a:p>
@@ -2351,6 +2370,7 @@
               <a:rPr lang="en-US"/>
               <a:t>Fifth level</a:t>
             </a:r>
+            <a:endParaRPr lang="en-US" dirty="0"/>
           </a:p>
         </p:txBody>
       </p:sp>
@@ -2366,8 +2386,8 @@
         </p:nvSpPr>
         <p:spPr>
           <a:xfrm>
-            <a:off x="839788" y="2057400"/>
-            <a:ext cx="3932237" cy="3811588"/>
+            <a:off x="839788" y="3239929"/>
+            <a:ext cx="3932237" cy="6002369"/>
           </a:xfrm>
         </p:spPr>
         <p:txBody>
@@ -2375,39 +2395,39 @@
           <a:lstStyle>
             <a:lvl1pPr marL="0" indent="0">
               <a:buNone/>
+              <a:defRPr sz="2133"/>
+            </a:lvl1pPr>
+            <a:lvl2pPr marL="609585" indent="0">
+              <a:buNone/>
+              <a:defRPr sz="1867"/>
+            </a:lvl2pPr>
+            <a:lvl3pPr marL="1219170" indent="0">
+              <a:buNone/>
               <a:defRPr sz="1600"/>
-            </a:lvl1pPr>
-            <a:lvl2pPr marL="457200" indent="0">
+            </a:lvl3pPr>
+            <a:lvl4pPr marL="1828754" indent="0">
               <a:buNone/>
-              <a:defRPr sz="1400"/>
-            </a:lvl2pPr>
-            <a:lvl3pPr marL="914400" indent="0">
+              <a:defRPr sz="1333"/>
+            </a:lvl4pPr>
+            <a:lvl5pPr marL="2438339" indent="0">
               <a:buNone/>
-              <a:defRPr sz="1200"/>
-            </a:lvl3pPr>
-            <a:lvl4pPr marL="1371600" indent="0">
+              <a:defRPr sz="1333"/>
+            </a:lvl5pPr>
+            <a:lvl6pPr marL="3047924" indent="0">
               <a:buNone/>
-              <a:defRPr sz="1000"/>
-            </a:lvl4pPr>
-            <a:lvl5pPr marL="1828800" indent="0">
+              <a:defRPr sz="1333"/>
+            </a:lvl6pPr>
+            <a:lvl7pPr marL="3657509" indent="0">
               <a:buNone/>
-              <a:defRPr sz="1000"/>
-            </a:lvl5pPr>
-            <a:lvl6pPr marL="2286000" indent="0">
+              <a:defRPr sz="1333"/>
+            </a:lvl7pPr>
+            <a:lvl8pPr marL="4267093" indent="0">
               <a:buNone/>
-              <a:defRPr sz="1000"/>
-            </a:lvl6pPr>
-            <a:lvl7pPr marL="2743200" indent="0">
+              <a:defRPr sz="1333"/>
+            </a:lvl8pPr>
+            <a:lvl9pPr marL="4876678" indent="0">
               <a:buNone/>
-              <a:defRPr sz="1000"/>
-            </a:lvl7pPr>
-            <a:lvl8pPr marL="3200400" indent="0">
-              <a:buNone/>
-              <a:defRPr sz="1000"/>
-            </a:lvl8pPr>
-            <a:lvl9pPr marL="3657600" indent="0">
-              <a:buNone/>
-              <a:defRPr sz="1000"/>
+              <a:defRPr sz="1333"/>
             </a:lvl9pPr>
           </a:lstStyle>
           <a:p>
@@ -2436,7 +2456,7 @@
           <a:p>
             <a:fld id="{C6511869-07AB-EF49-B84E-DA7E82FDC0D2}" type="datetimeFigureOut">
               <a:rPr lang="en-US" smtClean="0"/>
-              <a:t>5/1/19</a:t>
+              <a:t>5/4/19</a:t>
             </a:fld>
             <a:endParaRPr lang="en-US"/>
           </a:p>
@@ -2487,7 +2507,7 @@
     </p:spTree>
     <p:extLst>
       <p:ext uri="{BB962C8B-B14F-4D97-AF65-F5344CB8AC3E}">
-        <p14:creationId xmlns:p14="http://schemas.microsoft.com/office/powerpoint/2010/main" val="2134300549"/>
+        <p14:creationId xmlns:p14="http://schemas.microsoft.com/office/powerpoint/2010/main" val="4262762326"/>
       </p:ext>
     </p:extLst>
   </p:cSld>
@@ -2526,15 +2546,15 @@
         </p:nvSpPr>
         <p:spPr>
           <a:xfrm>
-            <a:off x="839788" y="457200"/>
-            <a:ext cx="3932237" cy="1600200"/>
+            <a:off x="839788" y="719984"/>
+            <a:ext cx="3932237" cy="2519945"/>
           </a:xfrm>
         </p:spPr>
         <p:txBody>
           <a:bodyPr anchor="b"/>
           <a:lstStyle>
             <a:lvl1pPr>
-              <a:defRPr sz="3200"/>
+              <a:defRPr sz="4267"/>
             </a:lvl1pPr>
           </a:lstStyle>
           <a:p>
@@ -2542,6 +2562,7 @@
               <a:rPr lang="en-US"/>
               <a:t>Click to edit Master title style</a:t>
             </a:r>
+            <a:endParaRPr lang="en-US" dirty="0"/>
           </a:p>
         </p:txBody>
       </p:sp>
@@ -2549,7 +2570,7 @@
         <p:nvSpPr>
           <p:cNvPr id="3" name="Picture Placeholder 2"/>
           <p:cNvSpPr>
-            <a:spLocks noGrp="1"/>
+            <a:spLocks noGrp="1" noChangeAspect="1"/>
           </p:cNvSpPr>
           <p:nvPr>
             <p:ph type="pic" idx="1"/>
@@ -2557,52 +2578,56 @@
         </p:nvSpPr>
         <p:spPr>
           <a:xfrm>
-            <a:off x="5183188" y="987425"/>
-            <a:ext cx="6172200" cy="4873625"/>
-          </a:xfrm>
-        </p:spPr>
-        <p:txBody>
-          <a:bodyPr/>
+            <a:off x="5183188" y="1554968"/>
+            <a:ext cx="6172200" cy="7674832"/>
+          </a:xfrm>
+        </p:spPr>
+        <p:txBody>
+          <a:bodyPr anchor="t"/>
           <a:lstStyle>
             <a:lvl1pPr marL="0" indent="0">
               <a:buNone/>
+              <a:defRPr sz="4267"/>
+            </a:lvl1pPr>
+            <a:lvl2pPr marL="609585" indent="0">
+              <a:buNone/>
+              <a:defRPr sz="3733"/>
+            </a:lvl2pPr>
+            <a:lvl3pPr marL="1219170" indent="0">
+              <a:buNone/>
               <a:defRPr sz="3200"/>
-            </a:lvl1pPr>
-            <a:lvl2pPr marL="457200" indent="0">
+            </a:lvl3pPr>
+            <a:lvl4pPr marL="1828754" indent="0">
               <a:buNone/>
-              <a:defRPr sz="2800"/>
-            </a:lvl2pPr>
-            <a:lvl3pPr marL="914400" indent="0">
+              <a:defRPr sz="2667"/>
+            </a:lvl4pPr>
+            <a:lvl5pPr marL="2438339" indent="0">
               <a:buNone/>
-              <a:defRPr sz="2400"/>
-            </a:lvl3pPr>
-            <a:lvl4pPr marL="1371600" indent="0">
+              <a:defRPr sz="2667"/>
+            </a:lvl5pPr>
+            <a:lvl6pPr marL="3047924" indent="0">
               <a:buNone/>
-              <a:defRPr sz="2000"/>
-            </a:lvl4pPr>
-            <a:lvl5pPr marL="1828800" indent="0">
+              <a:defRPr sz="2667"/>
+            </a:lvl6pPr>
+            <a:lvl7pPr marL="3657509" indent="0">
               <a:buNone/>
-              <a:defRPr sz="2000"/>
-            </a:lvl5pPr>
-            <a:lvl6pPr marL="2286000" indent="0">
+              <a:defRPr sz="2667"/>
+            </a:lvl7pPr>
+            <a:lvl8pPr marL="4267093" indent="0">
               <a:buNone/>
-              <a:defRPr sz="2000"/>
-            </a:lvl6pPr>
-            <a:lvl7pPr marL="2743200" indent="0">
+              <a:defRPr sz="2667"/>
+            </a:lvl8pPr>
+            <a:lvl9pPr marL="4876678" indent="0">
               <a:buNone/>
-              <a:defRPr sz="2000"/>
-            </a:lvl7pPr>
-            <a:lvl8pPr marL="3200400" indent="0">
-              <a:buNone/>
-              <a:defRPr sz="2000"/>
-            </a:lvl8pPr>
-            <a:lvl9pPr marL="3657600" indent="0">
-              <a:buNone/>
-              <a:defRPr sz="2000"/>
+              <a:defRPr sz="2667"/>
             </a:lvl9pPr>
           </a:lstStyle>
           <a:p>
-            <a:endParaRPr lang="en-US"/>
+            <a:r>
+              <a:rPr lang="en-US"/>
+              <a:t>Click icon to add picture</a:t>
+            </a:r>
+            <a:endParaRPr lang="en-US" dirty="0"/>
           </a:p>
         </p:txBody>
       </p:sp>
@@ -2618,8 +2643,8 @@
         </p:nvSpPr>
         <p:spPr>
           <a:xfrm>
-            <a:off x="839788" y="2057400"/>
-            <a:ext cx="3932237" cy="3811588"/>
+            <a:off x="839788" y="3239929"/>
+            <a:ext cx="3932237" cy="6002369"/>
           </a:xfrm>
         </p:spPr>
         <p:txBody>
@@ -2627,39 +2652,39 @@
           <a:lstStyle>
             <a:lvl1pPr marL="0" indent="0">
               <a:buNone/>
+              <a:defRPr sz="2133"/>
+            </a:lvl1pPr>
+            <a:lvl2pPr marL="609585" indent="0">
+              <a:buNone/>
+              <a:defRPr sz="1867"/>
+            </a:lvl2pPr>
+            <a:lvl3pPr marL="1219170" indent="0">
+              <a:buNone/>
               <a:defRPr sz="1600"/>
-            </a:lvl1pPr>
-            <a:lvl2pPr marL="457200" indent="0">
+            </a:lvl3pPr>
+            <a:lvl4pPr marL="1828754" indent="0">
               <a:buNone/>
-              <a:defRPr sz="1400"/>
-            </a:lvl2pPr>
-            <a:lvl3pPr marL="914400" indent="0">
+              <a:defRPr sz="1333"/>
+            </a:lvl4pPr>
+            <a:lvl5pPr marL="2438339" indent="0">
               <a:buNone/>
-              <a:defRPr sz="1200"/>
-            </a:lvl3pPr>
-            <a:lvl4pPr marL="1371600" indent="0">
+              <a:defRPr sz="1333"/>
+            </a:lvl5pPr>
+            <a:lvl6pPr marL="3047924" indent="0">
               <a:buNone/>
-              <a:defRPr sz="1000"/>
-            </a:lvl4pPr>
-            <a:lvl5pPr marL="1828800" indent="0">
+              <a:defRPr sz="1333"/>
+            </a:lvl6pPr>
+            <a:lvl7pPr marL="3657509" indent="0">
               <a:buNone/>
-              <a:defRPr sz="1000"/>
-            </a:lvl5pPr>
-            <a:lvl6pPr marL="2286000" indent="0">
+              <a:defRPr sz="1333"/>
+            </a:lvl7pPr>
+            <a:lvl8pPr marL="4267093" indent="0">
               <a:buNone/>
-              <a:defRPr sz="1000"/>
-            </a:lvl6pPr>
-            <a:lvl7pPr marL="2743200" indent="0">
+              <a:defRPr sz="1333"/>
+            </a:lvl8pPr>
+            <a:lvl9pPr marL="4876678" indent="0">
               <a:buNone/>
-              <a:defRPr sz="1000"/>
-            </a:lvl7pPr>
-            <a:lvl8pPr marL="3200400" indent="0">
-              <a:buNone/>
-              <a:defRPr sz="1000"/>
-            </a:lvl8pPr>
-            <a:lvl9pPr marL="3657600" indent="0">
-              <a:buNone/>
-              <a:defRPr sz="1000"/>
+              <a:defRPr sz="1333"/>
             </a:lvl9pPr>
           </a:lstStyle>
           <a:p>
@@ -2688,7 +2713,7 @@
           <a:p>
             <a:fld id="{C6511869-07AB-EF49-B84E-DA7E82FDC0D2}" type="datetimeFigureOut">
               <a:rPr lang="en-US" smtClean="0"/>
-              <a:t>5/1/19</a:t>
+              <a:t>5/4/19</a:t>
             </a:fld>
             <a:endParaRPr lang="en-US"/>
           </a:p>
@@ -2739,7 +2764,7 @@
     </p:spTree>
     <p:extLst>
       <p:ext uri="{BB962C8B-B14F-4D97-AF65-F5344CB8AC3E}">
-        <p14:creationId xmlns:p14="http://schemas.microsoft.com/office/powerpoint/2010/main" val="1769971202"/>
+        <p14:creationId xmlns:p14="http://schemas.microsoft.com/office/powerpoint/2010/main" val="3988044608"/>
       </p:ext>
     </p:extLst>
   </p:cSld>
@@ -2783,8 +2808,8 @@
         </p:nvSpPr>
         <p:spPr>
           <a:xfrm>
-            <a:off x="838200" y="365125"/>
-            <a:ext cx="10515600" cy="1325563"/>
+            <a:off x="838200" y="574990"/>
+            <a:ext cx="10515600" cy="2087455"/>
           </a:xfrm>
           <a:prstGeom prst="rect">
             <a:avLst/>
@@ -2800,6 +2825,7 @@
               <a:rPr lang="en-US"/>
               <a:t>Click to edit Master title style</a:t>
             </a:r>
+            <a:endParaRPr lang="en-US" dirty="0"/>
           </a:p>
         </p:txBody>
       </p:sp>
@@ -2815,8 +2841,8 @@
         </p:nvSpPr>
         <p:spPr>
           <a:xfrm>
-            <a:off x="838200" y="1825625"/>
-            <a:ext cx="10515600" cy="4351338"/>
+            <a:off x="838200" y="2874937"/>
+            <a:ext cx="10515600" cy="6852350"/>
           </a:xfrm>
           <a:prstGeom prst="rect">
             <a:avLst/>
@@ -2861,6 +2887,7 @@
               <a:rPr lang="en-US"/>
               <a:t>Fifth level</a:t>
             </a:r>
+            <a:endParaRPr lang="en-US" dirty="0"/>
           </a:p>
         </p:txBody>
       </p:sp>
@@ -2876,8 +2903,8 @@
         </p:nvSpPr>
         <p:spPr>
           <a:xfrm>
-            <a:off x="838200" y="6356350"/>
-            <a:ext cx="2743200" cy="365125"/>
+            <a:off x="838200" y="10009783"/>
+            <a:ext cx="2743200" cy="574987"/>
           </a:xfrm>
           <a:prstGeom prst="rect">
             <a:avLst/>
@@ -2887,7 +2914,7 @@
           <a:bodyPr vert="horz" lIns="91440" tIns="45720" rIns="91440" bIns="45720" rtlCol="0" anchor="ctr"/>
           <a:lstStyle>
             <a:lvl1pPr algn="l">
-              <a:defRPr sz="1200">
+              <a:defRPr sz="1600">
                 <a:solidFill>
                   <a:schemeClr val="tx1">
                     <a:tint val="75000"/>
@@ -2899,7 +2926,7 @@
           <a:p>
             <a:fld id="{C6511869-07AB-EF49-B84E-DA7E82FDC0D2}" type="datetimeFigureOut">
               <a:rPr lang="en-US" smtClean="0"/>
-              <a:t>5/1/19</a:t>
+              <a:t>5/4/19</a:t>
             </a:fld>
             <a:endParaRPr lang="en-US"/>
           </a:p>
@@ -2917,8 +2944,8 @@
         </p:nvSpPr>
         <p:spPr>
           <a:xfrm>
-            <a:off x="4038600" y="6356350"/>
-            <a:ext cx="4114800" cy="365125"/>
+            <a:off x="4038600" y="10009783"/>
+            <a:ext cx="4114800" cy="574987"/>
           </a:xfrm>
           <a:prstGeom prst="rect">
             <a:avLst/>
@@ -2928,7 +2955,7 @@
           <a:bodyPr vert="horz" lIns="91440" tIns="45720" rIns="91440" bIns="45720" rtlCol="0" anchor="ctr"/>
           <a:lstStyle>
             <a:lvl1pPr algn="ctr">
-              <a:defRPr sz="1200">
+              <a:defRPr sz="1600">
                 <a:solidFill>
                   <a:schemeClr val="tx1">
                     <a:tint val="75000"/>
@@ -2954,8 +2981,8 @@
         </p:nvSpPr>
         <p:spPr>
           <a:xfrm>
-            <a:off x="8610600" y="6356350"/>
-            <a:ext cx="2743200" cy="365125"/>
+            <a:off x="8610600" y="10009783"/>
+            <a:ext cx="2743200" cy="574987"/>
           </a:xfrm>
           <a:prstGeom prst="rect">
             <a:avLst/>
@@ -2965,7 +2992,7 @@
           <a:bodyPr vert="horz" lIns="91440" tIns="45720" rIns="91440" bIns="45720" rtlCol="0" anchor="ctr"/>
           <a:lstStyle>
             <a:lvl1pPr algn="r">
-              <a:defRPr sz="1200">
+              <a:defRPr sz="1600">
                 <a:solidFill>
                   <a:schemeClr val="tx1">
                     <a:tint val="75000"/>
@@ -2986,27 +3013,27 @@
     </p:spTree>
     <p:extLst>
       <p:ext uri="{BB962C8B-B14F-4D97-AF65-F5344CB8AC3E}">
-        <p14:creationId xmlns:p14="http://schemas.microsoft.com/office/powerpoint/2010/main" val="1330010430"/>
+        <p14:creationId xmlns:p14="http://schemas.microsoft.com/office/powerpoint/2010/main" val="3246511378"/>
       </p:ext>
     </p:extLst>
   </p:cSld>
   <p:clrMap bg1="lt1" tx1="dk1" bg2="lt2" tx2="dk2" accent1="accent1" accent2="accent2" accent3="accent3" accent4="accent4" accent5="accent5" accent6="accent6" hlink="hlink" folHlink="folHlink"/>
   <p:sldLayoutIdLst>
-    <p:sldLayoutId id="2147483649" r:id="rId1"/>
-    <p:sldLayoutId id="2147483650" r:id="rId2"/>
-    <p:sldLayoutId id="2147483651" r:id="rId3"/>
-    <p:sldLayoutId id="2147483652" r:id="rId4"/>
-    <p:sldLayoutId id="2147483653" r:id="rId5"/>
-    <p:sldLayoutId id="2147483654" r:id="rId6"/>
-    <p:sldLayoutId id="2147483655" r:id="rId7"/>
-    <p:sldLayoutId id="2147483656" r:id="rId8"/>
-    <p:sldLayoutId id="2147483657" r:id="rId9"/>
-    <p:sldLayoutId id="2147483658" r:id="rId10"/>
-    <p:sldLayoutId id="2147483659" r:id="rId11"/>
+    <p:sldLayoutId id="2147483661" r:id="rId1"/>
+    <p:sldLayoutId id="2147483662" r:id="rId2"/>
+    <p:sldLayoutId id="2147483663" r:id="rId3"/>
+    <p:sldLayoutId id="2147483664" r:id="rId4"/>
+    <p:sldLayoutId id="2147483665" r:id="rId5"/>
+    <p:sldLayoutId id="2147483666" r:id="rId6"/>
+    <p:sldLayoutId id="2147483667" r:id="rId7"/>
+    <p:sldLayoutId id="2147483668" r:id="rId8"/>
+    <p:sldLayoutId id="2147483669" r:id="rId9"/>
+    <p:sldLayoutId id="2147483670" r:id="rId10"/>
+    <p:sldLayoutId id="2147483671" r:id="rId11"/>
   </p:sldLayoutIdLst>
   <p:txStyles>
     <p:titleStyle>
-      <a:lvl1pPr algn="l" defTabSz="914400" rtl="0" eaLnBrk="1" latinLnBrk="0" hangingPunct="1">
+      <a:lvl1pPr algn="l" defTabSz="1219170" rtl="0" eaLnBrk="1" latinLnBrk="0" hangingPunct="1">
         <a:lnSpc>
           <a:spcPct val="90000"/>
         </a:lnSpc>
@@ -3014,7 +3041,7 @@
           <a:spcPct val="0"/>
         </a:spcBef>
         <a:buNone/>
-        <a:defRPr sz="4400" kern="1200">
+        <a:defRPr sz="5867" kern="1200">
           <a:solidFill>
             <a:schemeClr val="tx1"/>
           </a:solidFill>
@@ -3025,16 +3052,16 @@
       </a:lvl1pPr>
     </p:titleStyle>
     <p:bodyStyle>
-      <a:lvl1pPr marL="228600" indent="-228600" algn="l" defTabSz="914400" rtl="0" eaLnBrk="1" latinLnBrk="0" hangingPunct="1">
+      <a:lvl1pPr marL="304792" indent="-304792" algn="l" defTabSz="1219170" rtl="0" eaLnBrk="1" latinLnBrk="0" hangingPunct="1">
         <a:lnSpc>
           <a:spcPct val="90000"/>
         </a:lnSpc>
         <a:spcBef>
-          <a:spcPts val="1000"/>
+          <a:spcPts val="1333"/>
         </a:spcBef>
-        <a:buFont typeface="Arial"/>
+        <a:buFont typeface="Arial" panose="020B0604020202020204" pitchFamily="34" charset="0"/>
         <a:buChar char="•"/>
-        <a:defRPr sz="2800" kern="1200">
+        <a:defRPr sz="3733" kern="1200">
           <a:solidFill>
             <a:schemeClr val="tx1"/>
           </a:solidFill>
@@ -3043,14 +3070,50 @@
           <a:cs typeface="+mn-cs"/>
         </a:defRPr>
       </a:lvl1pPr>
-      <a:lvl2pPr marL="685800" indent="-228600" algn="l" defTabSz="914400" rtl="0" eaLnBrk="1" latinLnBrk="0" hangingPunct="1">
+      <a:lvl2pPr marL="914377" indent="-304792" algn="l" defTabSz="1219170" rtl="0" eaLnBrk="1" latinLnBrk="0" hangingPunct="1">
         <a:lnSpc>
           <a:spcPct val="90000"/>
         </a:lnSpc>
         <a:spcBef>
-          <a:spcPts val="500"/>
+          <a:spcPts val="667"/>
         </a:spcBef>
-        <a:buFont typeface="Arial"/>
+        <a:buFont typeface="Arial" panose="020B0604020202020204" pitchFamily="34" charset="0"/>
+        <a:buChar char="•"/>
+        <a:defRPr sz="3200" kern="1200">
+          <a:solidFill>
+            <a:schemeClr val="tx1"/>
+          </a:solidFill>
+          <a:latin typeface="+mn-lt"/>
+          <a:ea typeface="+mn-ea"/>
+          <a:cs typeface="+mn-cs"/>
+        </a:defRPr>
+      </a:lvl2pPr>
+      <a:lvl3pPr marL="1523962" indent="-304792" algn="l" defTabSz="1219170" rtl="0" eaLnBrk="1" latinLnBrk="0" hangingPunct="1">
+        <a:lnSpc>
+          <a:spcPct val="90000"/>
+        </a:lnSpc>
+        <a:spcBef>
+          <a:spcPts val="667"/>
+        </a:spcBef>
+        <a:buFont typeface="Arial" panose="020B0604020202020204" pitchFamily="34" charset="0"/>
+        <a:buChar char="•"/>
+        <a:defRPr sz="2667" kern="1200">
+          <a:solidFill>
+            <a:schemeClr val="tx1"/>
+          </a:solidFill>
+          <a:latin typeface="+mn-lt"/>
+          <a:ea typeface="+mn-ea"/>
+          <a:cs typeface="+mn-cs"/>
+        </a:defRPr>
+      </a:lvl3pPr>
+      <a:lvl4pPr marL="2133547" indent="-304792" algn="l" defTabSz="1219170" rtl="0" eaLnBrk="1" latinLnBrk="0" hangingPunct="1">
+        <a:lnSpc>
+          <a:spcPct val="90000"/>
+        </a:lnSpc>
+        <a:spcBef>
+          <a:spcPts val="667"/>
+        </a:spcBef>
+        <a:buFont typeface="Arial" panose="020B0604020202020204" pitchFamily="34" charset="0"/>
         <a:buChar char="•"/>
         <a:defRPr sz="2400" kern="1200">
           <a:solidFill>
@@ -3060,53 +3123,17 @@
           <a:ea typeface="+mn-ea"/>
           <a:cs typeface="+mn-cs"/>
         </a:defRPr>
-      </a:lvl2pPr>
-      <a:lvl3pPr marL="1143000" indent="-228600" algn="l" defTabSz="914400" rtl="0" eaLnBrk="1" latinLnBrk="0" hangingPunct="1">
+      </a:lvl4pPr>
+      <a:lvl5pPr marL="2743131" indent="-304792" algn="l" defTabSz="1219170" rtl="0" eaLnBrk="1" latinLnBrk="0" hangingPunct="1">
         <a:lnSpc>
           <a:spcPct val="90000"/>
         </a:lnSpc>
         <a:spcBef>
-          <a:spcPts val="500"/>
+          <a:spcPts val="667"/>
         </a:spcBef>
-        <a:buFont typeface="Arial"/>
+        <a:buFont typeface="Arial" panose="020B0604020202020204" pitchFamily="34" charset="0"/>
         <a:buChar char="•"/>
-        <a:defRPr sz="2000" kern="1200">
-          <a:solidFill>
-            <a:schemeClr val="tx1"/>
-          </a:solidFill>
-          <a:latin typeface="+mn-lt"/>
-          <a:ea typeface="+mn-ea"/>
-          <a:cs typeface="+mn-cs"/>
-        </a:defRPr>
-      </a:lvl3pPr>
-      <a:lvl4pPr marL="1600200" indent="-228600" algn="l" defTabSz="914400" rtl="0" eaLnBrk="1" latinLnBrk="0" hangingPunct="1">
-        <a:lnSpc>
-          <a:spcPct val="90000"/>
-        </a:lnSpc>
-        <a:spcBef>
-          <a:spcPts val="500"/>
-        </a:spcBef>
-        <a:buFont typeface="Arial"/>
-        <a:buChar char="•"/>
-        <a:defRPr sz="1800" kern="1200">
-          <a:solidFill>
-            <a:schemeClr val="tx1"/>
-          </a:solidFill>
-          <a:latin typeface="+mn-lt"/>
-          <a:ea typeface="+mn-ea"/>
-          <a:cs typeface="+mn-cs"/>
-        </a:defRPr>
-      </a:lvl4pPr>
-      <a:lvl5pPr marL="2057400" indent="-228600" algn="l" defTabSz="914400" rtl="0" eaLnBrk="1" latinLnBrk="0" hangingPunct="1">
-        <a:lnSpc>
-          <a:spcPct val="90000"/>
-        </a:lnSpc>
-        <a:spcBef>
-          <a:spcPts val="500"/>
-        </a:spcBef>
-        <a:buFont typeface="Arial"/>
-        <a:buChar char="•"/>
-        <a:defRPr sz="1800" kern="1200">
+        <a:defRPr sz="2400" kern="1200">
           <a:solidFill>
             <a:schemeClr val="tx1"/>
           </a:solidFill>
@@ -3115,16 +3142,16 @@
           <a:cs typeface="+mn-cs"/>
         </a:defRPr>
       </a:lvl5pPr>
-      <a:lvl6pPr marL="2514600" indent="-228600" algn="l" defTabSz="914400" rtl="0" eaLnBrk="1" latinLnBrk="0" hangingPunct="1">
+      <a:lvl6pPr marL="3352716" indent="-304792" algn="l" defTabSz="1219170" rtl="0" eaLnBrk="1" latinLnBrk="0" hangingPunct="1">
         <a:lnSpc>
           <a:spcPct val="90000"/>
         </a:lnSpc>
         <a:spcBef>
-          <a:spcPts val="500"/>
+          <a:spcPts val="667"/>
         </a:spcBef>
-        <a:buFont typeface="Arial"/>
+        <a:buFont typeface="Arial" panose="020B0604020202020204" pitchFamily="34" charset="0"/>
         <a:buChar char="•"/>
-        <a:defRPr sz="1800" kern="1200">
+        <a:defRPr sz="2400" kern="1200">
           <a:solidFill>
             <a:schemeClr val="tx1"/>
           </a:solidFill>
@@ -3133,16 +3160,16 @@
           <a:cs typeface="+mn-cs"/>
         </a:defRPr>
       </a:lvl6pPr>
-      <a:lvl7pPr marL="2971800" indent="-228600" algn="l" defTabSz="914400" rtl="0" eaLnBrk="1" latinLnBrk="0" hangingPunct="1">
+      <a:lvl7pPr marL="3962301" indent="-304792" algn="l" defTabSz="1219170" rtl="0" eaLnBrk="1" latinLnBrk="0" hangingPunct="1">
         <a:lnSpc>
           <a:spcPct val="90000"/>
         </a:lnSpc>
         <a:spcBef>
-          <a:spcPts val="500"/>
+          <a:spcPts val="667"/>
         </a:spcBef>
-        <a:buFont typeface="Arial"/>
+        <a:buFont typeface="Arial" panose="020B0604020202020204" pitchFamily="34" charset="0"/>
         <a:buChar char="•"/>
-        <a:defRPr sz="1800" kern="1200">
+        <a:defRPr sz="2400" kern="1200">
           <a:solidFill>
             <a:schemeClr val="tx1"/>
           </a:solidFill>
@@ -3151,16 +3178,16 @@
           <a:cs typeface="+mn-cs"/>
         </a:defRPr>
       </a:lvl7pPr>
-      <a:lvl8pPr marL="3429000" indent="-228600" algn="l" defTabSz="914400" rtl="0" eaLnBrk="1" latinLnBrk="0" hangingPunct="1">
+      <a:lvl8pPr marL="4571886" indent="-304792" algn="l" defTabSz="1219170" rtl="0" eaLnBrk="1" latinLnBrk="0" hangingPunct="1">
         <a:lnSpc>
           <a:spcPct val="90000"/>
         </a:lnSpc>
         <a:spcBef>
-          <a:spcPts val="500"/>
+          <a:spcPts val="667"/>
         </a:spcBef>
-        <a:buFont typeface="Arial"/>
+        <a:buFont typeface="Arial" panose="020B0604020202020204" pitchFamily="34" charset="0"/>
         <a:buChar char="•"/>
-        <a:defRPr sz="1800" kern="1200">
+        <a:defRPr sz="2400" kern="1200">
           <a:solidFill>
             <a:schemeClr val="tx1"/>
           </a:solidFill>
@@ -3169,16 +3196,16 @@
           <a:cs typeface="+mn-cs"/>
         </a:defRPr>
       </a:lvl8pPr>
-      <a:lvl9pPr marL="3886200" indent="-228600" algn="l" defTabSz="914400" rtl="0" eaLnBrk="1" latinLnBrk="0" hangingPunct="1">
+      <a:lvl9pPr marL="5181470" indent="-304792" algn="l" defTabSz="1219170" rtl="0" eaLnBrk="1" latinLnBrk="0" hangingPunct="1">
         <a:lnSpc>
           <a:spcPct val="90000"/>
         </a:lnSpc>
         <a:spcBef>
-          <a:spcPts val="500"/>
+          <a:spcPts val="667"/>
         </a:spcBef>
-        <a:buFont typeface="Arial"/>
+        <a:buFont typeface="Arial" panose="020B0604020202020204" pitchFamily="34" charset="0"/>
         <a:buChar char="•"/>
-        <a:defRPr sz="1800" kern="1200">
+        <a:defRPr sz="2400" kern="1200">
           <a:solidFill>
             <a:schemeClr val="tx1"/>
           </a:solidFill>
@@ -3192,8 +3219,8 @@
       <a:defPPr>
         <a:defRPr lang="en-US"/>
       </a:defPPr>
-      <a:lvl1pPr marL="0" algn="l" defTabSz="914400" rtl="0" eaLnBrk="1" latinLnBrk="0" hangingPunct="1">
-        <a:defRPr sz="1800" kern="1200">
+      <a:lvl1pPr marL="0" algn="l" defTabSz="1219170" rtl="0" eaLnBrk="1" latinLnBrk="0" hangingPunct="1">
+        <a:defRPr sz="2400" kern="1200">
           <a:solidFill>
             <a:schemeClr val="tx1"/>
           </a:solidFill>
@@ -3202,8 +3229,8 @@
           <a:cs typeface="+mn-cs"/>
         </a:defRPr>
       </a:lvl1pPr>
-      <a:lvl2pPr marL="457200" algn="l" defTabSz="914400" rtl="0" eaLnBrk="1" latinLnBrk="0" hangingPunct="1">
-        <a:defRPr sz="1800" kern="1200">
+      <a:lvl2pPr marL="609585" algn="l" defTabSz="1219170" rtl="0" eaLnBrk="1" latinLnBrk="0" hangingPunct="1">
+        <a:defRPr sz="2400" kern="1200">
           <a:solidFill>
             <a:schemeClr val="tx1"/>
           </a:solidFill>
@@ -3212,8 +3239,8 @@
           <a:cs typeface="+mn-cs"/>
         </a:defRPr>
       </a:lvl2pPr>
-      <a:lvl3pPr marL="914400" algn="l" defTabSz="914400" rtl="0" eaLnBrk="1" latinLnBrk="0" hangingPunct="1">
-        <a:defRPr sz="1800" kern="1200">
+      <a:lvl3pPr marL="1219170" algn="l" defTabSz="1219170" rtl="0" eaLnBrk="1" latinLnBrk="0" hangingPunct="1">
+        <a:defRPr sz="2400" kern="1200">
           <a:solidFill>
             <a:schemeClr val="tx1"/>
           </a:solidFill>
@@ -3222,8 +3249,8 @@
           <a:cs typeface="+mn-cs"/>
         </a:defRPr>
       </a:lvl3pPr>
-      <a:lvl4pPr marL="1371600" algn="l" defTabSz="914400" rtl="0" eaLnBrk="1" latinLnBrk="0" hangingPunct="1">
-        <a:defRPr sz="1800" kern="1200">
+      <a:lvl4pPr marL="1828754" algn="l" defTabSz="1219170" rtl="0" eaLnBrk="1" latinLnBrk="0" hangingPunct="1">
+        <a:defRPr sz="2400" kern="1200">
           <a:solidFill>
             <a:schemeClr val="tx1"/>
           </a:solidFill>
@@ -3232,8 +3259,8 @@
           <a:cs typeface="+mn-cs"/>
         </a:defRPr>
       </a:lvl4pPr>
-      <a:lvl5pPr marL="1828800" algn="l" defTabSz="914400" rtl="0" eaLnBrk="1" latinLnBrk="0" hangingPunct="1">
-        <a:defRPr sz="1800" kern="1200">
+      <a:lvl5pPr marL="2438339" algn="l" defTabSz="1219170" rtl="0" eaLnBrk="1" latinLnBrk="0" hangingPunct="1">
+        <a:defRPr sz="2400" kern="1200">
           <a:solidFill>
             <a:schemeClr val="tx1"/>
           </a:solidFill>
@@ -3242,8 +3269,8 @@
           <a:cs typeface="+mn-cs"/>
         </a:defRPr>
       </a:lvl5pPr>
-      <a:lvl6pPr marL="2286000" algn="l" defTabSz="914400" rtl="0" eaLnBrk="1" latinLnBrk="0" hangingPunct="1">
-        <a:defRPr sz="1800" kern="1200">
+      <a:lvl6pPr marL="3047924" algn="l" defTabSz="1219170" rtl="0" eaLnBrk="1" latinLnBrk="0" hangingPunct="1">
+        <a:defRPr sz="2400" kern="1200">
           <a:solidFill>
             <a:schemeClr val="tx1"/>
           </a:solidFill>
@@ -3252,8 +3279,8 @@
           <a:cs typeface="+mn-cs"/>
         </a:defRPr>
       </a:lvl6pPr>
-      <a:lvl7pPr marL="2743200" algn="l" defTabSz="914400" rtl="0" eaLnBrk="1" latinLnBrk="0" hangingPunct="1">
-        <a:defRPr sz="1800" kern="1200">
+      <a:lvl7pPr marL="3657509" algn="l" defTabSz="1219170" rtl="0" eaLnBrk="1" latinLnBrk="0" hangingPunct="1">
+        <a:defRPr sz="2400" kern="1200">
           <a:solidFill>
             <a:schemeClr val="tx1"/>
           </a:solidFill>
@@ -3262,8 +3289,8 @@
           <a:cs typeface="+mn-cs"/>
         </a:defRPr>
       </a:lvl7pPr>
-      <a:lvl8pPr marL="3200400" algn="l" defTabSz="914400" rtl="0" eaLnBrk="1" latinLnBrk="0" hangingPunct="1">
-        <a:defRPr sz="1800" kern="1200">
+      <a:lvl8pPr marL="4267093" algn="l" defTabSz="1219170" rtl="0" eaLnBrk="1" latinLnBrk="0" hangingPunct="1">
+        <a:defRPr sz="2400" kern="1200">
           <a:solidFill>
             <a:schemeClr val="tx1"/>
           </a:solidFill>
@@ -3272,8 +3299,8 @@
           <a:cs typeface="+mn-cs"/>
         </a:defRPr>
       </a:lvl8pPr>
-      <a:lvl9pPr marL="3657600" algn="l" defTabSz="914400" rtl="0" eaLnBrk="1" latinLnBrk="0" hangingPunct="1">
-        <a:defRPr sz="1800" kern="1200">
+      <a:lvl9pPr marL="4876678" algn="l" defTabSz="1219170" rtl="0" eaLnBrk="1" latinLnBrk="0" hangingPunct="1">
+        <a:defRPr sz="2400" kern="1200">
           <a:solidFill>
             <a:schemeClr val="tx1"/>
           </a:solidFill>
@@ -3312,7 +3339,7 @@
         </p:nvGrpSpPr>
         <p:grpSpPr>
           <a:xfrm>
-            <a:off x="333352" y="107259"/>
+            <a:off x="333353" y="2078140"/>
             <a:ext cx="829561" cy="453164"/>
             <a:chOff x="725045" y="620908"/>
             <a:chExt cx="1099303" cy="600516"/>
@@ -3403,7 +3430,7 @@
         </p:nvGrpSpPr>
         <p:grpSpPr>
           <a:xfrm>
-            <a:off x="1107930" y="314380"/>
+            <a:off x="1107931" y="2285262"/>
             <a:ext cx="679731" cy="635917"/>
             <a:chOff x="2455086" y="1080838"/>
             <a:chExt cx="831658" cy="778051"/>
@@ -3501,7 +3528,7 @@
         </p:nvGrpSpPr>
         <p:grpSpPr>
           <a:xfrm>
-            <a:off x="1285731" y="6243847"/>
+            <a:off x="1285731" y="8214728"/>
             <a:ext cx="273358" cy="255738"/>
             <a:chOff x="2237695" y="5553138"/>
             <a:chExt cx="831658" cy="778051"/>
@@ -3599,7 +3626,7 @@
         </p:nvGrpSpPr>
         <p:grpSpPr>
           <a:xfrm>
-            <a:off x="2161662" y="5783996"/>
+            <a:off x="2161663" y="7754878"/>
             <a:ext cx="764893" cy="715589"/>
             <a:chOff x="3471882" y="5553138"/>
             <a:chExt cx="831658" cy="778051"/>
@@ -3697,7 +3724,7 @@
         </p:nvGrpSpPr>
         <p:grpSpPr>
           <a:xfrm>
-            <a:off x="333352" y="5819409"/>
+            <a:off x="333352" y="7790290"/>
             <a:ext cx="774578" cy="680176"/>
             <a:chOff x="261018" y="3737011"/>
             <a:chExt cx="829789" cy="881677"/>
@@ -3788,7 +3815,7 @@
         </p:nvGrpSpPr>
         <p:grpSpPr>
           <a:xfrm>
-            <a:off x="1600402" y="6013153"/>
+            <a:off x="1600403" y="7984034"/>
             <a:ext cx="519947" cy="486432"/>
             <a:chOff x="2237695" y="5553138"/>
             <a:chExt cx="831658" cy="778051"/>
@@ -3886,7 +3913,7 @@
         </p:nvGrpSpPr>
         <p:grpSpPr>
           <a:xfrm>
-            <a:off x="2967868" y="5490259"/>
+            <a:off x="2967868" y="7461140"/>
             <a:ext cx="1078868" cy="1009326"/>
             <a:chOff x="3471882" y="5553138"/>
             <a:chExt cx="831658" cy="778051"/>
@@ -3984,7 +4011,7 @@
         </p:nvGrpSpPr>
         <p:grpSpPr>
           <a:xfrm>
-            <a:off x="4088049" y="5045195"/>
+            <a:off x="4088049" y="7016076"/>
             <a:ext cx="1554596" cy="1454390"/>
             <a:chOff x="3471882" y="5553138"/>
             <a:chExt cx="831658" cy="778051"/>
@@ -4096,7 +4123,7 @@
         </p:blipFill>
         <p:spPr>
           <a:xfrm>
-            <a:off x="5138963" y="1347169"/>
+            <a:off x="5138963" y="3318050"/>
             <a:ext cx="412326" cy="411184"/>
           </a:xfrm>
           <a:prstGeom prst="rect">
@@ -4112,7 +4139,7 @@
         </p:nvGrpSpPr>
         <p:grpSpPr>
           <a:xfrm>
-            <a:off x="333352" y="1573433"/>
+            <a:off x="333352" y="3544314"/>
             <a:ext cx="774578" cy="680176"/>
             <a:chOff x="386747" y="1573433"/>
             <a:chExt cx="774578" cy="680176"/>
@@ -4203,7 +4230,7 @@
         </p:nvSpPr>
         <p:spPr>
           <a:xfrm>
-            <a:off x="1190336" y="1570538"/>
+            <a:off x="1190337" y="3541420"/>
             <a:ext cx="283539" cy="239237"/>
           </a:xfrm>
           <a:prstGeom prst="cloud">
@@ -4243,7 +4270,7 @@
         </p:nvSpPr>
         <p:spPr>
           <a:xfrm>
-            <a:off x="1580882" y="1560895"/>
+            <a:off x="1580883" y="3531777"/>
             <a:ext cx="544975" cy="400917"/>
           </a:xfrm>
           <a:prstGeom prst="cloud">
@@ -4283,7 +4310,7 @@
         </p:nvSpPr>
         <p:spPr>
           <a:xfrm>
-            <a:off x="2205671" y="1511272"/>
+            <a:off x="2205672" y="3482154"/>
             <a:ext cx="884019" cy="607927"/>
           </a:xfrm>
           <a:prstGeom prst="cloud">
@@ -4323,7 +4350,7 @@
         </p:nvGrpSpPr>
         <p:grpSpPr>
           <a:xfrm>
-            <a:off x="333352" y="2637823"/>
+            <a:off x="333352" y="4608704"/>
             <a:ext cx="774578" cy="680176"/>
             <a:chOff x="261018" y="3737011"/>
             <a:chExt cx="829789" cy="881677"/>
@@ -4427,7 +4454,7 @@
         </p:blipFill>
         <p:spPr>
           <a:xfrm>
-            <a:off x="1217446" y="2817385"/>
+            <a:off x="1217447" y="4788267"/>
             <a:ext cx="155297" cy="92193"/>
           </a:xfrm>
           <a:prstGeom prst="rect">
@@ -4456,7 +4483,7 @@
         </p:blipFill>
         <p:spPr>
           <a:xfrm>
-            <a:off x="1451036" y="2817385"/>
+            <a:off x="1451037" y="4788267"/>
             <a:ext cx="155297" cy="92193"/>
           </a:xfrm>
           <a:prstGeom prst="rect">
@@ -4485,7 +4512,7 @@
         </p:blipFill>
         <p:spPr>
           <a:xfrm>
-            <a:off x="1684626" y="2817385"/>
+            <a:off x="1684627" y="4788267"/>
             <a:ext cx="155297" cy="92193"/>
           </a:xfrm>
           <a:prstGeom prst="rect">
@@ -4514,7 +4541,7 @@
         </p:blipFill>
         <p:spPr>
           <a:xfrm>
-            <a:off x="1217446" y="2946920"/>
+            <a:off x="1217447" y="4917802"/>
             <a:ext cx="155297" cy="92193"/>
           </a:xfrm>
           <a:prstGeom prst="rect">
@@ -4543,7 +4570,7 @@
         </p:blipFill>
         <p:spPr>
           <a:xfrm>
-            <a:off x="1451036" y="2946920"/>
+            <a:off x="1451037" y="4917802"/>
             <a:ext cx="155297" cy="92193"/>
           </a:xfrm>
           <a:prstGeom prst="rect">
@@ -4572,7 +4599,7 @@
         </p:blipFill>
         <p:spPr>
           <a:xfrm>
-            <a:off x="1684626" y="2946920"/>
+            <a:off x="1684627" y="4917802"/>
             <a:ext cx="155297" cy="92193"/>
           </a:xfrm>
           <a:prstGeom prst="rect">
@@ -4601,7 +4628,7 @@
         </p:blipFill>
         <p:spPr>
           <a:xfrm>
-            <a:off x="1904526" y="2946920"/>
+            <a:off x="1904527" y="4917802"/>
             <a:ext cx="155297" cy="92193"/>
           </a:xfrm>
           <a:prstGeom prst="rect">
@@ -4630,7 +4657,7 @@
         </p:blipFill>
         <p:spPr>
           <a:xfrm>
-            <a:off x="2138116" y="2946920"/>
+            <a:off x="2138117" y="4917802"/>
             <a:ext cx="155297" cy="92193"/>
           </a:xfrm>
           <a:prstGeom prst="rect">
@@ -4659,7 +4686,7 @@
         </p:blipFill>
         <p:spPr>
           <a:xfrm>
-            <a:off x="2371706" y="2946920"/>
+            <a:off x="2371707" y="4917802"/>
             <a:ext cx="155297" cy="92193"/>
           </a:xfrm>
           <a:prstGeom prst="rect">
@@ -4675,7 +4702,7 @@
         </p:nvGrpSpPr>
         <p:grpSpPr>
           <a:xfrm>
-            <a:off x="2552149" y="242020"/>
+            <a:off x="2552149" y="2212902"/>
             <a:ext cx="860076" cy="808293"/>
             <a:chOff x="2366408" y="164411"/>
             <a:chExt cx="860076" cy="808293"/>
@@ -4810,7 +4837,7 @@
         </p:blipFill>
         <p:spPr>
           <a:xfrm>
-            <a:off x="527183" y="3924776"/>
+            <a:off x="527183" y="5895657"/>
             <a:ext cx="486422" cy="421956"/>
           </a:xfrm>
           <a:prstGeom prst="rect">
@@ -4826,7 +4853,7 @@
         </p:nvSpPr>
         <p:spPr>
           <a:xfrm>
-            <a:off x="333352" y="4273858"/>
+            <a:off x="333352" y="6244740"/>
             <a:ext cx="774578" cy="78461"/>
           </a:xfrm>
           <a:prstGeom prst="rect">
@@ -4872,7 +4899,7 @@
         </p:nvSpPr>
         <p:spPr>
           <a:xfrm rot="16200000">
-            <a:off x="1144624" y="4133088"/>
+            <a:off x="1144624" y="6103970"/>
             <a:ext cx="360000" cy="78461"/>
           </a:xfrm>
           <a:prstGeom prst="rect">
@@ -4918,7 +4945,7 @@
         </p:nvSpPr>
         <p:spPr>
           <a:xfrm rot="16200000">
-            <a:off x="1490548" y="4223088"/>
+            <a:off x="1490548" y="6193970"/>
             <a:ext cx="180000" cy="78461"/>
           </a:xfrm>
           <a:prstGeom prst="rect">
@@ -4964,7 +4991,7 @@
         </p:nvSpPr>
         <p:spPr>
           <a:xfrm rot="16200000">
-            <a:off x="1656472" y="4133088"/>
+            <a:off x="1656472" y="6103970"/>
             <a:ext cx="360000" cy="78461"/>
           </a:xfrm>
           <a:prstGeom prst="rect">
@@ -5010,7 +5037,7 @@
         </p:nvGrpSpPr>
         <p:grpSpPr>
           <a:xfrm>
-            <a:off x="2565014" y="3653054"/>
+            <a:off x="2565014" y="5623936"/>
             <a:ext cx="747444" cy="699265"/>
             <a:chOff x="2455086" y="1080838"/>
             <a:chExt cx="831658" cy="778051"/>
@@ -5108,7 +5135,7 @@
         </p:nvSpPr>
         <p:spPr>
           <a:xfrm rot="16200000">
-            <a:off x="1822396" y="4043088"/>
+            <a:off x="1822396" y="6013970"/>
             <a:ext cx="540000" cy="78461"/>
           </a:xfrm>
           <a:prstGeom prst="rect">
@@ -5154,7 +5181,7 @@
         </p:nvGrpSpPr>
         <p:grpSpPr>
           <a:xfrm>
-            <a:off x="4060006" y="270121"/>
+            <a:off x="4060006" y="2241002"/>
             <a:ext cx="774578" cy="680176"/>
             <a:chOff x="261018" y="3737011"/>
             <a:chExt cx="829789" cy="881677"/>
@@ -5245,7 +5272,7 @@
         </p:nvGrpSpPr>
         <p:grpSpPr>
           <a:xfrm>
-            <a:off x="4833117" y="317730"/>
+            <a:off x="4833117" y="2288612"/>
             <a:ext cx="816386" cy="632567"/>
             <a:chOff x="4647373" y="294354"/>
             <a:chExt cx="816386" cy="632567"/>
@@ -5343,7 +5370,7 @@
         </p:nvGrpSpPr>
         <p:grpSpPr>
           <a:xfrm>
-            <a:off x="4461090" y="3615692"/>
+            <a:off x="4461090" y="5586574"/>
             <a:ext cx="881450" cy="736627"/>
             <a:chOff x="4675409" y="3824700"/>
             <a:chExt cx="881450" cy="736627"/>
@@ -5446,7 +5473,7 @@
         </p:blipFill>
         <p:spPr>
           <a:xfrm>
-            <a:off x="857000" y="5239637"/>
+            <a:off x="857000" y="7210519"/>
             <a:ext cx="851020" cy="156409"/>
           </a:xfrm>
           <a:prstGeom prst="rect">
@@ -5462,7 +5489,7 @@
         </p:nvGrpSpPr>
         <p:grpSpPr>
           <a:xfrm>
-            <a:off x="333352" y="4795274"/>
+            <a:off x="333352" y="6766155"/>
             <a:ext cx="1260000" cy="661076"/>
             <a:chOff x="417188" y="4795274"/>
             <a:chExt cx="1260000" cy="661076"/>
@@ -5552,7 +5579,7 @@
         </p:nvSpPr>
         <p:spPr>
           <a:xfrm rot="16200000">
-            <a:off x="1988320" y="3953088"/>
+            <a:off x="1988320" y="5923970"/>
             <a:ext cx="720000" cy="78461"/>
           </a:xfrm>
           <a:prstGeom prst="rect">
@@ -5598,7 +5625,7 @@
         </p:nvGrpSpPr>
         <p:grpSpPr>
           <a:xfrm>
-            <a:off x="2897119" y="2637823"/>
+            <a:off x="2897119" y="4608704"/>
             <a:ext cx="2736000" cy="680176"/>
             <a:chOff x="2897119" y="2631960"/>
             <a:chExt cx="2736000" cy="680176"/>
@@ -5689,7 +5716,7 @@
         </p:nvSpPr>
         <p:spPr>
           <a:xfrm>
-            <a:off x="3607464" y="3180216"/>
+            <a:off x="3607464" y="5151097"/>
             <a:ext cx="1440000" cy="18000"/>
           </a:xfrm>
           <a:prstGeom prst="rect">
@@ -5735,7 +5762,7 @@
         </p:nvSpPr>
         <p:spPr>
           <a:xfrm>
-            <a:off x="3607464" y="3025911"/>
+            <a:off x="3607464" y="4996792"/>
             <a:ext cx="1080000" cy="18000"/>
           </a:xfrm>
           <a:prstGeom prst="rect">
@@ -5781,7 +5808,7 @@
         </p:nvSpPr>
         <p:spPr>
           <a:xfrm>
-            <a:off x="3607464" y="2871606"/>
+            <a:off x="3607464" y="4842487"/>
             <a:ext cx="720000" cy="18000"/>
           </a:xfrm>
           <a:prstGeom prst="rect">
@@ -5827,7 +5854,7 @@
         </p:nvSpPr>
         <p:spPr>
           <a:xfrm>
-            <a:off x="3607464" y="2717301"/>
+            <a:off x="3607464" y="4688182"/>
             <a:ext cx="360000" cy="18000"/>
           </a:xfrm>
           <a:prstGeom prst="rect">
@@ -5873,7 +5900,7 @@
         </p:nvGrpSpPr>
         <p:grpSpPr>
           <a:xfrm>
-            <a:off x="4597294" y="1701027"/>
+            <a:off x="4597294" y="3671909"/>
             <a:ext cx="774578" cy="427543"/>
             <a:chOff x="401637" y="4004672"/>
             <a:chExt cx="774578" cy="427543"/>
@@ -5964,7 +5991,7 @@
         </p:nvGrpSpPr>
         <p:grpSpPr>
           <a:xfrm>
-            <a:off x="3926568" y="1446345"/>
+            <a:off x="3926568" y="3417226"/>
             <a:ext cx="774578" cy="680176"/>
             <a:chOff x="261018" y="3737011"/>
             <a:chExt cx="829789" cy="881677"/>
@@ -6085,7 +6112,7 @@
         </p:nvGrpSpPr>
         <p:grpSpPr>
           <a:xfrm>
-            <a:off x="454375" y="201388"/>
+            <a:off x="454376" y="2172269"/>
             <a:ext cx="829561" cy="453164"/>
             <a:chOff x="725045" y="620908"/>
             <a:chExt cx="1099303" cy="600516"/>
@@ -6176,7 +6203,7 @@
         </p:nvGrpSpPr>
         <p:grpSpPr>
           <a:xfrm>
-            <a:off x="1228953" y="408509"/>
+            <a:off x="1228954" y="2379391"/>
             <a:ext cx="679731" cy="635917"/>
             <a:chOff x="2455086" y="1080838"/>
             <a:chExt cx="831658" cy="778051"/>
@@ -6274,7 +6301,7 @@
         </p:nvGrpSpPr>
         <p:grpSpPr>
           <a:xfrm>
-            <a:off x="1285731" y="6243847"/>
+            <a:off x="1285731" y="8214728"/>
             <a:ext cx="273358" cy="255738"/>
             <a:chOff x="2237695" y="5553138"/>
             <a:chExt cx="831658" cy="778051"/>
@@ -6372,7 +6399,7 @@
         </p:nvGrpSpPr>
         <p:grpSpPr>
           <a:xfrm>
-            <a:off x="2161662" y="5783996"/>
+            <a:off x="2161663" y="7754878"/>
             <a:ext cx="764893" cy="715589"/>
             <a:chOff x="3471882" y="5553138"/>
             <a:chExt cx="831658" cy="778051"/>
@@ -6484,7 +6511,7 @@
         </p:blipFill>
         <p:spPr>
           <a:xfrm>
-            <a:off x="525348" y="5819409"/>
+            <a:off x="525348" y="7790290"/>
             <a:ext cx="582582" cy="680176"/>
           </a:xfrm>
           <a:prstGeom prst="rect">
@@ -6500,7 +6527,7 @@
         </p:nvSpPr>
         <p:spPr>
           <a:xfrm>
-            <a:off x="333352" y="6421124"/>
+            <a:off x="333352" y="8392006"/>
             <a:ext cx="774578" cy="78461"/>
           </a:xfrm>
           <a:prstGeom prst="rect">
@@ -6546,7 +6573,7 @@
         </p:nvGrpSpPr>
         <p:grpSpPr>
           <a:xfrm>
-            <a:off x="1600402" y="6013153"/>
+            <a:off x="1600403" y="7984034"/>
             <a:ext cx="519947" cy="486432"/>
             <a:chOff x="2237695" y="5553138"/>
             <a:chExt cx="831658" cy="778051"/>
@@ -6644,7 +6671,7 @@
         </p:nvGrpSpPr>
         <p:grpSpPr>
           <a:xfrm>
-            <a:off x="2967868" y="5490259"/>
+            <a:off x="2967868" y="7461140"/>
             <a:ext cx="1078868" cy="1009326"/>
             <a:chOff x="3471882" y="5553138"/>
             <a:chExt cx="831658" cy="778051"/>
@@ -6742,7 +6769,7 @@
         </p:nvGrpSpPr>
         <p:grpSpPr>
           <a:xfrm>
-            <a:off x="4088049" y="5045195"/>
+            <a:off x="4088049" y="7016076"/>
             <a:ext cx="1554596" cy="1454390"/>
             <a:chOff x="3471882" y="5553138"/>
             <a:chExt cx="831658" cy="778051"/>
@@ -6854,7 +6881,7 @@
         </p:blipFill>
         <p:spPr>
           <a:xfrm>
-            <a:off x="5138963" y="1347169"/>
+            <a:off x="5138963" y="3318050"/>
             <a:ext cx="412326" cy="411184"/>
           </a:xfrm>
           <a:prstGeom prst="rect">
@@ -6884,7 +6911,7 @@
         </p:blipFill>
         <p:spPr>
           <a:xfrm>
-            <a:off x="525348" y="1573433"/>
+            <a:off x="525348" y="3544314"/>
             <a:ext cx="582582" cy="680176"/>
           </a:xfrm>
           <a:prstGeom prst="rect">
@@ -6900,7 +6927,7 @@
         </p:nvSpPr>
         <p:spPr>
           <a:xfrm>
-            <a:off x="1190336" y="1570538"/>
+            <a:off x="1190337" y="3541420"/>
             <a:ext cx="283539" cy="239237"/>
           </a:xfrm>
           <a:prstGeom prst="cloud">
@@ -6940,7 +6967,7 @@
         </p:nvSpPr>
         <p:spPr>
           <a:xfrm>
-            <a:off x="1580882" y="1560895"/>
+            <a:off x="1580883" y="3531777"/>
             <a:ext cx="544975" cy="400917"/>
           </a:xfrm>
           <a:prstGeom prst="cloud">
@@ -6980,7 +7007,7 @@
         </p:nvSpPr>
         <p:spPr>
           <a:xfrm>
-            <a:off x="2205671" y="1511272"/>
+            <a:off x="2205672" y="3482154"/>
             <a:ext cx="884019" cy="607927"/>
           </a:xfrm>
           <a:prstGeom prst="cloud">
@@ -7034,7 +7061,7 @@
         </p:blipFill>
         <p:spPr>
           <a:xfrm>
-            <a:off x="498454" y="2637823"/>
+            <a:off x="498454" y="4608704"/>
             <a:ext cx="582582" cy="680176"/>
           </a:xfrm>
           <a:prstGeom prst="rect">
@@ -7063,7 +7090,7 @@
         </p:blipFill>
         <p:spPr>
           <a:xfrm>
-            <a:off x="1190552" y="2801620"/>
+            <a:off x="1190553" y="4772502"/>
             <a:ext cx="155297" cy="92193"/>
           </a:xfrm>
           <a:prstGeom prst="rect">
@@ -7092,7 +7119,7 @@
         </p:blipFill>
         <p:spPr>
           <a:xfrm>
-            <a:off x="1424142" y="2801620"/>
+            <a:off x="1424143" y="4772502"/>
             <a:ext cx="155297" cy="92193"/>
           </a:xfrm>
           <a:prstGeom prst="rect">
@@ -7121,7 +7148,7 @@
         </p:blipFill>
         <p:spPr>
           <a:xfrm>
-            <a:off x="1657732" y="2801620"/>
+            <a:off x="1657733" y="4772502"/>
             <a:ext cx="155297" cy="92193"/>
           </a:xfrm>
           <a:prstGeom prst="rect">
@@ -7150,7 +7177,7 @@
         </p:blipFill>
         <p:spPr>
           <a:xfrm>
-            <a:off x="1190552" y="2952175"/>
+            <a:off x="1190553" y="4923057"/>
             <a:ext cx="155297" cy="92193"/>
           </a:xfrm>
           <a:prstGeom prst="rect">
@@ -7179,7 +7206,7 @@
         </p:blipFill>
         <p:spPr>
           <a:xfrm>
-            <a:off x="1424142" y="2952175"/>
+            <a:off x="1424143" y="4923057"/>
             <a:ext cx="155297" cy="92193"/>
           </a:xfrm>
           <a:prstGeom prst="rect">
@@ -7208,7 +7235,7 @@
         </p:blipFill>
         <p:spPr>
           <a:xfrm>
-            <a:off x="1657732" y="2952175"/>
+            <a:off x="1657733" y="4923057"/>
             <a:ext cx="155297" cy="92193"/>
           </a:xfrm>
           <a:prstGeom prst="rect">
@@ -7237,7 +7264,7 @@
         </p:blipFill>
         <p:spPr>
           <a:xfrm>
-            <a:off x="1877632" y="2952175"/>
+            <a:off x="1877633" y="4923057"/>
             <a:ext cx="155297" cy="92193"/>
           </a:xfrm>
           <a:prstGeom prst="rect">
@@ -7266,7 +7293,7 @@
         </p:blipFill>
         <p:spPr>
           <a:xfrm>
-            <a:off x="2111222" y="2952175"/>
+            <a:off x="2111223" y="4923057"/>
             <a:ext cx="155297" cy="92193"/>
           </a:xfrm>
           <a:prstGeom prst="rect">
@@ -7295,7 +7322,7 @@
         </p:blipFill>
         <p:spPr>
           <a:xfrm>
-            <a:off x="2344812" y="2952175"/>
+            <a:off x="2344813" y="4923057"/>
             <a:ext cx="155297" cy="92193"/>
           </a:xfrm>
           <a:prstGeom prst="rect">
@@ -7325,7 +7352,7 @@
         </p:blipFill>
         <p:spPr>
           <a:xfrm>
-            <a:off x="2552149" y="242020"/>
+            <a:off x="2552149" y="2212902"/>
             <a:ext cx="775736" cy="808293"/>
           </a:xfrm>
           <a:prstGeom prst="rect">
@@ -7355,7 +7382,7 @@
         </p:blipFill>
         <p:spPr>
           <a:xfrm>
-            <a:off x="3146623" y="309712"/>
+            <a:off x="3146623" y="2280593"/>
             <a:ext cx="258172" cy="371026"/>
           </a:xfrm>
           <a:prstGeom prst="rect">
@@ -7385,7 +7412,7 @@
         </p:blipFill>
         <p:spPr>
           <a:xfrm>
-            <a:off x="527183" y="3924776"/>
+            <a:off x="527183" y="5895657"/>
             <a:ext cx="486422" cy="421956"/>
           </a:xfrm>
           <a:prstGeom prst="rect">
@@ -7401,7 +7428,7 @@
         </p:nvSpPr>
         <p:spPr>
           <a:xfrm rot="16200000">
-            <a:off x="996707" y="4133088"/>
+            <a:off x="996707" y="6103970"/>
             <a:ext cx="360000" cy="78461"/>
           </a:xfrm>
           <a:prstGeom prst="rect">
@@ -7447,7 +7474,7 @@
         </p:nvSpPr>
         <p:spPr>
           <a:xfrm rot="16200000">
-            <a:off x="1342631" y="4223088"/>
+            <a:off x="1342631" y="6193970"/>
             <a:ext cx="180000" cy="78461"/>
           </a:xfrm>
           <a:prstGeom prst="rect">
@@ -7493,7 +7520,7 @@
         </p:nvSpPr>
         <p:spPr>
           <a:xfrm rot="16200000">
-            <a:off x="1508555" y="4133088"/>
+            <a:off x="1508555" y="6103970"/>
             <a:ext cx="360000" cy="78461"/>
           </a:xfrm>
           <a:prstGeom prst="rect">
@@ -7539,7 +7566,7 @@
         </p:nvGrpSpPr>
         <p:grpSpPr>
           <a:xfrm>
-            <a:off x="2417097" y="3653054"/>
+            <a:off x="2417097" y="5623936"/>
             <a:ext cx="747444" cy="699265"/>
             <a:chOff x="2455086" y="1080838"/>
             <a:chExt cx="831658" cy="778051"/>
@@ -7637,7 +7664,7 @@
         </p:nvSpPr>
         <p:spPr>
           <a:xfrm rot="16200000">
-            <a:off x="1674479" y="4043088"/>
+            <a:off x="1674479" y="6013970"/>
             <a:ext cx="540000" cy="78461"/>
           </a:xfrm>
           <a:prstGeom prst="rect">
@@ -7697,7 +7724,7 @@
         </p:blipFill>
         <p:spPr>
           <a:xfrm>
-            <a:off x="4252002" y="270121"/>
+            <a:off x="4252002" y="2241002"/>
             <a:ext cx="582582" cy="680176"/>
           </a:xfrm>
           <a:prstGeom prst="rect">
@@ -7734,7 +7761,7 @@
         </p:blipFill>
         <p:spPr>
           <a:xfrm>
-            <a:off x="4833117" y="317730"/>
+            <a:off x="4833117" y="2288612"/>
             <a:ext cx="620148" cy="617575"/>
           </a:xfrm>
           <a:prstGeom prst="rect">
@@ -7750,7 +7777,7 @@
         </p:nvSpPr>
         <p:spPr>
           <a:xfrm>
-            <a:off x="4874925" y="871836"/>
+            <a:off x="4874925" y="2842718"/>
             <a:ext cx="774578" cy="78461"/>
           </a:xfrm>
           <a:prstGeom prst="rect">
@@ -7809,7 +7836,7 @@
         </p:blipFill>
         <p:spPr>
           <a:xfrm flipH="1">
-            <a:off x="4461090" y="3615692"/>
+            <a:off x="4461090" y="5586573"/>
             <a:ext cx="881450" cy="676838"/>
           </a:xfrm>
           <a:prstGeom prst="rect">
@@ -7825,7 +7852,7 @@
         </p:nvSpPr>
         <p:spPr>
           <a:xfrm>
-            <a:off x="4469014" y="4273858"/>
+            <a:off x="4469014" y="6244740"/>
             <a:ext cx="774578" cy="78461"/>
           </a:xfrm>
           <a:prstGeom prst="rect">
@@ -7891,7 +7918,7 @@
         </p:blipFill>
         <p:spPr>
           <a:xfrm>
-            <a:off x="1740398" y="5246617"/>
+            <a:off x="1740398" y="7217499"/>
             <a:ext cx="851020" cy="156409"/>
           </a:xfrm>
           <a:prstGeom prst="rect">
@@ -7920,7 +7947,7 @@
         </p:blipFill>
         <p:spPr>
           <a:xfrm>
-            <a:off x="498379" y="4795274"/>
+            <a:off x="498379" y="6766155"/>
             <a:ext cx="541976" cy="661076"/>
           </a:xfrm>
           <a:prstGeom prst="rect">
@@ -7936,7 +7963,7 @@
         </p:nvSpPr>
         <p:spPr>
           <a:xfrm rot="16200000">
-            <a:off x="1840403" y="3953088"/>
+            <a:off x="1840403" y="5923970"/>
             <a:ext cx="720000" cy="78461"/>
           </a:xfrm>
           <a:prstGeom prst="rect">
@@ -7996,7 +8023,7 @@
         </p:blipFill>
         <p:spPr>
           <a:xfrm>
-            <a:off x="2926555" y="2637823"/>
+            <a:off x="2926555" y="4608704"/>
             <a:ext cx="582582" cy="680176"/>
           </a:xfrm>
           <a:prstGeom prst="rect">
@@ -8012,7 +8039,7 @@
         </p:nvSpPr>
         <p:spPr>
           <a:xfrm>
-            <a:off x="3607464" y="3180216"/>
+            <a:off x="3607464" y="5151097"/>
             <a:ext cx="1440000" cy="18000"/>
           </a:xfrm>
           <a:prstGeom prst="rect">
@@ -8058,7 +8085,7 @@
         </p:nvSpPr>
         <p:spPr>
           <a:xfrm>
-            <a:off x="3607464" y="3025911"/>
+            <a:off x="3607464" y="4996792"/>
             <a:ext cx="1080000" cy="18000"/>
           </a:xfrm>
           <a:prstGeom prst="rect">
@@ -8104,7 +8131,7 @@
         </p:nvSpPr>
         <p:spPr>
           <a:xfrm>
-            <a:off x="3607464" y="2871606"/>
+            <a:off x="3607464" y="4842487"/>
             <a:ext cx="720000" cy="18000"/>
           </a:xfrm>
           <a:prstGeom prst="rect">
@@ -8150,7 +8177,7 @@
         </p:nvSpPr>
         <p:spPr>
           <a:xfrm>
-            <a:off x="3607464" y="2717301"/>
+            <a:off x="3607464" y="4688182"/>
             <a:ext cx="360000" cy="18000"/>
           </a:xfrm>
           <a:prstGeom prst="rect">
@@ -8210,7 +8237,7 @@
         </p:blipFill>
         <p:spPr>
           <a:xfrm>
-            <a:off x="4705397" y="1701027"/>
+            <a:off x="4705397" y="3671908"/>
             <a:ext cx="486422" cy="421956"/>
           </a:xfrm>
           <a:prstGeom prst="rect">
@@ -8240,7 +8267,7 @@
         </p:blipFill>
         <p:spPr>
           <a:xfrm>
-            <a:off x="4118564" y="1446345"/>
+            <a:off x="4118564" y="3417226"/>
             <a:ext cx="582582" cy="680176"/>
           </a:xfrm>
           <a:prstGeom prst="rect">
@@ -8256,7 +8283,7 @@
         </p:nvSpPr>
         <p:spPr>
           <a:xfrm>
-            <a:off x="333352" y="5377889"/>
+            <a:off x="333352" y="7348771"/>
             <a:ext cx="2232000" cy="78461"/>
           </a:xfrm>
           <a:prstGeom prst="rect">
@@ -8346,7 +8373,7 @@
         </p:blipFill>
         <p:spPr>
           <a:xfrm>
-            <a:off x="1200377" y="339811"/>
+            <a:off x="1200377" y="2310692"/>
             <a:ext cx="3314700" cy="3225800"/>
           </a:xfrm>
           <a:prstGeom prst="rect">
@@ -8376,7 +8403,7 @@
         </p:blipFill>
         <p:spPr>
           <a:xfrm>
-            <a:off x="1251177" y="3784831"/>
+            <a:off x="1251177" y="5755712"/>
             <a:ext cx="3213100" cy="2603500"/>
           </a:xfrm>
           <a:prstGeom prst="rect">
@@ -8406,7 +8433,7 @@
         </p:blipFill>
         <p:spPr>
           <a:xfrm>
-            <a:off x="7931722" y="435803"/>
+            <a:off x="7931722" y="2406685"/>
             <a:ext cx="3580514" cy="5986393"/>
           </a:xfrm>
           <a:prstGeom prst="rect">
@@ -8466,7 +8493,7 @@
         </p:blipFill>
         <p:spPr>
           <a:xfrm>
-            <a:off x="4182788" y="658224"/>
+            <a:off x="4182788" y="2629106"/>
             <a:ext cx="2317928" cy="3982081"/>
           </a:xfrm>
           <a:prstGeom prst="rect">
@@ -8496,7 +8523,7 @@
         </p:blipFill>
         <p:spPr>
           <a:xfrm>
-            <a:off x="488745" y="658224"/>
+            <a:off x="488746" y="2629106"/>
             <a:ext cx="3694043" cy="2993197"/>
           </a:xfrm>
           <a:prstGeom prst="rect">
@@ -8526,7 +8553,7 @@
         </p:blipFill>
         <p:spPr>
           <a:xfrm>
-            <a:off x="6500716" y="244881"/>
+            <a:off x="6500716" y="2215763"/>
             <a:ext cx="4641728" cy="4517237"/>
           </a:xfrm>
           <a:prstGeom prst="rect">
@@ -8578,7 +8605,7 @@
         </p:nvCxnSpPr>
         <p:spPr>
           <a:xfrm>
-            <a:off x="3488675" y="1828800"/>
+            <a:off x="3488675" y="3799682"/>
             <a:ext cx="0" cy="341523"/>
           </a:xfrm>
           <a:prstGeom prst="line">
@@ -8621,7 +8648,7 @@
         </p:nvCxnSpPr>
         <p:spPr>
           <a:xfrm>
-            <a:off x="4112964" y="1828800"/>
+            <a:off x="4112964" y="3799682"/>
             <a:ext cx="0" cy="341523"/>
           </a:xfrm>
           <a:prstGeom prst="line">
@@ -8664,7 +8691,7 @@
         </p:nvCxnSpPr>
         <p:spPr>
           <a:xfrm>
-            <a:off x="4737253" y="1828800"/>
+            <a:off x="4737253" y="3799682"/>
             <a:ext cx="0" cy="341523"/>
           </a:xfrm>
           <a:prstGeom prst="line">
@@ -8707,7 +8734,7 @@
         </p:nvCxnSpPr>
         <p:spPr>
           <a:xfrm>
-            <a:off x="5361542" y="1828800"/>
+            <a:off x="5361542" y="3799682"/>
             <a:ext cx="0" cy="341523"/>
           </a:xfrm>
           <a:prstGeom prst="line">
@@ -8750,7 +8777,7 @@
         </p:nvCxnSpPr>
         <p:spPr>
           <a:xfrm>
-            <a:off x="5985831" y="1828800"/>
+            <a:off x="5985831" y="3799682"/>
             <a:ext cx="0" cy="341523"/>
           </a:xfrm>
           <a:prstGeom prst="line">
@@ -8793,7 +8820,7 @@
         </p:nvCxnSpPr>
         <p:spPr>
           <a:xfrm>
-            <a:off x="6610120" y="1828800"/>
+            <a:off x="6610120" y="3799682"/>
             <a:ext cx="0" cy="341523"/>
           </a:xfrm>
           <a:prstGeom prst="line">
@@ -8836,7 +8863,7 @@
         </p:nvCxnSpPr>
         <p:spPr>
           <a:xfrm>
-            <a:off x="7234409" y="1828800"/>
+            <a:off x="7234409" y="3799682"/>
             <a:ext cx="0" cy="341523"/>
           </a:xfrm>
           <a:prstGeom prst="line">
@@ -8879,7 +8906,7 @@
         </p:nvCxnSpPr>
         <p:spPr>
           <a:xfrm>
-            <a:off x="7858698" y="1828800"/>
+            <a:off x="7858698" y="3799682"/>
             <a:ext cx="0" cy="341523"/>
           </a:xfrm>
           <a:prstGeom prst="line">
@@ -8922,7 +8949,7 @@
         </p:nvSpPr>
         <p:spPr>
           <a:xfrm>
-            <a:off x="2864386" y="1828796"/>
+            <a:off x="2864386" y="3799677"/>
             <a:ext cx="5618602" cy="154236"/>
           </a:xfrm>
           <a:prstGeom prst="rect">
@@ -9001,7 +9028,7 @@
         </p:nvCxnSpPr>
         <p:spPr>
           <a:xfrm>
-            <a:off x="2864386" y="1828800"/>
+            <a:off x="2864386" y="3799682"/>
             <a:ext cx="0" cy="341523"/>
           </a:xfrm>
           <a:prstGeom prst="line">
@@ -9042,7 +9069,7 @@
         </p:nvCxnSpPr>
         <p:spPr>
           <a:xfrm>
-            <a:off x="8482988" y="1828800"/>
+            <a:off x="8482988" y="3799682"/>
             <a:ext cx="0" cy="341523"/>
           </a:xfrm>
           <a:prstGeom prst="line">
@@ -9083,7 +9110,7 @@
         </p:nvSpPr>
         <p:spPr>
           <a:xfrm>
-            <a:off x="4726236" y="1434947"/>
+            <a:off x="4726237" y="3405828"/>
             <a:ext cx="1872867" cy="154236"/>
           </a:xfrm>
           <a:prstGeom prst="rect">
@@ -9135,7 +9162,7 @@
         </p:nvSpPr>
         <p:spPr>
           <a:xfrm>
-            <a:off x="6599103" y="1434947"/>
+            <a:off x="6599104" y="3405828"/>
             <a:ext cx="1872867" cy="154236"/>
           </a:xfrm>
           <a:prstGeom prst="rect">
@@ -9186,7 +9213,7 @@
         </p:nvSpPr>
         <p:spPr>
           <a:xfrm>
-            <a:off x="2853369" y="1627742"/>
+            <a:off x="2853370" y="3598623"/>
             <a:ext cx="1872867" cy="154236"/>
           </a:xfrm>
           <a:prstGeom prst="rect">
@@ -9235,7 +9262,7 @@
         </p:nvSpPr>
         <p:spPr>
           <a:xfrm>
-            <a:off x="4726235" y="1627742"/>
+            <a:off x="4726236" y="3598623"/>
             <a:ext cx="1872867" cy="154236"/>
           </a:xfrm>
           <a:prstGeom prst="rect">
@@ -9287,7 +9314,7 @@
         </p:nvSpPr>
         <p:spPr>
           <a:xfrm>
-            <a:off x="2688116" y="2244679"/>
+            <a:off x="2688116" y="4215561"/>
             <a:ext cx="352540" cy="276999"/>
           </a:xfrm>
           <a:prstGeom prst="rect">
@@ -9323,7 +9350,7 @@
         </p:nvSpPr>
         <p:spPr>
           <a:xfrm>
-            <a:off x="3312405" y="2244679"/>
+            <a:off x="3312405" y="4215561"/>
             <a:ext cx="352540" cy="276999"/>
           </a:xfrm>
           <a:prstGeom prst="rect">
@@ -9359,7 +9386,7 @@
         </p:nvSpPr>
         <p:spPr>
           <a:xfrm>
-            <a:off x="3936694" y="2244679"/>
+            <a:off x="3936694" y="4215561"/>
             <a:ext cx="352540" cy="276999"/>
           </a:xfrm>
           <a:prstGeom prst="rect">
@@ -9395,7 +9422,7 @@
         </p:nvSpPr>
         <p:spPr>
           <a:xfrm>
-            <a:off x="4560983" y="2244679"/>
+            <a:off x="4560983" y="4215561"/>
             <a:ext cx="352540" cy="276999"/>
           </a:xfrm>
           <a:prstGeom prst="rect">
@@ -9431,7 +9458,7 @@
         </p:nvSpPr>
         <p:spPr>
           <a:xfrm>
-            <a:off x="5185272" y="2244679"/>
+            <a:off x="5185272" y="4215561"/>
             <a:ext cx="352540" cy="276999"/>
           </a:xfrm>
           <a:prstGeom prst="rect">
@@ -9467,7 +9494,7 @@
         </p:nvSpPr>
         <p:spPr>
           <a:xfrm>
-            <a:off x="5809561" y="2244679"/>
+            <a:off x="5809561" y="4215561"/>
             <a:ext cx="352540" cy="276999"/>
           </a:xfrm>
           <a:prstGeom prst="rect">
@@ -9503,7 +9530,7 @@
         </p:nvSpPr>
         <p:spPr>
           <a:xfrm>
-            <a:off x="6433850" y="2244679"/>
+            <a:off x="6433850" y="4215561"/>
             <a:ext cx="352540" cy="276999"/>
           </a:xfrm>
           <a:prstGeom prst="rect">
@@ -9539,7 +9566,7 @@
         </p:nvSpPr>
         <p:spPr>
           <a:xfrm>
-            <a:off x="7058139" y="2244679"/>
+            <a:off x="7058139" y="4215561"/>
             <a:ext cx="352540" cy="276999"/>
           </a:xfrm>
           <a:prstGeom prst="rect">
@@ -9575,7 +9602,7 @@
         </p:nvSpPr>
         <p:spPr>
           <a:xfrm>
-            <a:off x="7682428" y="2244679"/>
+            <a:off x="7682428" y="4215561"/>
             <a:ext cx="352540" cy="276999"/>
           </a:xfrm>
           <a:prstGeom prst="rect">
@@ -9611,7 +9638,7 @@
         </p:nvSpPr>
         <p:spPr>
           <a:xfrm>
-            <a:off x="8306717" y="2244679"/>
+            <a:off x="8306717" y="4215561"/>
             <a:ext cx="352540" cy="276999"/>
           </a:xfrm>
           <a:prstGeom prst="rect">
@@ -9633,6 +9660,866 @@
           </a:p>
         </p:txBody>
       </p:sp>
+      <p:grpSp>
+        <p:nvGrpSpPr>
+          <p:cNvPr id="71" name="Group 70">
+            <a:extLst>
+              <a:ext uri="{FF2B5EF4-FFF2-40B4-BE49-F238E27FC236}">
+                <a16:creationId xmlns:a16="http://schemas.microsoft.com/office/drawing/2014/main" id="{8C7C0D39-CEB6-814B-B8C8-8DAC2670D1FC}"/>
+              </a:ext>
+            </a:extLst>
+          </p:cNvPr>
+          <p:cNvGrpSpPr/>
+          <p:nvPr/>
+        </p:nvGrpSpPr>
+        <p:grpSpPr>
+          <a:xfrm>
+            <a:off x="2823992" y="5499603"/>
+            <a:ext cx="5706737" cy="676916"/>
+            <a:chOff x="2823991" y="3528722"/>
+            <a:chExt cx="5706737" cy="676916"/>
+          </a:xfrm>
+        </p:grpSpPr>
+        <p:sp>
+          <p:nvSpPr>
+            <p:cNvPr id="43" name="Rectangle 42">
+              <a:extLst>
+                <a:ext uri="{FF2B5EF4-FFF2-40B4-BE49-F238E27FC236}">
+                  <a16:creationId xmlns:a16="http://schemas.microsoft.com/office/drawing/2014/main" id="{CC5E5A67-6EDC-D740-8423-31A83F172008}"/>
+                </a:ext>
+              </a:extLst>
+            </p:cNvPr>
+            <p:cNvSpPr/>
+            <p:nvPr/>
+          </p:nvSpPr>
+          <p:spPr>
+            <a:xfrm>
+              <a:off x="2864386" y="3752464"/>
+              <a:ext cx="5618602" cy="187216"/>
+            </a:xfrm>
+            <a:prstGeom prst="rect">
+              <a:avLst/>
+            </a:prstGeom>
+            <a:gradFill flip="none" rotWithShape="1">
+              <a:gsLst>
+                <a:gs pos="79000">
+                  <a:schemeClr val="bg2">
+                    <a:lumMod val="75000"/>
+                  </a:schemeClr>
+                </a:gs>
+                <a:gs pos="17000">
+                  <a:schemeClr val="bg2">
+                    <a:lumMod val="75000"/>
+                  </a:schemeClr>
+                </a:gs>
+                <a:gs pos="0">
+                  <a:srgbClr val="FF0000">
+                    <a:lumMod val="27000"/>
+                    <a:lumOff val="73000"/>
+                  </a:srgbClr>
+                </a:gs>
+                <a:gs pos="100000">
+                  <a:schemeClr val="accent6">
+                    <a:lumMod val="23000"/>
+                    <a:lumOff val="77000"/>
+                  </a:schemeClr>
+                </a:gs>
+              </a:gsLst>
+              <a:path path="circle">
+                <a:fillToRect l="100000" b="100000"/>
+              </a:path>
+              <a:tileRect t="-100000" r="-100000"/>
+            </a:gradFill>
+            <a:ln w="6350">
+              <a:solidFill>
+                <a:schemeClr val="tx1"/>
+              </a:solidFill>
+            </a:ln>
+          </p:spPr>
+          <p:style>
+            <a:lnRef idx="2">
+              <a:schemeClr val="accent1">
+                <a:shade val="50000"/>
+              </a:schemeClr>
+            </a:lnRef>
+            <a:fillRef idx="1">
+              <a:schemeClr val="accent1"/>
+            </a:fillRef>
+            <a:effectRef idx="0">
+              <a:schemeClr val="accent1"/>
+            </a:effectRef>
+            <a:fontRef idx="minor">
+              <a:schemeClr val="lt1"/>
+            </a:fontRef>
+          </p:style>
+          <p:txBody>
+            <a:bodyPr rtlCol="0" anchor="ctr"/>
+            <a:lstStyle/>
+            <a:p>
+              <a:pPr algn="ctr"/>
+              <a:endParaRPr lang="en-US"/>
+            </a:p>
+          </p:txBody>
+        </p:sp>
+        <p:sp>
+          <p:nvSpPr>
+            <p:cNvPr id="54" name="TextBox 53">
+              <a:extLst>
+                <a:ext uri="{FF2B5EF4-FFF2-40B4-BE49-F238E27FC236}">
+                  <a16:creationId xmlns:a16="http://schemas.microsoft.com/office/drawing/2014/main" id="{9312F164-C766-664E-864C-10739F56CBF6}"/>
+                </a:ext>
+              </a:extLst>
+            </p:cNvPr>
+            <p:cNvSpPr txBox="1"/>
+            <p:nvPr/>
+          </p:nvSpPr>
+          <p:spPr>
+            <a:xfrm>
+              <a:off x="5185272" y="3716021"/>
+              <a:ext cx="352540" cy="276999"/>
+            </a:xfrm>
+            <a:prstGeom prst="rect">
+              <a:avLst/>
+            </a:prstGeom>
+            <a:noFill/>
+          </p:spPr>
+          <p:txBody>
+            <a:bodyPr wrap="square" rtlCol="0">
+              <a:spAutoFit/>
+            </a:bodyPr>
+            <a:lstStyle/>
+            <a:p>
+              <a:pPr algn="ctr"/>
+              <a:r>
+                <a:rPr lang="en-US" sz="1200" dirty="0"/>
+                <a:t>44</a:t>
+              </a:r>
+            </a:p>
+          </p:txBody>
+        </p:sp>
+        <p:sp>
+          <p:nvSpPr>
+            <p:cNvPr id="55" name="TextBox 54">
+              <a:extLst>
+                <a:ext uri="{FF2B5EF4-FFF2-40B4-BE49-F238E27FC236}">
+                  <a16:creationId xmlns:a16="http://schemas.microsoft.com/office/drawing/2014/main" id="{8035E91F-0769-2A43-8C7B-400FAE81E0C0}"/>
+                </a:ext>
+              </a:extLst>
+            </p:cNvPr>
+            <p:cNvSpPr txBox="1"/>
+            <p:nvPr/>
+          </p:nvSpPr>
+          <p:spPr>
+            <a:xfrm>
+              <a:off x="5809561" y="3716021"/>
+              <a:ext cx="352540" cy="276999"/>
+            </a:xfrm>
+            <a:prstGeom prst="rect">
+              <a:avLst/>
+            </a:prstGeom>
+            <a:noFill/>
+          </p:spPr>
+          <p:txBody>
+            <a:bodyPr wrap="square" rtlCol="0">
+              <a:spAutoFit/>
+            </a:bodyPr>
+            <a:lstStyle/>
+            <a:p>
+              <a:pPr algn="ctr"/>
+              <a:r>
+                <a:rPr lang="en-US" sz="1200" dirty="0"/>
+                <a:t>55</a:t>
+              </a:r>
+            </a:p>
+          </p:txBody>
+        </p:sp>
+        <p:sp>
+          <p:nvSpPr>
+            <p:cNvPr id="56" name="TextBox 55">
+              <a:extLst>
+                <a:ext uri="{FF2B5EF4-FFF2-40B4-BE49-F238E27FC236}">
+                  <a16:creationId xmlns:a16="http://schemas.microsoft.com/office/drawing/2014/main" id="{1DD6719F-1CBF-AE40-A021-4EB19FBECA63}"/>
+                </a:ext>
+              </a:extLst>
+            </p:cNvPr>
+            <p:cNvSpPr txBox="1"/>
+            <p:nvPr/>
+          </p:nvSpPr>
+          <p:spPr>
+            <a:xfrm>
+              <a:off x="6433850" y="3716021"/>
+              <a:ext cx="352540" cy="276999"/>
+            </a:xfrm>
+            <a:prstGeom prst="rect">
+              <a:avLst/>
+            </a:prstGeom>
+            <a:noFill/>
+          </p:spPr>
+          <p:txBody>
+            <a:bodyPr wrap="square" rtlCol="0">
+              <a:spAutoFit/>
+            </a:bodyPr>
+            <a:lstStyle/>
+            <a:p>
+              <a:pPr algn="ctr"/>
+              <a:r>
+                <a:rPr lang="en-US" sz="1200" dirty="0"/>
+                <a:t>66</a:t>
+              </a:r>
+            </a:p>
+          </p:txBody>
+        </p:sp>
+        <p:sp>
+          <p:nvSpPr>
+            <p:cNvPr id="57" name="TextBox 56">
+              <a:extLst>
+                <a:ext uri="{FF2B5EF4-FFF2-40B4-BE49-F238E27FC236}">
+                  <a16:creationId xmlns:a16="http://schemas.microsoft.com/office/drawing/2014/main" id="{5C5DC1F1-9B0D-034F-89A6-9DEBD1E94373}"/>
+                </a:ext>
+              </a:extLst>
+            </p:cNvPr>
+            <p:cNvSpPr txBox="1"/>
+            <p:nvPr/>
+          </p:nvSpPr>
+          <p:spPr>
+            <a:xfrm>
+              <a:off x="7058139" y="3716021"/>
+              <a:ext cx="352540" cy="276999"/>
+            </a:xfrm>
+            <a:prstGeom prst="rect">
+              <a:avLst/>
+            </a:prstGeom>
+            <a:noFill/>
+          </p:spPr>
+          <p:txBody>
+            <a:bodyPr wrap="square" rtlCol="0">
+              <a:spAutoFit/>
+            </a:bodyPr>
+            <a:lstStyle/>
+            <a:p>
+              <a:pPr algn="ctr"/>
+              <a:r>
+                <a:rPr lang="en-US" sz="1200" dirty="0"/>
+                <a:t>77</a:t>
+              </a:r>
+            </a:p>
+          </p:txBody>
+        </p:sp>
+        <p:sp>
+          <p:nvSpPr>
+            <p:cNvPr id="58" name="TextBox 57">
+              <a:extLst>
+                <a:ext uri="{FF2B5EF4-FFF2-40B4-BE49-F238E27FC236}">
+                  <a16:creationId xmlns:a16="http://schemas.microsoft.com/office/drawing/2014/main" id="{87AA7F6C-6F6C-B24F-BC54-7EEA09734809}"/>
+                </a:ext>
+              </a:extLst>
+            </p:cNvPr>
+            <p:cNvSpPr txBox="1"/>
+            <p:nvPr/>
+          </p:nvSpPr>
+          <p:spPr>
+            <a:xfrm>
+              <a:off x="7682428" y="3716021"/>
+              <a:ext cx="352540" cy="276999"/>
+            </a:xfrm>
+            <a:prstGeom prst="rect">
+              <a:avLst/>
+            </a:prstGeom>
+            <a:noFill/>
+          </p:spPr>
+          <p:txBody>
+            <a:bodyPr wrap="square" rtlCol="0">
+              <a:spAutoFit/>
+            </a:bodyPr>
+            <a:lstStyle/>
+            <a:p>
+              <a:pPr algn="ctr"/>
+              <a:r>
+                <a:rPr lang="en-US" sz="1200" dirty="0"/>
+                <a:t>88</a:t>
+              </a:r>
+            </a:p>
+          </p:txBody>
+        </p:sp>
+        <p:sp>
+          <p:nvSpPr>
+            <p:cNvPr id="59" name="TextBox 58">
+              <a:extLst>
+                <a:ext uri="{FF2B5EF4-FFF2-40B4-BE49-F238E27FC236}">
+                  <a16:creationId xmlns:a16="http://schemas.microsoft.com/office/drawing/2014/main" id="{522606B5-BEA9-FE4B-9E35-DCAFE8A2B378}"/>
+                </a:ext>
+              </a:extLst>
+            </p:cNvPr>
+            <p:cNvSpPr txBox="1"/>
+            <p:nvPr/>
+          </p:nvSpPr>
+          <p:spPr>
+            <a:xfrm>
+              <a:off x="8178188" y="3713195"/>
+              <a:ext cx="352540" cy="276999"/>
+            </a:xfrm>
+            <a:prstGeom prst="rect">
+              <a:avLst/>
+            </a:prstGeom>
+            <a:noFill/>
+          </p:spPr>
+          <p:txBody>
+            <a:bodyPr wrap="square" rtlCol="0">
+              <a:spAutoFit/>
+            </a:bodyPr>
+            <a:lstStyle/>
+            <a:p>
+              <a:pPr algn="ctr"/>
+              <a:r>
+                <a:rPr lang="en-US" sz="1200" dirty="0"/>
+                <a:t>99</a:t>
+              </a:r>
+            </a:p>
+          </p:txBody>
+        </p:sp>
+        <p:cxnSp>
+          <p:nvCxnSpPr>
+            <p:cNvPr id="61" name="Straight Connector 60">
+              <a:extLst>
+                <a:ext uri="{FF2B5EF4-FFF2-40B4-BE49-F238E27FC236}">
+                  <a16:creationId xmlns:a16="http://schemas.microsoft.com/office/drawing/2014/main" id="{AB2323BE-BE8A-FB4E-A4E7-06715B1CDF28}"/>
+                </a:ext>
+              </a:extLst>
+            </p:cNvPr>
+            <p:cNvCxnSpPr>
+              <a:cxnSpLocks/>
+            </p:cNvCxnSpPr>
+            <p:nvPr/>
+          </p:nvCxnSpPr>
+          <p:spPr>
+            <a:xfrm>
+              <a:off x="2874166" y="3757354"/>
+              <a:ext cx="0" cy="187216"/>
+            </a:xfrm>
+            <a:prstGeom prst="line">
+              <a:avLst/>
+            </a:prstGeom>
+            <a:ln w="38100">
+              <a:solidFill>
+                <a:schemeClr val="accent6"/>
+              </a:solidFill>
+            </a:ln>
+          </p:spPr>
+          <p:style>
+            <a:lnRef idx="1">
+              <a:schemeClr val="accent1"/>
+            </a:lnRef>
+            <a:fillRef idx="0">
+              <a:schemeClr val="accent1"/>
+            </a:fillRef>
+            <a:effectRef idx="0">
+              <a:schemeClr val="accent1"/>
+            </a:effectRef>
+            <a:fontRef idx="minor">
+              <a:schemeClr val="tx1"/>
+            </a:fontRef>
+          </p:style>
+        </p:cxnSp>
+        <p:cxnSp>
+          <p:nvCxnSpPr>
+            <p:cNvPr id="64" name="Straight Connector 63">
+              <a:extLst>
+                <a:ext uri="{FF2B5EF4-FFF2-40B4-BE49-F238E27FC236}">
+                  <a16:creationId xmlns:a16="http://schemas.microsoft.com/office/drawing/2014/main" id="{76F0B3DE-48B1-134E-B20F-2BC8D918503F}"/>
+                </a:ext>
+              </a:extLst>
+            </p:cNvPr>
+            <p:cNvCxnSpPr>
+              <a:cxnSpLocks/>
+            </p:cNvCxnSpPr>
+            <p:nvPr/>
+          </p:nvCxnSpPr>
+          <p:spPr>
+            <a:xfrm>
+              <a:off x="8482987" y="3757354"/>
+              <a:ext cx="0" cy="187216"/>
+            </a:xfrm>
+            <a:prstGeom prst="line">
+              <a:avLst/>
+            </a:prstGeom>
+            <a:ln w="38100">
+              <a:solidFill>
+                <a:srgbClr val="FF0000"/>
+              </a:solidFill>
+            </a:ln>
+          </p:spPr>
+          <p:style>
+            <a:lnRef idx="1">
+              <a:schemeClr val="accent1"/>
+            </a:lnRef>
+            <a:fillRef idx="0">
+              <a:schemeClr val="accent1"/>
+            </a:fillRef>
+            <a:effectRef idx="0">
+              <a:schemeClr val="accent1"/>
+            </a:effectRef>
+            <a:fontRef idx="minor">
+              <a:schemeClr val="tx1"/>
+            </a:fontRef>
+          </p:style>
+        </p:cxnSp>
+        <p:sp>
+          <p:nvSpPr>
+            <p:cNvPr id="46" name="Rectangle 45">
+              <a:extLst>
+                <a:ext uri="{FF2B5EF4-FFF2-40B4-BE49-F238E27FC236}">
+                  <a16:creationId xmlns:a16="http://schemas.microsoft.com/office/drawing/2014/main" id="{82D10880-9EE7-7D4F-9010-C4559FDDA2E7}"/>
+                </a:ext>
+              </a:extLst>
+            </p:cNvPr>
+            <p:cNvSpPr/>
+            <p:nvPr/>
+          </p:nvSpPr>
+          <p:spPr>
+            <a:xfrm>
+              <a:off x="4726235" y="3545188"/>
+              <a:ext cx="1872867" cy="154236"/>
+            </a:xfrm>
+            <a:prstGeom prst="rect">
+              <a:avLst/>
+            </a:prstGeom>
+            <a:solidFill>
+              <a:schemeClr val="accent6">
+                <a:lumMod val="40000"/>
+                <a:lumOff val="60000"/>
+              </a:schemeClr>
+            </a:solidFill>
+          </p:spPr>
+          <p:style>
+            <a:lnRef idx="2">
+              <a:schemeClr val="accent1">
+                <a:shade val="50000"/>
+              </a:schemeClr>
+            </a:lnRef>
+            <a:fillRef idx="1">
+              <a:schemeClr val="accent1"/>
+            </a:fillRef>
+            <a:effectRef idx="0">
+              <a:schemeClr val="accent1"/>
+            </a:effectRef>
+            <a:fontRef idx="minor">
+              <a:schemeClr val="lt1"/>
+            </a:fontRef>
+          </p:style>
+          <p:txBody>
+            <a:bodyPr rtlCol="0" anchor="ctr"/>
+            <a:lstStyle/>
+            <a:p>
+              <a:pPr algn="ctr"/>
+              <a:r>
+                <a:rPr lang="en-US" sz="800" dirty="0">
+                  <a:solidFill>
+                    <a:schemeClr val="tx1"/>
+                  </a:solidFill>
+                </a:rPr>
+                <a:t>Superior Success</a:t>
+              </a:r>
+              <a:endParaRPr lang="en-US" sz="700" dirty="0">
+                <a:solidFill>
+                  <a:schemeClr val="tx1"/>
+                </a:solidFill>
+              </a:endParaRPr>
+            </a:p>
+          </p:txBody>
+        </p:sp>
+        <p:sp>
+          <p:nvSpPr>
+            <p:cNvPr id="47" name="Rectangle 46">
+              <a:extLst>
+                <a:ext uri="{FF2B5EF4-FFF2-40B4-BE49-F238E27FC236}">
+                  <a16:creationId xmlns:a16="http://schemas.microsoft.com/office/drawing/2014/main" id="{40B63BF5-94F4-6940-8B75-68DC85AB5494}"/>
+                </a:ext>
+              </a:extLst>
+            </p:cNvPr>
+            <p:cNvSpPr/>
+            <p:nvPr/>
+          </p:nvSpPr>
+          <p:spPr>
+            <a:xfrm>
+              <a:off x="6599102" y="3545188"/>
+              <a:ext cx="1872867" cy="154236"/>
+            </a:xfrm>
+            <a:prstGeom prst="rect">
+              <a:avLst/>
+            </a:prstGeom>
+            <a:solidFill>
+              <a:schemeClr val="accent6">
+                <a:lumMod val="75000"/>
+              </a:schemeClr>
+            </a:solidFill>
+          </p:spPr>
+          <p:style>
+            <a:lnRef idx="2">
+              <a:schemeClr val="accent1">
+                <a:shade val="50000"/>
+              </a:schemeClr>
+            </a:lnRef>
+            <a:fillRef idx="1">
+              <a:schemeClr val="accent1"/>
+            </a:fillRef>
+            <a:effectRef idx="0">
+              <a:schemeClr val="accent1"/>
+            </a:effectRef>
+            <a:fontRef idx="minor">
+              <a:schemeClr val="lt1"/>
+            </a:fontRef>
+          </p:style>
+          <p:txBody>
+            <a:bodyPr rtlCol="0" anchor="ctr"/>
+            <a:lstStyle/>
+            <a:p>
+              <a:pPr lvl="0" algn="ctr"/>
+              <a:r>
+                <a:rPr lang="en-US" sz="800" dirty="0">
+                  <a:solidFill>
+                    <a:prstClr val="black"/>
+                  </a:solidFill>
+                </a:rPr>
+                <a:t>2x Superior Success</a:t>
+              </a:r>
+              <a:endParaRPr lang="en-US" sz="700" dirty="0">
+                <a:solidFill>
+                  <a:prstClr val="black"/>
+                </a:solidFill>
+              </a:endParaRPr>
+            </a:p>
+          </p:txBody>
+        </p:sp>
+        <p:sp>
+          <p:nvSpPr>
+            <p:cNvPr id="48" name="Rectangle 47">
+              <a:extLst>
+                <a:ext uri="{FF2B5EF4-FFF2-40B4-BE49-F238E27FC236}">
+                  <a16:creationId xmlns:a16="http://schemas.microsoft.com/office/drawing/2014/main" id="{EA29689A-9B59-6041-898C-4C4F087EAE7D}"/>
+                </a:ext>
+              </a:extLst>
+            </p:cNvPr>
+            <p:cNvSpPr/>
+            <p:nvPr/>
+          </p:nvSpPr>
+          <p:spPr>
+            <a:xfrm>
+              <a:off x="2864386" y="4003626"/>
+              <a:ext cx="1872867" cy="154236"/>
+            </a:xfrm>
+            <a:prstGeom prst="rect">
+              <a:avLst/>
+            </a:prstGeom>
+            <a:solidFill>
+              <a:srgbClr val="C00000"/>
+            </a:solidFill>
+          </p:spPr>
+          <p:style>
+            <a:lnRef idx="2">
+              <a:schemeClr val="accent1">
+                <a:shade val="50000"/>
+              </a:schemeClr>
+            </a:lnRef>
+            <a:fillRef idx="1">
+              <a:schemeClr val="accent1"/>
+            </a:fillRef>
+            <a:effectRef idx="0">
+              <a:schemeClr val="accent1"/>
+            </a:effectRef>
+            <a:fontRef idx="minor">
+              <a:schemeClr val="lt1"/>
+            </a:fontRef>
+          </p:style>
+          <p:txBody>
+            <a:bodyPr rtlCol="0" anchor="ctr"/>
+            <a:lstStyle/>
+            <a:p>
+              <a:pPr lvl="0" algn="ctr"/>
+              <a:r>
+                <a:rPr lang="en-US" sz="800" dirty="0">
+                  <a:solidFill>
+                    <a:prstClr val="black"/>
+                  </a:solidFill>
+                </a:rPr>
+                <a:t>2x Superior Failure</a:t>
+              </a:r>
+            </a:p>
+          </p:txBody>
+        </p:sp>
+        <p:sp>
+          <p:nvSpPr>
+            <p:cNvPr id="49" name="Rectangle 48">
+              <a:extLst>
+                <a:ext uri="{FF2B5EF4-FFF2-40B4-BE49-F238E27FC236}">
+                  <a16:creationId xmlns:a16="http://schemas.microsoft.com/office/drawing/2014/main" id="{F353B1C1-D410-ED4B-A2C2-9AD539474832}"/>
+                </a:ext>
+              </a:extLst>
+            </p:cNvPr>
+            <p:cNvSpPr/>
+            <p:nvPr/>
+          </p:nvSpPr>
+          <p:spPr>
+            <a:xfrm>
+              <a:off x="4737252" y="4003626"/>
+              <a:ext cx="1872867" cy="154236"/>
+            </a:xfrm>
+            <a:prstGeom prst="rect">
+              <a:avLst/>
+            </a:prstGeom>
+            <a:solidFill>
+              <a:schemeClr val="accent2">
+                <a:lumMod val="60000"/>
+                <a:lumOff val="40000"/>
+              </a:schemeClr>
+            </a:solidFill>
+          </p:spPr>
+          <p:style>
+            <a:lnRef idx="2">
+              <a:schemeClr val="accent1">
+                <a:shade val="50000"/>
+              </a:schemeClr>
+            </a:lnRef>
+            <a:fillRef idx="1">
+              <a:schemeClr val="accent1"/>
+            </a:fillRef>
+            <a:effectRef idx="0">
+              <a:schemeClr val="accent1"/>
+            </a:effectRef>
+            <a:fontRef idx="minor">
+              <a:schemeClr val="lt1"/>
+            </a:fontRef>
+          </p:style>
+          <p:txBody>
+            <a:bodyPr rtlCol="0" anchor="ctr"/>
+            <a:lstStyle/>
+            <a:p>
+              <a:pPr algn="ctr"/>
+              <a:r>
+                <a:rPr lang="en-US" sz="800" dirty="0">
+                  <a:solidFill>
+                    <a:schemeClr val="tx1"/>
+                  </a:solidFill>
+                </a:rPr>
+                <a:t>Superior Failure</a:t>
+              </a:r>
+            </a:p>
+          </p:txBody>
+        </p:sp>
+        <p:sp>
+          <p:nvSpPr>
+            <p:cNvPr id="68" name="Rectangle 67">
+              <a:extLst>
+                <a:ext uri="{FF2B5EF4-FFF2-40B4-BE49-F238E27FC236}">
+                  <a16:creationId xmlns:a16="http://schemas.microsoft.com/office/drawing/2014/main" id="{3F434AEF-6427-2240-BB1F-CB1FCEBF8E1D}"/>
+                </a:ext>
+              </a:extLst>
+            </p:cNvPr>
+            <p:cNvSpPr/>
+            <p:nvPr/>
+          </p:nvSpPr>
+          <p:spPr>
+            <a:xfrm>
+              <a:off x="3664945" y="3528722"/>
+              <a:ext cx="1127232" cy="215444"/>
+            </a:xfrm>
+            <a:prstGeom prst="rect">
+              <a:avLst/>
+            </a:prstGeom>
+          </p:spPr>
+          <p:txBody>
+            <a:bodyPr wrap="none">
+              <a:spAutoFit/>
+            </a:bodyPr>
+            <a:lstStyle/>
+            <a:p>
+              <a:pPr algn="ctr"/>
+              <a:r>
+                <a:rPr lang="en-US" sz="800" dirty="0"/>
+                <a:t>If roll was successful …</a:t>
+              </a:r>
+            </a:p>
+          </p:txBody>
+        </p:sp>
+        <p:sp>
+          <p:nvSpPr>
+            <p:cNvPr id="50" name="TextBox 49">
+              <a:extLst>
+                <a:ext uri="{FF2B5EF4-FFF2-40B4-BE49-F238E27FC236}">
+                  <a16:creationId xmlns:a16="http://schemas.microsoft.com/office/drawing/2014/main" id="{9CDB99FA-CE4B-D341-9724-91B9B26D8D94}"/>
+                </a:ext>
+              </a:extLst>
+            </p:cNvPr>
+            <p:cNvSpPr txBox="1"/>
+            <p:nvPr/>
+          </p:nvSpPr>
+          <p:spPr>
+            <a:xfrm>
+              <a:off x="2823991" y="3713195"/>
+              <a:ext cx="352540" cy="276999"/>
+            </a:xfrm>
+            <a:prstGeom prst="rect">
+              <a:avLst/>
+            </a:prstGeom>
+            <a:noFill/>
+          </p:spPr>
+          <p:txBody>
+            <a:bodyPr wrap="square" rtlCol="0">
+              <a:spAutoFit/>
+            </a:bodyPr>
+            <a:lstStyle/>
+            <a:p>
+              <a:pPr algn="ctr"/>
+              <a:r>
+                <a:rPr lang="en-US" sz="1200" dirty="0"/>
+                <a:t>00</a:t>
+              </a:r>
+            </a:p>
+          </p:txBody>
+        </p:sp>
+        <p:sp>
+          <p:nvSpPr>
+            <p:cNvPr id="51" name="TextBox 50">
+              <a:extLst>
+                <a:ext uri="{FF2B5EF4-FFF2-40B4-BE49-F238E27FC236}">
+                  <a16:creationId xmlns:a16="http://schemas.microsoft.com/office/drawing/2014/main" id="{95DB1CF8-1CDA-8F4B-BB48-4D530EAE5976}"/>
+                </a:ext>
+              </a:extLst>
+            </p:cNvPr>
+            <p:cNvSpPr txBox="1"/>
+            <p:nvPr/>
+          </p:nvSpPr>
+          <p:spPr>
+            <a:xfrm>
+              <a:off x="3312405" y="3716021"/>
+              <a:ext cx="352540" cy="276999"/>
+            </a:xfrm>
+            <a:prstGeom prst="rect">
+              <a:avLst/>
+            </a:prstGeom>
+            <a:noFill/>
+          </p:spPr>
+          <p:txBody>
+            <a:bodyPr wrap="square" rtlCol="0">
+              <a:spAutoFit/>
+            </a:bodyPr>
+            <a:lstStyle/>
+            <a:p>
+              <a:pPr algn="ctr"/>
+              <a:r>
+                <a:rPr lang="en-US" sz="1200" dirty="0"/>
+                <a:t>11</a:t>
+              </a:r>
+            </a:p>
+          </p:txBody>
+        </p:sp>
+        <p:sp>
+          <p:nvSpPr>
+            <p:cNvPr id="70" name="Rectangle 69">
+              <a:extLst>
+                <a:ext uri="{FF2B5EF4-FFF2-40B4-BE49-F238E27FC236}">
+                  <a16:creationId xmlns:a16="http://schemas.microsoft.com/office/drawing/2014/main" id="{606B44AB-F691-744B-AC4B-C022F141DC59}"/>
+                </a:ext>
+              </a:extLst>
+            </p:cNvPr>
+            <p:cNvSpPr/>
+            <p:nvPr/>
+          </p:nvSpPr>
+          <p:spPr>
+            <a:xfrm>
+              <a:off x="6542474" y="3990194"/>
+              <a:ext cx="774572" cy="215444"/>
+            </a:xfrm>
+            <a:prstGeom prst="rect">
+              <a:avLst/>
+            </a:prstGeom>
+          </p:spPr>
+          <p:txBody>
+            <a:bodyPr wrap="none">
+              <a:spAutoFit/>
+            </a:bodyPr>
+            <a:lstStyle/>
+            <a:p>
+              <a:pPr algn="ctr"/>
+              <a:r>
+                <a:rPr lang="en-US" sz="800" dirty="0"/>
+                <a:t>… if roll failed</a:t>
+              </a:r>
+            </a:p>
+          </p:txBody>
+        </p:sp>
+        <p:sp>
+          <p:nvSpPr>
+            <p:cNvPr id="52" name="TextBox 51">
+              <a:extLst>
+                <a:ext uri="{FF2B5EF4-FFF2-40B4-BE49-F238E27FC236}">
+                  <a16:creationId xmlns:a16="http://schemas.microsoft.com/office/drawing/2014/main" id="{4FD1AAA7-0611-B941-AA38-417532189DB8}"/>
+                </a:ext>
+              </a:extLst>
+            </p:cNvPr>
+            <p:cNvSpPr txBox="1"/>
+            <p:nvPr/>
+          </p:nvSpPr>
+          <p:spPr>
+            <a:xfrm>
+              <a:off x="3936694" y="3716021"/>
+              <a:ext cx="352540" cy="276999"/>
+            </a:xfrm>
+            <a:prstGeom prst="rect">
+              <a:avLst/>
+            </a:prstGeom>
+            <a:noFill/>
+          </p:spPr>
+          <p:txBody>
+            <a:bodyPr wrap="square" rtlCol="0">
+              <a:spAutoFit/>
+            </a:bodyPr>
+            <a:lstStyle/>
+            <a:p>
+              <a:pPr algn="ctr"/>
+              <a:r>
+                <a:rPr lang="en-US" sz="1200" dirty="0"/>
+                <a:t>22</a:t>
+              </a:r>
+            </a:p>
+          </p:txBody>
+        </p:sp>
+        <p:sp>
+          <p:nvSpPr>
+            <p:cNvPr id="53" name="TextBox 52">
+              <a:extLst>
+                <a:ext uri="{FF2B5EF4-FFF2-40B4-BE49-F238E27FC236}">
+                  <a16:creationId xmlns:a16="http://schemas.microsoft.com/office/drawing/2014/main" id="{7A3C34D2-23DA-3748-80CA-5C447A947E17}"/>
+                </a:ext>
+              </a:extLst>
+            </p:cNvPr>
+            <p:cNvSpPr txBox="1"/>
+            <p:nvPr/>
+          </p:nvSpPr>
+          <p:spPr>
+            <a:xfrm>
+              <a:off x="4560983" y="3716021"/>
+              <a:ext cx="352540" cy="276999"/>
+            </a:xfrm>
+            <a:prstGeom prst="rect">
+              <a:avLst/>
+            </a:prstGeom>
+            <a:noFill/>
+          </p:spPr>
+          <p:txBody>
+            <a:bodyPr wrap="square" rtlCol="0">
+              <a:spAutoFit/>
+            </a:bodyPr>
+            <a:lstStyle/>
+            <a:p>
+              <a:pPr algn="ctr"/>
+              <a:r>
+                <a:rPr lang="en-US" sz="1200" dirty="0"/>
+                <a:t>33</a:t>
+              </a:r>
+            </a:p>
+          </p:txBody>
+        </p:sp>
+      </p:grpSp>
     </p:spTree>
     <p:extLst>
       <p:ext uri="{BB962C8B-B14F-4D97-AF65-F5344CB8AC3E}">
@@ -9646,10 +10533,4805 @@
 </p:sld>
 </file>
 
+<file path=ppt/slides/slide6.xml><?xml version="1.0" encoding="utf-8"?>
+<p:sld xmlns:a="http://schemas.openxmlformats.org/drawingml/2006/main" xmlns:r="http://schemas.openxmlformats.org/officeDocument/2006/relationships" xmlns:p="http://schemas.openxmlformats.org/presentationml/2006/main">
+  <p:cSld>
+    <p:spTree>
+      <p:nvGrpSpPr>
+        <p:cNvPr id="1" name=""/>
+        <p:cNvGrpSpPr/>
+        <p:nvPr/>
+      </p:nvGrpSpPr>
+      <p:grpSpPr>
+        <a:xfrm>
+          <a:off x="0" y="0"/>
+          <a:ext cx="0" cy="0"/>
+          <a:chOff x="0" y="0"/>
+          <a:chExt cx="0" cy="0"/>
+        </a:xfrm>
+      </p:grpSpPr>
+      <p:sp>
+        <p:nvSpPr>
+          <p:cNvPr id="4" name="Rectangle 3">
+            <a:extLst>
+              <a:ext uri="{FF2B5EF4-FFF2-40B4-BE49-F238E27FC236}">
+                <a16:creationId xmlns:a16="http://schemas.microsoft.com/office/drawing/2014/main" id="{426FB69E-F371-9646-B410-036E958A46AD}"/>
+              </a:ext>
+            </a:extLst>
+          </p:cNvPr>
+          <p:cNvSpPr/>
+          <p:nvPr/>
+        </p:nvSpPr>
+        <p:spPr>
+          <a:xfrm>
+            <a:off x="2842353" y="2973874"/>
+            <a:ext cx="1597446" cy="252932"/>
+          </a:xfrm>
+          <a:prstGeom prst="rect">
+            <a:avLst/>
+          </a:prstGeom>
+          <a:solidFill>
+            <a:schemeClr val="bg1">
+              <a:lumMod val="75000"/>
+            </a:schemeClr>
+          </a:solidFill>
+          <a:ln>
+            <a:solidFill>
+              <a:schemeClr val="tx1"/>
+            </a:solidFill>
+          </a:ln>
+        </p:spPr>
+        <p:style>
+          <a:lnRef idx="2">
+            <a:schemeClr val="accent1">
+              <a:shade val="50000"/>
+            </a:schemeClr>
+          </a:lnRef>
+          <a:fillRef idx="1">
+            <a:schemeClr val="accent1"/>
+          </a:fillRef>
+          <a:effectRef idx="0">
+            <a:schemeClr val="accent1"/>
+          </a:effectRef>
+          <a:fontRef idx="minor">
+            <a:schemeClr val="lt1"/>
+          </a:fontRef>
+        </p:style>
+        <p:txBody>
+          <a:bodyPr rot="0" spcFirstLastPara="0" vertOverflow="overflow" horzOverflow="overflow" vert="horz" wrap="square" lIns="91440" tIns="45720" rIns="91440" bIns="45720" numCol="1" spcCol="0" rtlCol="0" fromWordArt="0" anchor="ctr" anchorCtr="0" forceAA="0" compatLnSpc="1">
+            <a:prstTxWarp prst="textNoShape">
+              <a:avLst/>
+            </a:prstTxWarp>
+            <a:noAutofit/>
+          </a:bodyPr>
+          <a:lstStyle/>
+          <a:p>
+            <a:pPr algn="ctr"/>
+            <a:r>
+              <a:rPr lang="en-US" sz="1100" dirty="0">
+                <a:solidFill>
+                  <a:schemeClr val="tx1"/>
+                </a:solidFill>
+              </a:rPr>
+              <a:t>You have credentials.</a:t>
+            </a:r>
+          </a:p>
+        </p:txBody>
+      </p:sp>
+      <p:sp>
+        <p:nvSpPr>
+          <p:cNvPr id="5" name="Rectangle 4">
+            <a:extLst>
+              <a:ext uri="{FF2B5EF4-FFF2-40B4-BE49-F238E27FC236}">
+                <a16:creationId xmlns:a16="http://schemas.microsoft.com/office/drawing/2014/main" id="{5218212E-1461-8746-AF83-447B35674862}"/>
+              </a:ext>
+            </a:extLst>
+          </p:cNvPr>
+          <p:cNvSpPr/>
+          <p:nvPr/>
+        </p:nvSpPr>
+        <p:spPr>
+          <a:xfrm>
+            <a:off x="6202495" y="3308359"/>
+            <a:ext cx="1597446" cy="594911"/>
+          </a:xfrm>
+          <a:prstGeom prst="rect">
+            <a:avLst/>
+          </a:prstGeom>
+          <a:solidFill>
+            <a:schemeClr val="bg1">
+              <a:lumMod val="75000"/>
+            </a:schemeClr>
+          </a:solidFill>
+          <a:ln>
+            <a:solidFill>
+              <a:schemeClr val="tx1"/>
+            </a:solidFill>
+          </a:ln>
+        </p:spPr>
+        <p:style>
+          <a:lnRef idx="2">
+            <a:schemeClr val="accent1">
+              <a:shade val="50000"/>
+            </a:schemeClr>
+          </a:lnRef>
+          <a:fillRef idx="1">
+            <a:schemeClr val="accent1"/>
+          </a:fillRef>
+          <a:effectRef idx="0">
+            <a:schemeClr val="accent1"/>
+          </a:effectRef>
+          <a:fontRef idx="minor">
+            <a:schemeClr val="lt1"/>
+          </a:fontRef>
+        </p:style>
+        <p:txBody>
+          <a:bodyPr rot="0" spcFirstLastPara="0" vertOverflow="overflow" horzOverflow="overflow" vert="horz" wrap="square" lIns="91440" tIns="45720" rIns="91440" bIns="45720" numCol="1" spcCol="0" rtlCol="0" fromWordArt="0" anchor="ctr" anchorCtr="0" forceAA="0" compatLnSpc="1">
+            <a:prstTxWarp prst="textNoShape">
+              <a:avLst/>
+            </a:prstTxWarp>
+            <a:noAutofit/>
+          </a:bodyPr>
+          <a:lstStyle/>
+          <a:p>
+            <a:pPr algn="ctr"/>
+            <a:r>
+              <a:rPr lang="en-US" sz="1100" dirty="0">
+                <a:solidFill>
+                  <a:schemeClr val="tx1"/>
+                </a:solidFill>
+              </a:rPr>
+              <a:t>… you have </a:t>
+            </a:r>
+            <a:r>
+              <a:rPr lang="en-US" sz="1100" b="1" dirty="0">
+                <a:solidFill>
+                  <a:schemeClr val="tx1"/>
+                </a:solidFill>
+              </a:rPr>
+              <a:t>&gt;1h.</a:t>
+            </a:r>
+          </a:p>
+        </p:txBody>
+      </p:sp>
+      <p:sp>
+        <p:nvSpPr>
+          <p:cNvPr id="6" name="Rectangle 5">
+            <a:extLst>
+              <a:ext uri="{FF2B5EF4-FFF2-40B4-BE49-F238E27FC236}">
+                <a16:creationId xmlns:a16="http://schemas.microsoft.com/office/drawing/2014/main" id="{74DD6D9C-FADE-2341-864B-40151C5AE039}"/>
+              </a:ext>
+            </a:extLst>
+          </p:cNvPr>
+          <p:cNvSpPr/>
+          <p:nvPr/>
+        </p:nvSpPr>
+        <p:spPr>
+          <a:xfrm>
+            <a:off x="7877057" y="3308359"/>
+            <a:ext cx="1597446" cy="594911"/>
+          </a:xfrm>
+          <a:prstGeom prst="rect">
+            <a:avLst/>
+          </a:prstGeom>
+          <a:solidFill>
+            <a:schemeClr val="bg1">
+              <a:lumMod val="75000"/>
+            </a:schemeClr>
+          </a:solidFill>
+          <a:ln>
+            <a:solidFill>
+              <a:schemeClr val="tx1"/>
+            </a:solidFill>
+          </a:ln>
+        </p:spPr>
+        <p:style>
+          <a:lnRef idx="2">
+            <a:schemeClr val="accent1">
+              <a:shade val="50000"/>
+            </a:schemeClr>
+          </a:lnRef>
+          <a:fillRef idx="1">
+            <a:schemeClr val="accent1"/>
+          </a:fillRef>
+          <a:effectRef idx="0">
+            <a:schemeClr val="accent1"/>
+          </a:effectRef>
+          <a:fontRef idx="minor">
+            <a:schemeClr val="lt1"/>
+          </a:fontRef>
+        </p:style>
+        <p:txBody>
+          <a:bodyPr rot="0" spcFirstLastPara="0" vertOverflow="overflow" horzOverflow="overflow" vert="horz" wrap="square" lIns="91440" tIns="45720" rIns="91440" bIns="45720" numCol="1" spcCol="0" rtlCol="0" fromWordArt="0" anchor="ctr" anchorCtr="0" forceAA="0" compatLnSpc="1">
+            <a:prstTxWarp prst="textNoShape">
+              <a:avLst/>
+            </a:prstTxWarp>
+            <a:noAutofit/>
+          </a:bodyPr>
+          <a:lstStyle/>
+          <a:p>
+            <a:pPr algn="ctr"/>
+            <a:r>
+              <a:rPr lang="en-US" sz="1100" dirty="0">
+                <a:solidFill>
+                  <a:schemeClr val="tx1"/>
+                </a:solidFill>
+              </a:rPr>
+              <a:t>… you have </a:t>
+            </a:r>
+            <a:r>
+              <a:rPr lang="en-US" sz="1100" b="1" dirty="0">
+                <a:solidFill>
+                  <a:schemeClr val="tx1"/>
+                </a:solidFill>
+              </a:rPr>
+              <a:t>1 turn.</a:t>
+            </a:r>
+          </a:p>
+        </p:txBody>
+      </p:sp>
+      <p:sp>
+        <p:nvSpPr>
+          <p:cNvPr id="7" name="Rectangle 6">
+            <a:extLst>
+              <a:ext uri="{FF2B5EF4-FFF2-40B4-BE49-F238E27FC236}">
+                <a16:creationId xmlns:a16="http://schemas.microsoft.com/office/drawing/2014/main" id="{104F56A7-8CA5-0449-8D37-9A778E38074C}"/>
+              </a:ext>
+            </a:extLst>
+          </p:cNvPr>
+          <p:cNvSpPr/>
+          <p:nvPr/>
+        </p:nvSpPr>
+        <p:spPr>
+          <a:xfrm>
+            <a:off x="4527933" y="3308359"/>
+            <a:ext cx="1597446" cy="594911"/>
+          </a:xfrm>
+          <a:prstGeom prst="rect">
+            <a:avLst/>
+          </a:prstGeom>
+          <a:solidFill>
+            <a:schemeClr val="bg1">
+              <a:lumMod val="75000"/>
+            </a:schemeClr>
+          </a:solidFill>
+          <a:ln>
+            <a:solidFill>
+              <a:schemeClr val="tx1"/>
+            </a:solidFill>
+          </a:ln>
+        </p:spPr>
+        <p:style>
+          <a:lnRef idx="2">
+            <a:schemeClr val="accent1">
+              <a:shade val="50000"/>
+            </a:schemeClr>
+          </a:lnRef>
+          <a:fillRef idx="1">
+            <a:schemeClr val="accent1"/>
+          </a:fillRef>
+          <a:effectRef idx="0">
+            <a:schemeClr val="accent1"/>
+          </a:effectRef>
+          <a:fontRef idx="minor">
+            <a:schemeClr val="lt1"/>
+          </a:fontRef>
+        </p:style>
+        <p:txBody>
+          <a:bodyPr rot="0" spcFirstLastPara="0" vertOverflow="overflow" horzOverflow="overflow" vert="horz" wrap="square" lIns="91440" tIns="45720" rIns="91440" bIns="45720" numCol="1" spcCol="0" rtlCol="0" fromWordArt="0" anchor="ctr" anchorCtr="0" forceAA="0" compatLnSpc="1">
+            <a:prstTxWarp prst="textNoShape">
+              <a:avLst/>
+            </a:prstTxWarp>
+            <a:noAutofit/>
+          </a:bodyPr>
+          <a:lstStyle/>
+          <a:p>
+            <a:pPr algn="ctr"/>
+            <a:r>
+              <a:rPr lang="en-US" sz="1100" dirty="0">
+                <a:solidFill>
+                  <a:schemeClr val="tx1"/>
+                </a:solidFill>
+              </a:rPr>
+              <a:t>… you observe an authenticated user’s mesh traffic.</a:t>
+            </a:r>
+          </a:p>
+        </p:txBody>
+      </p:sp>
+      <p:sp>
+        <p:nvSpPr>
+          <p:cNvPr id="8" name="Rectangle 7">
+            <a:extLst>
+              <a:ext uri="{FF2B5EF4-FFF2-40B4-BE49-F238E27FC236}">
+                <a16:creationId xmlns:a16="http://schemas.microsoft.com/office/drawing/2014/main" id="{FC380E25-AE06-DF45-B2C2-10C4F35C8A8D}"/>
+              </a:ext>
+            </a:extLst>
+          </p:cNvPr>
+          <p:cNvSpPr/>
+          <p:nvPr/>
+        </p:nvSpPr>
+        <p:spPr>
+          <a:xfrm>
+            <a:off x="4527933" y="2973874"/>
+            <a:ext cx="4946570" cy="252932"/>
+          </a:xfrm>
+          <a:prstGeom prst="rect">
+            <a:avLst/>
+          </a:prstGeom>
+          <a:solidFill>
+            <a:schemeClr val="bg1">
+              <a:lumMod val="75000"/>
+            </a:schemeClr>
+          </a:solidFill>
+          <a:ln>
+            <a:solidFill>
+              <a:schemeClr val="tx1"/>
+            </a:solidFill>
+          </a:ln>
+        </p:spPr>
+        <p:style>
+          <a:lnRef idx="2">
+            <a:schemeClr val="accent1">
+              <a:shade val="50000"/>
+            </a:schemeClr>
+          </a:lnRef>
+          <a:fillRef idx="1">
+            <a:schemeClr val="accent1"/>
+          </a:fillRef>
+          <a:effectRef idx="0">
+            <a:schemeClr val="accent1"/>
+          </a:effectRef>
+          <a:fontRef idx="minor">
+            <a:schemeClr val="lt1"/>
+          </a:fontRef>
+        </p:style>
+        <p:txBody>
+          <a:bodyPr rot="0" spcFirstLastPara="0" vertOverflow="overflow" horzOverflow="overflow" vert="horz" wrap="square" lIns="91440" tIns="45720" rIns="91440" bIns="45720" numCol="1" spcCol="0" rtlCol="0" fromWordArt="0" anchor="ctr" anchorCtr="0" forceAA="0" compatLnSpc="1">
+            <a:prstTxWarp prst="textNoShape">
+              <a:avLst/>
+            </a:prstTxWarp>
+            <a:noAutofit/>
+          </a:bodyPr>
+          <a:lstStyle/>
+          <a:p>
+            <a:pPr algn="ctr"/>
+            <a:r>
+              <a:rPr lang="en-US" sz="1100" dirty="0">
+                <a:solidFill>
+                  <a:schemeClr val="tx1"/>
+                </a:solidFill>
+              </a:rPr>
+              <a:t>You don’t have credentials, but …</a:t>
+            </a:r>
+          </a:p>
+        </p:txBody>
+      </p:sp>
+      <p:sp>
+        <p:nvSpPr>
+          <p:cNvPr id="9" name="Rectangle 8">
+            <a:extLst>
+              <a:ext uri="{FF2B5EF4-FFF2-40B4-BE49-F238E27FC236}">
+                <a16:creationId xmlns:a16="http://schemas.microsoft.com/office/drawing/2014/main" id="{F0E7C687-350D-F94A-832F-F291E57BAAE7}"/>
+              </a:ext>
+            </a:extLst>
+          </p:cNvPr>
+          <p:cNvSpPr/>
+          <p:nvPr/>
+        </p:nvSpPr>
+        <p:spPr>
+          <a:xfrm>
+            <a:off x="4527933" y="4319306"/>
+            <a:ext cx="4946570" cy="594911"/>
+          </a:xfrm>
+          <a:prstGeom prst="rect">
+            <a:avLst/>
+          </a:prstGeom>
+          <a:solidFill>
+            <a:schemeClr val="tx2">
+              <a:lumMod val="60000"/>
+              <a:lumOff val="40000"/>
+            </a:schemeClr>
+          </a:solidFill>
+          <a:ln>
+            <a:solidFill>
+              <a:schemeClr val="tx1"/>
+            </a:solidFill>
+          </a:ln>
+        </p:spPr>
+        <p:style>
+          <a:lnRef idx="2">
+            <a:schemeClr val="accent1">
+              <a:shade val="50000"/>
+            </a:schemeClr>
+          </a:lnRef>
+          <a:fillRef idx="1">
+            <a:schemeClr val="accent1"/>
+          </a:fillRef>
+          <a:effectRef idx="0">
+            <a:schemeClr val="accent1"/>
+          </a:effectRef>
+          <a:fontRef idx="minor">
+            <a:schemeClr val="lt1"/>
+          </a:fontRef>
+        </p:style>
+        <p:txBody>
+          <a:bodyPr rot="0" spcFirstLastPara="0" vertOverflow="overflow" horzOverflow="overflow" vert="horz" wrap="square" lIns="91440" tIns="45720" rIns="91440" bIns="45720" numCol="1" spcCol="0" rtlCol="0" fromWordArt="0" anchor="ctr" anchorCtr="0" forceAA="0" compatLnSpc="1">
+            <a:prstTxWarp prst="textNoShape">
+              <a:avLst/>
+            </a:prstTxWarp>
+            <a:noAutofit/>
+          </a:bodyPr>
+          <a:lstStyle/>
+          <a:p>
+            <a:pPr algn="ctr"/>
+            <a:r>
+              <a:rPr lang="en-US" b="1" dirty="0">
+                <a:solidFill>
+                  <a:schemeClr val="tx1"/>
+                </a:solidFill>
+              </a:rPr>
+              <a:t>Hacking Test</a:t>
+            </a:r>
+          </a:p>
+          <a:p>
+            <a:pPr algn="ctr"/>
+            <a:r>
+              <a:rPr lang="en-US" sz="1100" b="1" dirty="0">
+                <a:solidFill>
+                  <a:schemeClr val="tx1"/>
+                </a:solidFill>
+              </a:rPr>
+              <a:t>Attacker Infosec  </a:t>
+            </a:r>
+            <a:r>
+              <a:rPr lang="en-US" sz="1100" dirty="0">
+                <a:solidFill>
+                  <a:schemeClr val="tx1"/>
+                </a:solidFill>
+              </a:rPr>
+              <a:t>vs. </a:t>
+            </a:r>
+            <a:r>
+              <a:rPr lang="en-US" sz="1100" b="1" dirty="0">
+                <a:solidFill>
+                  <a:schemeClr val="tx1"/>
+                </a:solidFill>
+              </a:rPr>
+              <a:t>Defender Firewall </a:t>
+            </a:r>
+            <a:r>
+              <a:rPr lang="en-US" sz="1100" dirty="0">
+                <a:solidFill>
+                  <a:schemeClr val="tx1"/>
+                </a:solidFill>
+              </a:rPr>
+              <a:t>(or </a:t>
+            </a:r>
+            <a:r>
+              <a:rPr lang="en-US" sz="1100" b="1" dirty="0">
+                <a:solidFill>
+                  <a:schemeClr val="tx1"/>
+                </a:solidFill>
+              </a:rPr>
+              <a:t>Infosec</a:t>
+            </a:r>
+            <a:r>
+              <a:rPr lang="en-US" sz="1100" dirty="0">
+                <a:solidFill>
+                  <a:schemeClr val="tx1"/>
+                </a:solidFill>
+              </a:rPr>
+              <a:t>)</a:t>
+            </a:r>
+          </a:p>
+        </p:txBody>
+      </p:sp>
+      <p:sp>
+        <p:nvSpPr>
+          <p:cNvPr id="11" name="Rectangle 10">
+            <a:extLst>
+              <a:ext uri="{FF2B5EF4-FFF2-40B4-BE49-F238E27FC236}">
+                <a16:creationId xmlns:a16="http://schemas.microsoft.com/office/drawing/2014/main" id="{420A12ED-9E5C-D449-B6AF-0DB396FF60FC}"/>
+              </a:ext>
+            </a:extLst>
+          </p:cNvPr>
+          <p:cNvSpPr/>
+          <p:nvPr/>
+        </p:nvSpPr>
+        <p:spPr>
+          <a:xfrm>
+            <a:off x="7877057" y="3984821"/>
+            <a:ext cx="1597446" cy="252932"/>
+          </a:xfrm>
+          <a:prstGeom prst="rect">
+            <a:avLst/>
+          </a:prstGeom>
+          <a:solidFill>
+            <a:schemeClr val="tx2">
+              <a:lumMod val="60000"/>
+              <a:lumOff val="40000"/>
+            </a:schemeClr>
+          </a:solidFill>
+          <a:ln>
+            <a:solidFill>
+              <a:schemeClr val="tx1"/>
+            </a:solidFill>
+          </a:ln>
+        </p:spPr>
+        <p:style>
+          <a:lnRef idx="2">
+            <a:schemeClr val="accent1">
+              <a:shade val="50000"/>
+            </a:schemeClr>
+          </a:lnRef>
+          <a:fillRef idx="1">
+            <a:schemeClr val="accent1"/>
+          </a:fillRef>
+          <a:effectRef idx="0">
+            <a:schemeClr val="accent1"/>
+          </a:effectRef>
+          <a:fontRef idx="minor">
+            <a:schemeClr val="lt1"/>
+          </a:fontRef>
+        </p:style>
+        <p:txBody>
+          <a:bodyPr rot="0" spcFirstLastPara="0" vertOverflow="overflow" horzOverflow="overflow" vert="horz" wrap="square" lIns="91440" tIns="45720" rIns="91440" bIns="45720" numCol="1" spcCol="0" rtlCol="0" fromWordArt="0" anchor="ctr" anchorCtr="0" forceAA="0" compatLnSpc="1">
+            <a:prstTxWarp prst="textNoShape">
+              <a:avLst/>
+            </a:prstTxWarp>
+            <a:noAutofit/>
+          </a:bodyPr>
+          <a:lstStyle/>
+          <a:p>
+            <a:pPr algn="ctr"/>
+            <a:r>
+              <a:rPr lang="en-US" sz="1100" dirty="0">
+                <a:solidFill>
+                  <a:schemeClr val="tx1"/>
+                </a:solidFill>
+              </a:rPr>
+              <a:t>Attacker -30</a:t>
+            </a:r>
+          </a:p>
+        </p:txBody>
+      </p:sp>
+      <p:sp>
+        <p:nvSpPr>
+          <p:cNvPr id="12" name="Rectangle 11">
+            <a:extLst>
+              <a:ext uri="{FF2B5EF4-FFF2-40B4-BE49-F238E27FC236}">
+                <a16:creationId xmlns:a16="http://schemas.microsoft.com/office/drawing/2014/main" id="{FA8958AB-7979-B947-B0D4-000898902D59}"/>
+              </a:ext>
+            </a:extLst>
+          </p:cNvPr>
+          <p:cNvSpPr/>
+          <p:nvPr/>
+        </p:nvSpPr>
+        <p:spPr>
+          <a:xfrm>
+            <a:off x="4527933" y="3984821"/>
+            <a:ext cx="1597446" cy="252932"/>
+          </a:xfrm>
+          <a:prstGeom prst="rect">
+            <a:avLst/>
+          </a:prstGeom>
+          <a:solidFill>
+            <a:schemeClr val="tx2">
+              <a:lumMod val="60000"/>
+              <a:lumOff val="40000"/>
+            </a:schemeClr>
+          </a:solidFill>
+          <a:ln>
+            <a:solidFill>
+              <a:schemeClr val="tx1"/>
+            </a:solidFill>
+          </a:ln>
+        </p:spPr>
+        <p:style>
+          <a:lnRef idx="2">
+            <a:schemeClr val="accent1">
+              <a:shade val="50000"/>
+            </a:schemeClr>
+          </a:lnRef>
+          <a:fillRef idx="1">
+            <a:schemeClr val="accent1"/>
+          </a:fillRef>
+          <a:effectRef idx="0">
+            <a:schemeClr val="accent1"/>
+          </a:effectRef>
+          <a:fontRef idx="minor">
+            <a:schemeClr val="lt1"/>
+          </a:fontRef>
+        </p:style>
+        <p:txBody>
+          <a:bodyPr rot="0" spcFirstLastPara="0" vertOverflow="overflow" horzOverflow="overflow" vert="horz" wrap="square" lIns="91440" tIns="45720" rIns="91440" bIns="45720" numCol="1" spcCol="0" rtlCol="0" fromWordArt="0" anchor="ctr" anchorCtr="0" forceAA="0" compatLnSpc="1">
+            <a:prstTxWarp prst="textNoShape">
+              <a:avLst/>
+            </a:prstTxWarp>
+            <a:noAutofit/>
+          </a:bodyPr>
+          <a:lstStyle/>
+          <a:p>
+            <a:pPr algn="ctr"/>
+            <a:r>
+              <a:rPr lang="en-US" sz="1100" dirty="0">
+                <a:solidFill>
+                  <a:schemeClr val="tx1"/>
+                </a:solidFill>
+              </a:rPr>
+              <a:t>Attacker -30 if VPN</a:t>
+            </a:r>
+          </a:p>
+        </p:txBody>
+      </p:sp>
+      <p:sp>
+        <p:nvSpPr>
+          <p:cNvPr id="13" name="Rectangle 12">
+            <a:extLst>
+              <a:ext uri="{FF2B5EF4-FFF2-40B4-BE49-F238E27FC236}">
+                <a16:creationId xmlns:a16="http://schemas.microsoft.com/office/drawing/2014/main" id="{A30F8FBF-F7D4-1346-8468-ED8E60497F20}"/>
+              </a:ext>
+            </a:extLst>
+          </p:cNvPr>
+          <p:cNvSpPr/>
+          <p:nvPr/>
+        </p:nvSpPr>
+        <p:spPr>
+          <a:xfrm>
+            <a:off x="6202495" y="4995768"/>
+            <a:ext cx="3272008" cy="252932"/>
+          </a:xfrm>
+          <a:prstGeom prst="rect">
+            <a:avLst/>
+          </a:prstGeom>
+          <a:solidFill>
+            <a:schemeClr val="accent6">
+              <a:lumMod val="20000"/>
+              <a:lumOff val="80000"/>
+            </a:schemeClr>
+          </a:solidFill>
+          <a:ln>
+            <a:solidFill>
+              <a:schemeClr val="tx1"/>
+            </a:solidFill>
+          </a:ln>
+        </p:spPr>
+        <p:style>
+          <a:lnRef idx="2">
+            <a:schemeClr val="accent1">
+              <a:shade val="50000"/>
+            </a:schemeClr>
+          </a:lnRef>
+          <a:fillRef idx="1">
+            <a:schemeClr val="accent1"/>
+          </a:fillRef>
+          <a:effectRef idx="0">
+            <a:schemeClr val="accent1"/>
+          </a:effectRef>
+          <a:fontRef idx="minor">
+            <a:schemeClr val="lt1"/>
+          </a:fontRef>
+        </p:style>
+        <p:txBody>
+          <a:bodyPr rot="0" spcFirstLastPara="0" vertOverflow="overflow" horzOverflow="overflow" vert="horz" wrap="square" lIns="91440" tIns="45720" rIns="91440" bIns="45720" numCol="1" spcCol="0" rtlCol="0" fromWordArt="0" anchor="ctr" anchorCtr="0" forceAA="0" compatLnSpc="1">
+            <a:prstTxWarp prst="textNoShape">
+              <a:avLst/>
+            </a:prstTxWarp>
+            <a:noAutofit/>
+          </a:bodyPr>
+          <a:lstStyle/>
+          <a:p>
+            <a:pPr algn="ctr"/>
+            <a:r>
+              <a:rPr lang="en-US" sz="1100" dirty="0">
+                <a:solidFill>
+                  <a:schemeClr val="tx1"/>
+                </a:solidFill>
+              </a:rPr>
+              <a:t>Get </a:t>
+            </a:r>
+            <a:r>
+              <a:rPr lang="en-US" sz="1100" b="1" dirty="0">
+                <a:solidFill>
+                  <a:schemeClr val="tx1"/>
+                </a:solidFill>
+              </a:rPr>
+              <a:t>user-level access </a:t>
+            </a:r>
+            <a:r>
+              <a:rPr lang="en-US" sz="1100" dirty="0">
+                <a:solidFill>
+                  <a:schemeClr val="tx1"/>
+                </a:solidFill>
+              </a:rPr>
+              <a:t>(</a:t>
+            </a:r>
+            <a:r>
+              <a:rPr lang="en-US" sz="1100" b="1" dirty="0">
+                <a:solidFill>
+                  <a:schemeClr val="accent6">
+                    <a:lumMod val="75000"/>
+                  </a:schemeClr>
+                </a:solidFill>
+              </a:rPr>
+              <a:t>Superior</a:t>
+            </a:r>
+            <a:r>
+              <a:rPr lang="en-US" sz="1100" dirty="0">
+                <a:solidFill>
+                  <a:schemeClr val="tx1"/>
+                </a:solidFill>
+              </a:rPr>
+              <a:t> 1x: </a:t>
+            </a:r>
+            <a:r>
+              <a:rPr lang="en-US" sz="1100" b="1" dirty="0">
+                <a:solidFill>
+                  <a:schemeClr val="tx1"/>
+                </a:solidFill>
+              </a:rPr>
+              <a:t>security</a:t>
+            </a:r>
+            <a:r>
+              <a:rPr lang="en-US" sz="1100" dirty="0">
+                <a:solidFill>
+                  <a:schemeClr val="tx1"/>
+                </a:solidFill>
+              </a:rPr>
+              <a:t>, 2x: </a:t>
+            </a:r>
+            <a:r>
+              <a:rPr lang="en-US" sz="1100" b="1" dirty="0">
+                <a:solidFill>
+                  <a:schemeClr val="tx1"/>
+                </a:solidFill>
+              </a:rPr>
+              <a:t>root</a:t>
+            </a:r>
+            <a:r>
+              <a:rPr lang="en-US" sz="1100" dirty="0">
+                <a:solidFill>
+                  <a:schemeClr val="tx1"/>
+                </a:solidFill>
+              </a:rPr>
+              <a:t>).</a:t>
+            </a:r>
+          </a:p>
+        </p:txBody>
+      </p:sp>
+      <p:sp>
+        <p:nvSpPr>
+          <p:cNvPr id="15" name="Rectangle 14">
+            <a:extLst>
+              <a:ext uri="{FF2B5EF4-FFF2-40B4-BE49-F238E27FC236}">
+                <a16:creationId xmlns:a16="http://schemas.microsoft.com/office/drawing/2014/main" id="{E6E01590-8231-F747-B166-3ED08B921399}"/>
+              </a:ext>
+            </a:extLst>
+          </p:cNvPr>
+          <p:cNvSpPr/>
+          <p:nvPr/>
+        </p:nvSpPr>
+        <p:spPr>
+          <a:xfrm>
+            <a:off x="6202495" y="5330253"/>
+            <a:ext cx="1597446" cy="594911"/>
+          </a:xfrm>
+          <a:prstGeom prst="rect">
+            <a:avLst/>
+          </a:prstGeom>
+          <a:solidFill>
+            <a:schemeClr val="accent6">
+              <a:lumMod val="20000"/>
+              <a:lumOff val="80000"/>
+            </a:schemeClr>
+          </a:solidFill>
+          <a:ln>
+            <a:solidFill>
+              <a:schemeClr val="tx1"/>
+            </a:solidFill>
+          </a:ln>
+        </p:spPr>
+        <p:style>
+          <a:lnRef idx="2">
+            <a:schemeClr val="accent1">
+              <a:shade val="50000"/>
+            </a:schemeClr>
+          </a:lnRef>
+          <a:fillRef idx="1">
+            <a:schemeClr val="accent1"/>
+          </a:fillRef>
+          <a:effectRef idx="0">
+            <a:schemeClr val="accent1"/>
+          </a:effectRef>
+          <a:fontRef idx="minor">
+            <a:schemeClr val="lt1"/>
+          </a:fontRef>
+        </p:style>
+        <p:txBody>
+          <a:bodyPr rot="0" spcFirstLastPara="0" vertOverflow="overflow" horzOverflow="overflow" vert="horz" wrap="square" lIns="91440" tIns="45720" rIns="91440" bIns="45720" numCol="1" spcCol="0" rtlCol="0" fromWordArt="0" anchor="ctr" anchorCtr="0" forceAA="0" compatLnSpc="1">
+            <a:prstTxWarp prst="textNoShape">
+              <a:avLst/>
+            </a:prstTxWarp>
+            <a:noAutofit/>
+          </a:bodyPr>
+          <a:lstStyle/>
+          <a:p>
+            <a:pPr algn="ctr"/>
+            <a:r>
+              <a:rPr lang="en-US" sz="1100" b="1" dirty="0">
+                <a:solidFill>
+                  <a:schemeClr val="tx1"/>
+                </a:solidFill>
+              </a:rPr>
+              <a:t>Covert Status.</a:t>
+            </a:r>
+          </a:p>
+        </p:txBody>
+      </p:sp>
+      <p:sp>
+        <p:nvSpPr>
+          <p:cNvPr id="16" name="Rectangle 15">
+            <a:extLst>
+              <a:ext uri="{FF2B5EF4-FFF2-40B4-BE49-F238E27FC236}">
+                <a16:creationId xmlns:a16="http://schemas.microsoft.com/office/drawing/2014/main" id="{53C29702-0760-934D-982F-CD80EAB6F5B9}"/>
+              </a:ext>
+            </a:extLst>
+          </p:cNvPr>
+          <p:cNvSpPr/>
+          <p:nvPr/>
+        </p:nvSpPr>
+        <p:spPr>
+          <a:xfrm>
+            <a:off x="7877057" y="5330253"/>
+            <a:ext cx="1597446" cy="594911"/>
+          </a:xfrm>
+          <a:prstGeom prst="rect">
+            <a:avLst/>
+          </a:prstGeom>
+          <a:solidFill>
+            <a:schemeClr val="accent6">
+              <a:lumMod val="20000"/>
+              <a:lumOff val="80000"/>
+            </a:schemeClr>
+          </a:solidFill>
+          <a:ln>
+            <a:solidFill>
+              <a:schemeClr val="tx1"/>
+            </a:solidFill>
+          </a:ln>
+        </p:spPr>
+        <p:style>
+          <a:lnRef idx="2">
+            <a:schemeClr val="accent1">
+              <a:shade val="50000"/>
+            </a:schemeClr>
+          </a:lnRef>
+          <a:fillRef idx="1">
+            <a:schemeClr val="accent1"/>
+          </a:fillRef>
+          <a:effectRef idx="0">
+            <a:schemeClr val="accent1"/>
+          </a:effectRef>
+          <a:fontRef idx="minor">
+            <a:schemeClr val="lt1"/>
+          </a:fontRef>
+        </p:style>
+        <p:txBody>
+          <a:bodyPr rot="0" spcFirstLastPara="0" vertOverflow="overflow" horzOverflow="overflow" vert="horz" wrap="square" lIns="91440" tIns="45720" rIns="91440" bIns="45720" numCol="1" spcCol="0" rtlCol="0" fromWordArt="0" anchor="ctr" anchorCtr="0" forceAA="0" compatLnSpc="1">
+            <a:prstTxWarp prst="textNoShape">
+              <a:avLst/>
+            </a:prstTxWarp>
+            <a:noAutofit/>
+          </a:bodyPr>
+          <a:lstStyle/>
+          <a:p>
+            <a:pPr algn="ctr"/>
+            <a:r>
+              <a:rPr lang="en-US" sz="1100" b="1" dirty="0">
+                <a:solidFill>
+                  <a:schemeClr val="tx1"/>
+                </a:solidFill>
+              </a:rPr>
+              <a:t>Spotted Status. </a:t>
+            </a:r>
+          </a:p>
+          <a:p>
+            <a:pPr algn="ctr"/>
+            <a:r>
+              <a:rPr lang="en-US" sz="1100" b="1" dirty="0">
+                <a:solidFill>
+                  <a:schemeClr val="tx1"/>
+                </a:solidFill>
+              </a:rPr>
+              <a:t>Active Alert.</a:t>
+            </a:r>
+          </a:p>
+        </p:txBody>
+      </p:sp>
+      <p:sp>
+        <p:nvSpPr>
+          <p:cNvPr id="18" name="Rectangle 17">
+            <a:extLst>
+              <a:ext uri="{FF2B5EF4-FFF2-40B4-BE49-F238E27FC236}">
+                <a16:creationId xmlns:a16="http://schemas.microsoft.com/office/drawing/2014/main" id="{3523ED11-7ABF-DF42-89FD-D4ED7C462674}"/>
+              </a:ext>
+            </a:extLst>
+          </p:cNvPr>
+          <p:cNvSpPr/>
+          <p:nvPr/>
+        </p:nvSpPr>
+        <p:spPr>
+          <a:xfrm>
+            <a:off x="6202495" y="6006716"/>
+            <a:ext cx="1597446" cy="594911"/>
+          </a:xfrm>
+          <a:prstGeom prst="rect">
+            <a:avLst/>
+          </a:prstGeom>
+          <a:solidFill>
+            <a:schemeClr val="accent6">
+              <a:lumMod val="75000"/>
+            </a:schemeClr>
+          </a:solidFill>
+          <a:ln>
+            <a:solidFill>
+              <a:schemeClr val="tx1"/>
+            </a:solidFill>
+          </a:ln>
+        </p:spPr>
+        <p:style>
+          <a:lnRef idx="2">
+            <a:schemeClr val="accent1">
+              <a:shade val="50000"/>
+            </a:schemeClr>
+          </a:lnRef>
+          <a:fillRef idx="1">
+            <a:schemeClr val="accent1"/>
+          </a:fillRef>
+          <a:effectRef idx="0">
+            <a:schemeClr val="accent1"/>
+          </a:effectRef>
+          <a:fontRef idx="minor">
+            <a:schemeClr val="lt1"/>
+          </a:fontRef>
+        </p:style>
+        <p:txBody>
+          <a:bodyPr rot="0" spcFirstLastPara="0" vertOverflow="overflow" horzOverflow="overflow" vert="horz" wrap="square" lIns="91440" tIns="45720" rIns="91440" bIns="45720" numCol="1" spcCol="0" rtlCol="0" fromWordArt="0" anchor="ctr" anchorCtr="0" forceAA="0" compatLnSpc="1">
+            <a:prstTxWarp prst="textNoShape">
+              <a:avLst/>
+            </a:prstTxWarp>
+            <a:noAutofit/>
+          </a:bodyPr>
+          <a:lstStyle/>
+          <a:p>
+            <a:pPr algn="ctr"/>
+            <a:r>
+              <a:rPr lang="en-US" sz="1100" b="1" dirty="0">
+                <a:solidFill>
+                  <a:schemeClr val="tx1"/>
+                </a:solidFill>
+              </a:rPr>
+              <a:t>Hidden Status.</a:t>
+            </a:r>
+          </a:p>
+        </p:txBody>
+      </p:sp>
+      <p:sp>
+        <p:nvSpPr>
+          <p:cNvPr id="19" name="Rectangle 18">
+            <a:extLst>
+              <a:ext uri="{FF2B5EF4-FFF2-40B4-BE49-F238E27FC236}">
+                <a16:creationId xmlns:a16="http://schemas.microsoft.com/office/drawing/2014/main" id="{16F754A1-7E8F-364C-8E2E-5850E1F71E01}"/>
+              </a:ext>
+            </a:extLst>
+          </p:cNvPr>
+          <p:cNvSpPr/>
+          <p:nvPr/>
+        </p:nvSpPr>
+        <p:spPr>
+          <a:xfrm>
+            <a:off x="7877057" y="6006716"/>
+            <a:ext cx="1597446" cy="594911"/>
+          </a:xfrm>
+          <a:prstGeom prst="rect">
+            <a:avLst/>
+          </a:prstGeom>
+          <a:solidFill>
+            <a:schemeClr val="accent6">
+              <a:lumMod val="75000"/>
+            </a:schemeClr>
+          </a:solidFill>
+          <a:ln>
+            <a:solidFill>
+              <a:schemeClr val="tx1"/>
+            </a:solidFill>
+          </a:ln>
+        </p:spPr>
+        <p:style>
+          <a:lnRef idx="2">
+            <a:schemeClr val="accent1">
+              <a:shade val="50000"/>
+            </a:schemeClr>
+          </a:lnRef>
+          <a:fillRef idx="1">
+            <a:schemeClr val="accent1"/>
+          </a:fillRef>
+          <a:effectRef idx="0">
+            <a:schemeClr val="accent1"/>
+          </a:effectRef>
+          <a:fontRef idx="minor">
+            <a:schemeClr val="lt1"/>
+          </a:fontRef>
+        </p:style>
+        <p:txBody>
+          <a:bodyPr rot="0" spcFirstLastPara="0" vertOverflow="overflow" horzOverflow="overflow" vert="horz" wrap="square" lIns="91440" tIns="45720" rIns="91440" bIns="45720" numCol="1" spcCol="0" rtlCol="0" fromWordArt="0" anchor="ctr" anchorCtr="0" forceAA="0" compatLnSpc="1">
+            <a:prstTxWarp prst="textNoShape">
+              <a:avLst/>
+            </a:prstTxWarp>
+            <a:noAutofit/>
+          </a:bodyPr>
+          <a:lstStyle/>
+          <a:p>
+            <a:pPr algn="ctr"/>
+            <a:r>
+              <a:rPr lang="en-US" sz="1100" b="1" dirty="0">
+                <a:solidFill>
+                  <a:schemeClr val="tx1"/>
+                </a:solidFill>
+              </a:rPr>
+              <a:t>Covert Status. </a:t>
+            </a:r>
+          </a:p>
+          <a:p>
+            <a:pPr algn="ctr"/>
+            <a:r>
+              <a:rPr lang="en-US" sz="1100" b="1" dirty="0">
+                <a:solidFill>
+                  <a:schemeClr val="tx1"/>
+                </a:solidFill>
+              </a:rPr>
+              <a:t>Passive Alert.</a:t>
+            </a:r>
+          </a:p>
+        </p:txBody>
+      </p:sp>
+      <p:sp>
+        <p:nvSpPr>
+          <p:cNvPr id="20" name="TextBox 19">
+            <a:extLst>
+              <a:ext uri="{FF2B5EF4-FFF2-40B4-BE49-F238E27FC236}">
+                <a16:creationId xmlns:a16="http://schemas.microsoft.com/office/drawing/2014/main" id="{B8493034-36BA-2A49-BD0F-9EF3A8B87691}"/>
+              </a:ext>
+            </a:extLst>
+          </p:cNvPr>
+          <p:cNvSpPr txBox="1"/>
+          <p:nvPr/>
+        </p:nvSpPr>
+        <p:spPr>
+          <a:xfrm rot="16200000">
+            <a:off x="9087942" y="5351822"/>
+            <a:ext cx="1019321" cy="246198"/>
+          </a:xfrm>
+          <a:prstGeom prst="rect">
+            <a:avLst/>
+          </a:prstGeom>
+          <a:noFill/>
+        </p:spPr>
+        <p:txBody>
+          <a:bodyPr wrap="square" rtlCol="0">
+            <a:spAutoFit/>
+          </a:bodyPr>
+          <a:lstStyle/>
+          <a:p>
+            <a:pPr algn="ctr"/>
+            <a:r>
+              <a:rPr lang="en-US" sz="1000" dirty="0">
+                <a:solidFill>
+                  <a:schemeClr val="accent6">
+                    <a:lumMod val="60000"/>
+                    <a:lumOff val="40000"/>
+                  </a:schemeClr>
+                </a:solidFill>
+              </a:rPr>
+              <a:t> On Success</a:t>
+            </a:r>
+          </a:p>
+        </p:txBody>
+      </p:sp>
+      <p:sp>
+        <p:nvSpPr>
+          <p:cNvPr id="21" name="TextBox 20">
+            <a:extLst>
+              <a:ext uri="{FF2B5EF4-FFF2-40B4-BE49-F238E27FC236}">
+                <a16:creationId xmlns:a16="http://schemas.microsoft.com/office/drawing/2014/main" id="{349A5498-55D5-0246-ACA1-D162F1067339}"/>
+              </a:ext>
+            </a:extLst>
+          </p:cNvPr>
+          <p:cNvSpPr txBox="1"/>
+          <p:nvPr/>
+        </p:nvSpPr>
+        <p:spPr>
+          <a:xfrm rot="16200000">
+            <a:off x="9265316" y="6182852"/>
+            <a:ext cx="664595" cy="246221"/>
+          </a:xfrm>
+          <a:prstGeom prst="rect">
+            <a:avLst/>
+          </a:prstGeom>
+          <a:noFill/>
+        </p:spPr>
+        <p:txBody>
+          <a:bodyPr wrap="square" rtlCol="0">
+            <a:spAutoFit/>
+          </a:bodyPr>
+          <a:lstStyle/>
+          <a:p>
+            <a:pPr algn="ctr"/>
+            <a:r>
+              <a:rPr lang="en-US" sz="1000" dirty="0">
+                <a:solidFill>
+                  <a:schemeClr val="accent6">
+                    <a:lumMod val="75000"/>
+                  </a:schemeClr>
+                </a:solidFill>
+              </a:rPr>
+              <a:t>Critical</a:t>
+            </a:r>
+          </a:p>
+        </p:txBody>
+      </p:sp>
+      <p:sp>
+        <p:nvSpPr>
+          <p:cNvPr id="25" name="Rectangle 24">
+            <a:extLst>
+              <a:ext uri="{FF2B5EF4-FFF2-40B4-BE49-F238E27FC236}">
+                <a16:creationId xmlns:a16="http://schemas.microsoft.com/office/drawing/2014/main" id="{53C02CE2-1D5E-CE40-87CB-42735B09EE0B}"/>
+              </a:ext>
+            </a:extLst>
+          </p:cNvPr>
+          <p:cNvSpPr/>
+          <p:nvPr/>
+        </p:nvSpPr>
+        <p:spPr>
+          <a:xfrm>
+            <a:off x="6202495" y="6683178"/>
+            <a:ext cx="1597446" cy="922685"/>
+          </a:xfrm>
+          <a:prstGeom prst="rect">
+            <a:avLst/>
+          </a:prstGeom>
+          <a:pattFill prst="wdUpDiag">
+            <a:fgClr>
+              <a:schemeClr val="bg1">
+                <a:lumMod val="95000"/>
+              </a:schemeClr>
+            </a:fgClr>
+            <a:bgClr>
+              <a:schemeClr val="bg1"/>
+            </a:bgClr>
+          </a:pattFill>
+          <a:ln>
+            <a:solidFill>
+              <a:schemeClr val="tx1"/>
+            </a:solidFill>
+          </a:ln>
+        </p:spPr>
+        <p:style>
+          <a:lnRef idx="2">
+            <a:schemeClr val="accent1">
+              <a:shade val="50000"/>
+            </a:schemeClr>
+          </a:lnRef>
+          <a:fillRef idx="1">
+            <a:schemeClr val="accent1"/>
+          </a:fillRef>
+          <a:effectRef idx="0">
+            <a:schemeClr val="accent1"/>
+          </a:effectRef>
+          <a:fontRef idx="minor">
+            <a:schemeClr val="lt1"/>
+          </a:fontRef>
+        </p:style>
+        <p:txBody>
+          <a:bodyPr rot="0" spcFirstLastPara="0" vertOverflow="overflow" horzOverflow="overflow" vert="horz" wrap="square" lIns="91440" tIns="45720" rIns="91440" bIns="45720" numCol="1" spcCol="0" rtlCol="0" fromWordArt="0" anchor="ctr" anchorCtr="0" forceAA="0" compatLnSpc="1">
+            <a:prstTxWarp prst="textNoShape">
+              <a:avLst/>
+            </a:prstTxWarp>
+            <a:noAutofit/>
+          </a:bodyPr>
+          <a:lstStyle/>
+          <a:p>
+            <a:pPr algn="ctr"/>
+            <a:r>
+              <a:rPr lang="en-US" sz="1100" b="1" dirty="0">
+                <a:solidFill>
+                  <a:schemeClr val="tx1"/>
+                </a:solidFill>
+              </a:rPr>
+              <a:t>Passive Alert.</a:t>
+            </a:r>
+          </a:p>
+          <a:p>
+            <a:pPr algn="ctr"/>
+            <a:r>
+              <a:rPr lang="en-US" sz="1100" dirty="0">
+                <a:solidFill>
+                  <a:schemeClr val="tx1"/>
+                </a:solidFill>
+              </a:rPr>
+              <a:t>(If Defender succeeds on roll regardless of overall outcome.)</a:t>
+            </a:r>
+          </a:p>
+        </p:txBody>
+      </p:sp>
+      <p:sp>
+        <p:nvSpPr>
+          <p:cNvPr id="29" name="Rectangle 28">
+            <a:extLst>
+              <a:ext uri="{FF2B5EF4-FFF2-40B4-BE49-F238E27FC236}">
+                <a16:creationId xmlns:a16="http://schemas.microsoft.com/office/drawing/2014/main" id="{D888C9F9-0946-574A-9E67-78EBE32E3B62}"/>
+              </a:ext>
+            </a:extLst>
+          </p:cNvPr>
+          <p:cNvSpPr/>
+          <p:nvPr/>
+        </p:nvSpPr>
+        <p:spPr>
+          <a:xfrm>
+            <a:off x="7877056" y="7010952"/>
+            <a:ext cx="1597424" cy="594911"/>
+          </a:xfrm>
+          <a:prstGeom prst="rect">
+            <a:avLst/>
+          </a:prstGeom>
+          <a:solidFill>
+            <a:schemeClr val="accent2">
+              <a:lumMod val="60000"/>
+              <a:lumOff val="40000"/>
+            </a:schemeClr>
+          </a:solidFill>
+          <a:ln>
+            <a:solidFill>
+              <a:schemeClr val="tx1"/>
+            </a:solidFill>
+          </a:ln>
+        </p:spPr>
+        <p:style>
+          <a:lnRef idx="2">
+            <a:schemeClr val="accent1">
+              <a:shade val="50000"/>
+            </a:schemeClr>
+          </a:lnRef>
+          <a:fillRef idx="1">
+            <a:schemeClr val="accent1"/>
+          </a:fillRef>
+          <a:effectRef idx="0">
+            <a:schemeClr val="accent1"/>
+          </a:effectRef>
+          <a:fontRef idx="minor">
+            <a:schemeClr val="lt1"/>
+          </a:fontRef>
+        </p:style>
+        <p:txBody>
+          <a:bodyPr rot="0" spcFirstLastPara="0" vertOverflow="overflow" horzOverflow="overflow" vert="horz" wrap="square" lIns="91440" tIns="45720" rIns="91440" bIns="45720" numCol="1" spcCol="0" rtlCol="0" fromWordArt="0" anchor="ctr" anchorCtr="0" forceAA="0" compatLnSpc="1">
+            <a:prstTxWarp prst="textNoShape">
+              <a:avLst/>
+            </a:prstTxWarp>
+            <a:noAutofit/>
+          </a:bodyPr>
+          <a:lstStyle/>
+          <a:p>
+            <a:pPr algn="ctr"/>
+            <a:r>
+              <a:rPr lang="en-US" sz="1100" b="1" dirty="0">
+                <a:solidFill>
+                  <a:schemeClr val="tx1"/>
+                </a:solidFill>
+              </a:rPr>
+              <a:t>No Access.</a:t>
+            </a:r>
+          </a:p>
+          <a:p>
+            <a:pPr algn="ctr"/>
+            <a:r>
+              <a:rPr lang="en-US" sz="1100" b="1" dirty="0">
+                <a:solidFill>
+                  <a:schemeClr val="tx1"/>
+                </a:solidFill>
+              </a:rPr>
+              <a:t>Passive Alert.</a:t>
+            </a:r>
+          </a:p>
+        </p:txBody>
+      </p:sp>
+      <p:sp>
+        <p:nvSpPr>
+          <p:cNvPr id="30" name="Rectangle 29">
+            <a:extLst>
+              <a:ext uri="{FF2B5EF4-FFF2-40B4-BE49-F238E27FC236}">
+                <a16:creationId xmlns:a16="http://schemas.microsoft.com/office/drawing/2014/main" id="{0FDD8C71-1F17-E049-ABB1-BB3602DDE771}"/>
+              </a:ext>
+            </a:extLst>
+          </p:cNvPr>
+          <p:cNvSpPr/>
+          <p:nvPr/>
+        </p:nvSpPr>
+        <p:spPr>
+          <a:xfrm>
+            <a:off x="2842353" y="5330253"/>
+            <a:ext cx="1597446" cy="594911"/>
+          </a:xfrm>
+          <a:prstGeom prst="rect">
+            <a:avLst/>
+          </a:prstGeom>
+          <a:solidFill>
+            <a:schemeClr val="accent6">
+              <a:lumMod val="20000"/>
+              <a:lumOff val="80000"/>
+            </a:schemeClr>
+          </a:solidFill>
+          <a:ln>
+            <a:solidFill>
+              <a:schemeClr val="tx1"/>
+            </a:solidFill>
+          </a:ln>
+        </p:spPr>
+        <p:style>
+          <a:lnRef idx="2">
+            <a:schemeClr val="accent1">
+              <a:shade val="50000"/>
+            </a:schemeClr>
+          </a:lnRef>
+          <a:fillRef idx="1">
+            <a:schemeClr val="accent1"/>
+          </a:fillRef>
+          <a:effectRef idx="0">
+            <a:schemeClr val="accent1"/>
+          </a:effectRef>
+          <a:fontRef idx="minor">
+            <a:schemeClr val="lt1"/>
+          </a:fontRef>
+        </p:style>
+        <p:txBody>
+          <a:bodyPr rot="0" spcFirstLastPara="0" vertOverflow="overflow" horzOverflow="overflow" vert="horz" wrap="square" lIns="91440" tIns="45720" rIns="91440" bIns="45720" numCol="1" spcCol="0" rtlCol="0" fromWordArt="0" anchor="ctr" anchorCtr="0" forceAA="0" compatLnSpc="1">
+            <a:prstTxWarp prst="textNoShape">
+              <a:avLst/>
+            </a:prstTxWarp>
+            <a:noAutofit/>
+          </a:bodyPr>
+          <a:lstStyle/>
+          <a:p>
+            <a:pPr algn="ctr"/>
+            <a:r>
+              <a:rPr lang="en-US" sz="1100" b="1" dirty="0">
+                <a:solidFill>
+                  <a:schemeClr val="tx1"/>
+                </a:solidFill>
+              </a:rPr>
+              <a:t>Covert Status.</a:t>
+            </a:r>
+          </a:p>
+          <a:p>
+            <a:pPr algn="ctr"/>
+            <a:r>
+              <a:rPr lang="en-US" sz="1100" b="1" dirty="0">
+                <a:solidFill>
+                  <a:schemeClr val="tx1"/>
+                </a:solidFill>
+              </a:rPr>
+              <a:t>No Alert.</a:t>
+            </a:r>
+          </a:p>
+        </p:txBody>
+      </p:sp>
+      <p:cxnSp>
+        <p:nvCxnSpPr>
+          <p:cNvPr id="32" name="Straight Connector 31">
+            <a:extLst>
+              <a:ext uri="{FF2B5EF4-FFF2-40B4-BE49-F238E27FC236}">
+                <a16:creationId xmlns:a16="http://schemas.microsoft.com/office/drawing/2014/main" id="{E83976CB-784A-6247-86E6-93B75052D61F}"/>
+              </a:ext>
+            </a:extLst>
+          </p:cNvPr>
+          <p:cNvCxnSpPr>
+            <a:cxnSpLocks/>
+            <a:stCxn id="4" idx="2"/>
+            <a:endCxn id="30" idx="0"/>
+          </p:cNvCxnSpPr>
+          <p:nvPr/>
+        </p:nvCxnSpPr>
+        <p:spPr>
+          <a:xfrm>
+            <a:off x="3641076" y="3226806"/>
+            <a:ext cx="0" cy="2103446"/>
+          </a:xfrm>
+          <a:prstGeom prst="line">
+            <a:avLst/>
+          </a:prstGeom>
+        </p:spPr>
+        <p:style>
+          <a:lnRef idx="1">
+            <a:schemeClr val="accent1"/>
+          </a:lnRef>
+          <a:fillRef idx="0">
+            <a:schemeClr val="accent1"/>
+          </a:fillRef>
+          <a:effectRef idx="0">
+            <a:schemeClr val="accent1"/>
+          </a:effectRef>
+          <a:fontRef idx="minor">
+            <a:schemeClr val="tx1"/>
+          </a:fontRef>
+        </p:style>
+      </p:cxnSp>
+      <p:sp>
+        <p:nvSpPr>
+          <p:cNvPr id="34" name="TextBox 33">
+            <a:extLst>
+              <a:ext uri="{FF2B5EF4-FFF2-40B4-BE49-F238E27FC236}">
+                <a16:creationId xmlns:a16="http://schemas.microsoft.com/office/drawing/2014/main" id="{16F932DA-FB0C-1D4C-B19E-A7A6DBF2DCD7}"/>
+              </a:ext>
+            </a:extLst>
+          </p:cNvPr>
+          <p:cNvSpPr txBox="1"/>
+          <p:nvPr/>
+        </p:nvSpPr>
+        <p:spPr>
+          <a:xfrm rot="16200000">
+            <a:off x="9265294" y="7185276"/>
+            <a:ext cx="664595" cy="246221"/>
+          </a:xfrm>
+          <a:prstGeom prst="rect">
+            <a:avLst/>
+          </a:prstGeom>
+          <a:noFill/>
+        </p:spPr>
+        <p:txBody>
+          <a:bodyPr wrap="square" rtlCol="0">
+            <a:spAutoFit/>
+          </a:bodyPr>
+          <a:lstStyle/>
+          <a:p>
+            <a:pPr algn="ctr"/>
+            <a:r>
+              <a:rPr lang="en-US" sz="1000" dirty="0">
+                <a:solidFill>
+                  <a:schemeClr val="accent2">
+                    <a:lumMod val="75000"/>
+                  </a:schemeClr>
+                </a:solidFill>
+              </a:rPr>
+              <a:t>Failure</a:t>
+            </a:r>
+          </a:p>
+        </p:txBody>
+      </p:sp>
+      <p:sp>
+        <p:nvSpPr>
+          <p:cNvPr id="36" name="Rectangle 35">
+            <a:extLst>
+              <a:ext uri="{FF2B5EF4-FFF2-40B4-BE49-F238E27FC236}">
+                <a16:creationId xmlns:a16="http://schemas.microsoft.com/office/drawing/2014/main" id="{D1EC9EBA-5EA7-594F-B8E5-0BCD1553B006}"/>
+              </a:ext>
+            </a:extLst>
+          </p:cNvPr>
+          <p:cNvSpPr/>
+          <p:nvPr/>
+        </p:nvSpPr>
+        <p:spPr>
+          <a:xfrm>
+            <a:off x="4527933" y="5330253"/>
+            <a:ext cx="1597446" cy="594911"/>
+          </a:xfrm>
+          <a:prstGeom prst="rect">
+            <a:avLst/>
+          </a:prstGeom>
+          <a:solidFill>
+            <a:schemeClr val="accent6">
+              <a:lumMod val="20000"/>
+              <a:lumOff val="80000"/>
+            </a:schemeClr>
+          </a:solidFill>
+          <a:ln>
+            <a:solidFill>
+              <a:schemeClr val="tx1"/>
+            </a:solidFill>
+          </a:ln>
+        </p:spPr>
+        <p:style>
+          <a:lnRef idx="2">
+            <a:schemeClr val="accent1">
+              <a:shade val="50000"/>
+            </a:schemeClr>
+          </a:lnRef>
+          <a:fillRef idx="1">
+            <a:schemeClr val="accent1"/>
+          </a:fillRef>
+          <a:effectRef idx="0">
+            <a:schemeClr val="accent1"/>
+          </a:effectRef>
+          <a:fontRef idx="minor">
+            <a:schemeClr val="lt1"/>
+          </a:fontRef>
+        </p:style>
+        <p:txBody>
+          <a:bodyPr rot="0" spcFirstLastPara="0" vertOverflow="overflow" horzOverflow="overflow" vert="horz" wrap="square" lIns="91440" tIns="45720" rIns="91440" bIns="45720" numCol="1" spcCol="0" rtlCol="0" fromWordArt="0" anchor="ctr" anchorCtr="0" forceAA="0" compatLnSpc="1">
+            <a:prstTxWarp prst="textNoShape">
+              <a:avLst/>
+            </a:prstTxWarp>
+            <a:noAutofit/>
+          </a:bodyPr>
+          <a:lstStyle/>
+          <a:p>
+            <a:pPr algn="ctr"/>
+            <a:r>
+              <a:rPr lang="en-US" sz="1100" dirty="0">
+                <a:solidFill>
+                  <a:schemeClr val="tx1"/>
+                </a:solidFill>
+              </a:rPr>
+              <a:t>Can impersonate user.</a:t>
+            </a:r>
+          </a:p>
+          <a:p>
+            <a:pPr algn="ctr"/>
+            <a:r>
+              <a:rPr lang="en-US" sz="1100" dirty="0">
+                <a:solidFill>
+                  <a:schemeClr val="tx1"/>
+                </a:solidFill>
+              </a:rPr>
+              <a:t>Only one-way.</a:t>
+            </a:r>
+          </a:p>
+        </p:txBody>
+      </p:sp>
+      <p:sp>
+        <p:nvSpPr>
+          <p:cNvPr id="37" name="Rectangle 36">
+            <a:extLst>
+              <a:ext uri="{FF2B5EF4-FFF2-40B4-BE49-F238E27FC236}">
+                <a16:creationId xmlns:a16="http://schemas.microsoft.com/office/drawing/2014/main" id="{68E50AA1-14D6-7149-B427-1A0B63F6B7DE}"/>
+              </a:ext>
+            </a:extLst>
+          </p:cNvPr>
+          <p:cNvSpPr/>
+          <p:nvPr/>
+        </p:nvSpPr>
+        <p:spPr>
+          <a:xfrm>
+            <a:off x="4527933" y="6340804"/>
+            <a:ext cx="1597446" cy="594911"/>
+          </a:xfrm>
+          <a:prstGeom prst="rect">
+            <a:avLst/>
+          </a:prstGeom>
+          <a:pattFill prst="wdUpDiag">
+            <a:fgClr>
+              <a:schemeClr val="bg1">
+                <a:lumMod val="95000"/>
+              </a:schemeClr>
+            </a:fgClr>
+            <a:bgClr>
+              <a:schemeClr val="bg1"/>
+            </a:bgClr>
+          </a:pattFill>
+          <a:ln>
+            <a:solidFill>
+              <a:schemeClr val="tx1"/>
+            </a:solidFill>
+          </a:ln>
+        </p:spPr>
+        <p:style>
+          <a:lnRef idx="2">
+            <a:schemeClr val="accent1">
+              <a:shade val="50000"/>
+            </a:schemeClr>
+          </a:lnRef>
+          <a:fillRef idx="1">
+            <a:schemeClr val="accent1"/>
+          </a:fillRef>
+          <a:effectRef idx="0">
+            <a:schemeClr val="accent1"/>
+          </a:effectRef>
+          <a:fontRef idx="minor">
+            <a:schemeClr val="lt1"/>
+          </a:fontRef>
+        </p:style>
+        <p:txBody>
+          <a:bodyPr rot="0" spcFirstLastPara="0" vertOverflow="overflow" horzOverflow="overflow" vert="horz" wrap="square" lIns="91440" tIns="45720" rIns="91440" bIns="45720" numCol="1" spcCol="0" rtlCol="0" fromWordArt="0" anchor="ctr" anchorCtr="0" forceAA="0" compatLnSpc="1">
+            <a:prstTxWarp prst="textNoShape">
+              <a:avLst/>
+            </a:prstTxWarp>
+            <a:noAutofit/>
+          </a:bodyPr>
+          <a:lstStyle/>
+          <a:p>
+            <a:pPr algn="ctr"/>
+            <a:r>
+              <a:rPr lang="en-US" sz="1100" dirty="0">
+                <a:solidFill>
+                  <a:schemeClr val="tx1"/>
+                </a:solidFill>
+              </a:rPr>
+              <a:t>System aware of discrepancies.</a:t>
+            </a:r>
+          </a:p>
+        </p:txBody>
+      </p:sp>
+      <p:sp>
+        <p:nvSpPr>
+          <p:cNvPr id="40" name="Rectangle 39">
+            <a:extLst>
+              <a:ext uri="{FF2B5EF4-FFF2-40B4-BE49-F238E27FC236}">
+                <a16:creationId xmlns:a16="http://schemas.microsoft.com/office/drawing/2014/main" id="{E2B42832-D1A7-3446-A44E-2A723D393C41}"/>
+              </a:ext>
+            </a:extLst>
+          </p:cNvPr>
+          <p:cNvSpPr/>
+          <p:nvPr/>
+        </p:nvSpPr>
+        <p:spPr>
+          <a:xfrm>
+            <a:off x="4527955" y="7007133"/>
+            <a:ext cx="1597424" cy="594911"/>
+          </a:xfrm>
+          <a:prstGeom prst="rect">
+            <a:avLst/>
+          </a:prstGeom>
+          <a:solidFill>
+            <a:schemeClr val="accent2">
+              <a:lumMod val="60000"/>
+              <a:lumOff val="40000"/>
+            </a:schemeClr>
+          </a:solidFill>
+          <a:ln>
+            <a:solidFill>
+              <a:schemeClr val="tx1"/>
+            </a:solidFill>
+          </a:ln>
+        </p:spPr>
+        <p:style>
+          <a:lnRef idx="2">
+            <a:schemeClr val="accent1">
+              <a:shade val="50000"/>
+            </a:schemeClr>
+          </a:lnRef>
+          <a:fillRef idx="1">
+            <a:schemeClr val="accent1"/>
+          </a:fillRef>
+          <a:effectRef idx="0">
+            <a:schemeClr val="accent1"/>
+          </a:effectRef>
+          <a:fontRef idx="minor">
+            <a:schemeClr val="lt1"/>
+          </a:fontRef>
+        </p:style>
+        <p:txBody>
+          <a:bodyPr rot="0" spcFirstLastPara="0" vertOverflow="overflow" horzOverflow="overflow" vert="horz" wrap="square" lIns="91440" tIns="45720" rIns="91440" bIns="45720" numCol="1" spcCol="0" rtlCol="0" fromWordArt="0" anchor="ctr" anchorCtr="0" forceAA="0" compatLnSpc="1">
+            <a:prstTxWarp prst="textNoShape">
+              <a:avLst/>
+            </a:prstTxWarp>
+            <a:noAutofit/>
+          </a:bodyPr>
+          <a:lstStyle/>
+          <a:p>
+            <a:pPr algn="ctr"/>
+            <a:r>
+              <a:rPr lang="en-US" sz="1100" dirty="0">
+                <a:solidFill>
+                  <a:schemeClr val="tx1"/>
+                </a:solidFill>
+              </a:rPr>
+              <a:t>System aware of tampering.</a:t>
+            </a:r>
+          </a:p>
+        </p:txBody>
+      </p:sp>
+    </p:spTree>
+    <p:extLst>
+      <p:ext uri="{BB962C8B-B14F-4D97-AF65-F5344CB8AC3E}">
+        <p14:creationId xmlns:p14="http://schemas.microsoft.com/office/powerpoint/2010/main" val="459914765"/>
+      </p:ext>
+    </p:extLst>
+  </p:cSld>
+  <p:clrMapOvr>
+    <a:masterClrMapping/>
+  </p:clrMapOvr>
+</p:sld>
+</file>
+
+<file path=ppt/slides/slide7.xml><?xml version="1.0" encoding="utf-8"?>
+<p:sld xmlns:a="http://schemas.openxmlformats.org/drawingml/2006/main" xmlns:r="http://schemas.openxmlformats.org/officeDocument/2006/relationships" xmlns:p="http://schemas.openxmlformats.org/presentationml/2006/main">
+  <p:cSld>
+    <p:spTree>
+      <p:nvGrpSpPr>
+        <p:cNvPr id="1" name=""/>
+        <p:cNvGrpSpPr/>
+        <p:nvPr/>
+      </p:nvGrpSpPr>
+      <p:grpSpPr>
+        <a:xfrm>
+          <a:off x="0" y="0"/>
+          <a:ext cx="0" cy="0"/>
+          <a:chOff x="0" y="0"/>
+          <a:chExt cx="0" cy="0"/>
+        </a:xfrm>
+      </p:grpSpPr>
+      <p:sp>
+        <p:nvSpPr>
+          <p:cNvPr id="4" name="Rectangle 3">
+            <a:extLst>
+              <a:ext uri="{FF2B5EF4-FFF2-40B4-BE49-F238E27FC236}">
+                <a16:creationId xmlns:a16="http://schemas.microsoft.com/office/drawing/2014/main" id="{85C6C4A7-D4CF-0448-A8FE-4FE14663D6DA}"/>
+              </a:ext>
+            </a:extLst>
+          </p:cNvPr>
+          <p:cNvSpPr/>
+          <p:nvPr/>
+        </p:nvSpPr>
+        <p:spPr>
+          <a:xfrm>
+            <a:off x="2098432" y="4362388"/>
+            <a:ext cx="2215662" cy="691662"/>
+          </a:xfrm>
+          <a:prstGeom prst="rect">
+            <a:avLst/>
+          </a:prstGeom>
+          <a:solidFill>
+            <a:schemeClr val="accent6">
+              <a:lumMod val="60000"/>
+              <a:lumOff val="40000"/>
+            </a:schemeClr>
+          </a:solidFill>
+        </p:spPr>
+        <p:style>
+          <a:lnRef idx="2">
+            <a:schemeClr val="accent1">
+              <a:shade val="50000"/>
+            </a:schemeClr>
+          </a:lnRef>
+          <a:fillRef idx="1">
+            <a:schemeClr val="accent1"/>
+          </a:fillRef>
+          <a:effectRef idx="0">
+            <a:schemeClr val="accent1"/>
+          </a:effectRef>
+          <a:fontRef idx="minor">
+            <a:schemeClr val="lt1"/>
+          </a:fontRef>
+        </p:style>
+        <p:txBody>
+          <a:bodyPr rot="0" spcFirstLastPara="0" vertOverflow="overflow" horzOverflow="overflow" vert="horz" wrap="square" lIns="91440" tIns="45720" rIns="91440" bIns="45720" numCol="1" spcCol="0" rtlCol="0" fromWordArt="0" anchor="ctr" anchorCtr="0" forceAA="0" compatLnSpc="1">
+            <a:prstTxWarp prst="textNoShape">
+              <a:avLst/>
+            </a:prstTxWarp>
+            <a:noAutofit/>
+          </a:bodyPr>
+          <a:lstStyle/>
+          <a:p>
+            <a:pPr algn="ctr"/>
+            <a:r>
+              <a:rPr lang="en-US" sz="1400" b="1" dirty="0">
+                <a:solidFill>
+                  <a:schemeClr val="tx1"/>
+                </a:solidFill>
+              </a:rPr>
+              <a:t>Hidden</a:t>
+            </a:r>
+          </a:p>
+          <a:p>
+            <a:pPr algn="ctr"/>
+            <a:r>
+              <a:rPr lang="en-US" sz="1050" dirty="0">
+                <a:solidFill>
+                  <a:schemeClr val="tx1"/>
+                </a:solidFill>
+              </a:rPr>
+              <a:t>System unaware. No Logs. </a:t>
+            </a:r>
+            <a:br>
+              <a:rPr lang="en-US" sz="1050" dirty="0">
+                <a:solidFill>
+                  <a:schemeClr val="tx1"/>
+                </a:solidFill>
+              </a:rPr>
+            </a:br>
+            <a:r>
+              <a:rPr lang="en-US" sz="1050" dirty="0">
+                <a:solidFill>
+                  <a:schemeClr val="tx1"/>
+                </a:solidFill>
+              </a:rPr>
+              <a:t>+10 to subvert.</a:t>
+            </a:r>
+          </a:p>
+        </p:txBody>
+      </p:sp>
+      <p:sp>
+        <p:nvSpPr>
+          <p:cNvPr id="5" name="Rectangle 4">
+            <a:extLst>
+              <a:ext uri="{FF2B5EF4-FFF2-40B4-BE49-F238E27FC236}">
+                <a16:creationId xmlns:a16="http://schemas.microsoft.com/office/drawing/2014/main" id="{53357C88-80AD-F54A-AE16-0D58B0C209C5}"/>
+              </a:ext>
+            </a:extLst>
+          </p:cNvPr>
+          <p:cNvSpPr/>
+          <p:nvPr/>
+        </p:nvSpPr>
+        <p:spPr>
+          <a:xfrm>
+            <a:off x="4419601" y="4708219"/>
+            <a:ext cx="2215662" cy="691662"/>
+          </a:xfrm>
+          <a:prstGeom prst="rect">
+            <a:avLst/>
+          </a:prstGeom>
+          <a:solidFill>
+            <a:schemeClr val="bg1">
+              <a:lumMod val="85000"/>
+            </a:schemeClr>
+          </a:solidFill>
+        </p:spPr>
+        <p:style>
+          <a:lnRef idx="2">
+            <a:schemeClr val="accent1">
+              <a:shade val="50000"/>
+            </a:schemeClr>
+          </a:lnRef>
+          <a:fillRef idx="1">
+            <a:schemeClr val="accent1"/>
+          </a:fillRef>
+          <a:effectRef idx="0">
+            <a:schemeClr val="accent1"/>
+          </a:effectRef>
+          <a:fontRef idx="minor">
+            <a:schemeClr val="lt1"/>
+          </a:fontRef>
+        </p:style>
+        <p:txBody>
+          <a:bodyPr rot="0" spcFirstLastPara="0" vertOverflow="overflow" horzOverflow="overflow" vert="horz" wrap="square" lIns="91440" tIns="45720" rIns="91440" bIns="45720" numCol="1" spcCol="0" rtlCol="0" fromWordArt="0" anchor="ctr" anchorCtr="0" forceAA="0" compatLnSpc="1">
+            <a:prstTxWarp prst="textNoShape">
+              <a:avLst/>
+            </a:prstTxWarp>
+            <a:noAutofit/>
+          </a:bodyPr>
+          <a:lstStyle/>
+          <a:p>
+            <a:pPr algn="ctr"/>
+            <a:r>
+              <a:rPr lang="en-US" sz="1400" b="1" dirty="0">
+                <a:solidFill>
+                  <a:schemeClr val="tx1"/>
+                </a:solidFill>
+              </a:rPr>
+              <a:t>Covert</a:t>
+            </a:r>
+          </a:p>
+          <a:p>
+            <a:pPr algn="ctr"/>
+            <a:r>
+              <a:rPr lang="en-US" sz="1050" dirty="0">
+                <a:solidFill>
+                  <a:schemeClr val="tx1"/>
+                </a:solidFill>
+              </a:rPr>
+              <a:t>System aware. </a:t>
+            </a:r>
+            <a:br>
+              <a:rPr lang="en-US" sz="1050" dirty="0">
+                <a:solidFill>
+                  <a:schemeClr val="tx1"/>
+                </a:solidFill>
+              </a:rPr>
+            </a:br>
+            <a:r>
+              <a:rPr lang="en-US" sz="1050" dirty="0">
+                <a:solidFill>
+                  <a:schemeClr val="tx1"/>
+                </a:solidFill>
+              </a:rPr>
+              <a:t>Does not consider threat.</a:t>
+            </a:r>
+          </a:p>
+        </p:txBody>
+      </p:sp>
+      <p:sp>
+        <p:nvSpPr>
+          <p:cNvPr id="6" name="Rectangle 5">
+            <a:extLst>
+              <a:ext uri="{FF2B5EF4-FFF2-40B4-BE49-F238E27FC236}">
+                <a16:creationId xmlns:a16="http://schemas.microsoft.com/office/drawing/2014/main" id="{08A039D8-800D-7D47-AF17-DC492AD9F111}"/>
+              </a:ext>
+            </a:extLst>
+          </p:cNvPr>
+          <p:cNvSpPr/>
+          <p:nvPr/>
+        </p:nvSpPr>
+        <p:spPr>
+          <a:xfrm>
+            <a:off x="6740770" y="5054050"/>
+            <a:ext cx="2215662" cy="691662"/>
+          </a:xfrm>
+          <a:prstGeom prst="rect">
+            <a:avLst/>
+          </a:prstGeom>
+          <a:solidFill>
+            <a:schemeClr val="accent2">
+              <a:lumMod val="60000"/>
+              <a:lumOff val="40000"/>
+            </a:schemeClr>
+          </a:solidFill>
+        </p:spPr>
+        <p:style>
+          <a:lnRef idx="2">
+            <a:schemeClr val="accent1">
+              <a:shade val="50000"/>
+            </a:schemeClr>
+          </a:lnRef>
+          <a:fillRef idx="1">
+            <a:schemeClr val="accent1"/>
+          </a:fillRef>
+          <a:effectRef idx="0">
+            <a:schemeClr val="accent1"/>
+          </a:effectRef>
+          <a:fontRef idx="minor">
+            <a:schemeClr val="lt1"/>
+          </a:fontRef>
+        </p:style>
+        <p:txBody>
+          <a:bodyPr rot="0" spcFirstLastPara="0" vertOverflow="overflow" horzOverflow="overflow" vert="horz" wrap="square" lIns="91440" tIns="45720" rIns="91440" bIns="45720" numCol="1" spcCol="0" rtlCol="0" fromWordArt="0" anchor="ctr" anchorCtr="0" forceAA="0" compatLnSpc="1">
+            <a:prstTxWarp prst="textNoShape">
+              <a:avLst/>
+            </a:prstTxWarp>
+            <a:noAutofit/>
+          </a:bodyPr>
+          <a:lstStyle/>
+          <a:p>
+            <a:pPr algn="ctr"/>
+            <a:r>
+              <a:rPr lang="en-US" sz="1400" b="1" dirty="0">
+                <a:solidFill>
+                  <a:schemeClr val="tx1"/>
+                </a:solidFill>
+              </a:rPr>
+              <a:t>Spotted</a:t>
+            </a:r>
+          </a:p>
+          <a:p>
+            <a:pPr lvl="0" algn="ctr"/>
+            <a:r>
+              <a:rPr lang="en-US" sz="1050" dirty="0">
+                <a:solidFill>
+                  <a:schemeClr val="tx1"/>
+                </a:solidFill>
+              </a:rPr>
+              <a:t>System considers threat. </a:t>
+            </a:r>
+            <a:br>
+              <a:rPr lang="en-US" sz="1050" dirty="0">
+                <a:solidFill>
+                  <a:schemeClr val="tx1"/>
+                </a:solidFill>
+              </a:rPr>
+            </a:br>
+            <a:r>
+              <a:rPr lang="en-US" sz="1050" dirty="0">
+                <a:solidFill>
+                  <a:schemeClr val="tx1"/>
+                </a:solidFill>
+              </a:rPr>
+              <a:t>Launces CM. </a:t>
+            </a:r>
+            <a:r>
+              <a:rPr lang="en-US" sz="1050" b="1" dirty="0">
+                <a:solidFill>
+                  <a:schemeClr val="tx1"/>
+                </a:solidFill>
+              </a:rPr>
+              <a:t>Active alert</a:t>
+            </a:r>
+            <a:r>
+              <a:rPr lang="en-US" sz="1050" dirty="0">
+                <a:solidFill>
+                  <a:schemeClr val="tx1"/>
+                </a:solidFill>
+              </a:rPr>
+              <a:t>.</a:t>
+            </a:r>
+          </a:p>
+        </p:txBody>
+      </p:sp>
+      <p:cxnSp>
+        <p:nvCxnSpPr>
+          <p:cNvPr id="21" name="Elbow Connector 20">
+            <a:extLst>
+              <a:ext uri="{FF2B5EF4-FFF2-40B4-BE49-F238E27FC236}">
+                <a16:creationId xmlns:a16="http://schemas.microsoft.com/office/drawing/2014/main" id="{2CC234C7-CC89-4D47-8030-73644032E09D}"/>
+              </a:ext>
+            </a:extLst>
+          </p:cNvPr>
+          <p:cNvCxnSpPr>
+            <a:cxnSpLocks/>
+          </p:cNvCxnSpPr>
+          <p:nvPr/>
+        </p:nvCxnSpPr>
+        <p:spPr>
+          <a:xfrm rot="16200000" flipV="1">
+            <a:off x="3830518" y="3321232"/>
+            <a:ext cx="345831" cy="2321169"/>
+          </a:xfrm>
+          <a:prstGeom prst="bentConnector3">
+            <a:avLst>
+              <a:gd name="adj1" fmla="val 149153"/>
+            </a:avLst>
+          </a:prstGeom>
+          <a:ln>
+            <a:tailEnd type="triangle"/>
+          </a:ln>
+        </p:spPr>
+        <p:style>
+          <a:lnRef idx="1">
+            <a:schemeClr val="accent1"/>
+          </a:lnRef>
+          <a:fillRef idx="0">
+            <a:schemeClr val="accent1"/>
+          </a:fillRef>
+          <a:effectRef idx="0">
+            <a:schemeClr val="accent1"/>
+          </a:effectRef>
+          <a:fontRef idx="minor">
+            <a:schemeClr val="tx1"/>
+          </a:fontRef>
+        </p:style>
+      </p:cxnSp>
+      <p:cxnSp>
+        <p:nvCxnSpPr>
+          <p:cNvPr id="22" name="Elbow Connector 21">
+            <a:extLst>
+              <a:ext uri="{FF2B5EF4-FFF2-40B4-BE49-F238E27FC236}">
+                <a16:creationId xmlns:a16="http://schemas.microsoft.com/office/drawing/2014/main" id="{20AAA50D-DE2F-0746-9546-32C586DF8E59}"/>
+              </a:ext>
+            </a:extLst>
+          </p:cNvPr>
+          <p:cNvCxnSpPr>
+            <a:cxnSpLocks/>
+          </p:cNvCxnSpPr>
+          <p:nvPr/>
+        </p:nvCxnSpPr>
+        <p:spPr>
+          <a:xfrm rot="16200000" flipV="1">
+            <a:off x="6855070" y="3667063"/>
+            <a:ext cx="345831" cy="2321169"/>
+          </a:xfrm>
+          <a:prstGeom prst="bentConnector3">
+            <a:avLst>
+              <a:gd name="adj1" fmla="val 152543"/>
+            </a:avLst>
+          </a:prstGeom>
+          <a:ln>
+            <a:tailEnd type="triangle"/>
+          </a:ln>
+        </p:spPr>
+        <p:style>
+          <a:lnRef idx="1">
+            <a:schemeClr val="accent1"/>
+          </a:lnRef>
+          <a:fillRef idx="0">
+            <a:schemeClr val="accent1"/>
+          </a:fillRef>
+          <a:effectRef idx="0">
+            <a:schemeClr val="accent1"/>
+          </a:effectRef>
+          <a:fontRef idx="minor">
+            <a:schemeClr val="tx1"/>
+          </a:fontRef>
+        </p:style>
+      </p:cxnSp>
+      <p:sp>
+        <p:nvSpPr>
+          <p:cNvPr id="23" name="TextBox 22">
+            <a:extLst>
+              <a:ext uri="{FF2B5EF4-FFF2-40B4-BE49-F238E27FC236}">
+                <a16:creationId xmlns:a16="http://schemas.microsoft.com/office/drawing/2014/main" id="{974FE154-82BA-C64E-870F-3CB6A0327DC5}"/>
+              </a:ext>
+            </a:extLst>
+          </p:cNvPr>
+          <p:cNvSpPr txBox="1"/>
+          <p:nvPr/>
+        </p:nvSpPr>
+        <p:spPr>
+          <a:xfrm>
+            <a:off x="5164018" y="3585580"/>
+            <a:ext cx="4185135" cy="1015663"/>
+          </a:xfrm>
+          <a:prstGeom prst="rect">
+            <a:avLst/>
+          </a:prstGeom>
+          <a:noFill/>
+        </p:spPr>
+        <p:txBody>
+          <a:bodyPr wrap="square" rtlCol="0">
+            <a:spAutoFit/>
+          </a:bodyPr>
+          <a:lstStyle/>
+          <a:p>
+            <a:r>
+              <a:rPr lang="en-US" sz="1200" b="1" dirty="0"/>
+              <a:t>Upgrading Status</a:t>
+            </a:r>
+          </a:p>
+          <a:p>
+            <a:pPr marL="171450" indent="-171450">
+              <a:buFont typeface="Arial" panose="020B0604020202020204" pitchFamily="34" charset="0"/>
+              <a:buChar char="•"/>
+            </a:pPr>
+            <a:r>
+              <a:rPr lang="en-US" sz="1200" dirty="0"/>
+              <a:t>Complex </a:t>
+            </a:r>
+            <a:r>
+              <a:rPr lang="en-US" sz="1200" b="1" dirty="0"/>
+              <a:t>Hacking </a:t>
+            </a:r>
+            <a:r>
+              <a:rPr lang="en-US" sz="1200" dirty="0"/>
+              <a:t>action</a:t>
+            </a:r>
+          </a:p>
+          <a:p>
+            <a:pPr marL="171450" indent="-171450">
+              <a:buFont typeface="Arial" panose="020B0604020202020204" pitchFamily="34" charset="0"/>
+              <a:buChar char="•"/>
+            </a:pPr>
+            <a:r>
+              <a:rPr lang="en-US" sz="1200" dirty="0"/>
+              <a:t>Superior success upgrades 2x steps</a:t>
+            </a:r>
+          </a:p>
+          <a:p>
+            <a:pPr marL="171450" indent="-171450">
+              <a:buFont typeface="Arial" panose="020B0604020202020204" pitchFamily="34" charset="0"/>
+              <a:buChar char="•"/>
+            </a:pPr>
+            <a:r>
+              <a:rPr lang="en-US" sz="1200" dirty="0"/>
+              <a:t>Does not erase previous logs, but harder to locate attacker.</a:t>
+            </a:r>
+          </a:p>
+          <a:p>
+            <a:endParaRPr lang="en-US" sz="1200" dirty="0"/>
+          </a:p>
+        </p:txBody>
+      </p:sp>
+      <p:sp>
+        <p:nvSpPr>
+          <p:cNvPr id="30" name="TextBox 29">
+            <a:extLst>
+              <a:ext uri="{FF2B5EF4-FFF2-40B4-BE49-F238E27FC236}">
+                <a16:creationId xmlns:a16="http://schemas.microsoft.com/office/drawing/2014/main" id="{3D5FC2DB-0EF5-464E-907E-A93D64BA51C3}"/>
+              </a:ext>
+            </a:extLst>
+          </p:cNvPr>
+          <p:cNvSpPr txBox="1"/>
+          <p:nvPr/>
+        </p:nvSpPr>
+        <p:spPr>
+          <a:xfrm>
+            <a:off x="2376856" y="6091543"/>
+            <a:ext cx="6579576" cy="646331"/>
+          </a:xfrm>
+          <a:prstGeom prst="rect">
+            <a:avLst/>
+          </a:prstGeom>
+          <a:noFill/>
+        </p:spPr>
+        <p:txBody>
+          <a:bodyPr wrap="square" rtlCol="0">
+            <a:spAutoFit/>
+          </a:bodyPr>
+          <a:lstStyle/>
+          <a:p>
+            <a:r>
+              <a:rPr lang="en-US" sz="1200" b="1" dirty="0"/>
+              <a:t>Downgrading Status</a:t>
+            </a:r>
+          </a:p>
+          <a:p>
+            <a:pPr marL="171450" indent="-171450">
+              <a:buFont typeface="Arial" panose="020B0604020202020204" pitchFamily="34" charset="0"/>
+              <a:buChar char="•"/>
+            </a:pPr>
+            <a:r>
+              <a:rPr lang="en-US" sz="1200" b="1" dirty="0"/>
+              <a:t>Critical failure </a:t>
+            </a:r>
+            <a:r>
+              <a:rPr lang="en-US" sz="1200" dirty="0"/>
+              <a:t>during any </a:t>
+            </a:r>
+            <a:r>
+              <a:rPr lang="en-US" sz="1200" b="1" dirty="0"/>
+              <a:t>Infosec </a:t>
+            </a:r>
+            <a:r>
+              <a:rPr lang="en-US" sz="1200" dirty="0"/>
+              <a:t>causes </a:t>
+            </a:r>
+            <a:r>
+              <a:rPr lang="en-US" sz="1200" b="1" dirty="0"/>
+              <a:t>Spotted</a:t>
+            </a:r>
+            <a:r>
+              <a:rPr lang="en-US" sz="1200" dirty="0"/>
+              <a:t>.</a:t>
+            </a:r>
+          </a:p>
+          <a:p>
+            <a:pPr marL="171450" indent="-171450">
+              <a:buFont typeface="Arial" panose="020B0604020202020204" pitchFamily="34" charset="0"/>
+              <a:buChar char="•"/>
+            </a:pPr>
+            <a:r>
+              <a:rPr lang="en-US" sz="1200" b="1" dirty="0"/>
+              <a:t>Zero In </a:t>
+            </a:r>
+            <a:r>
+              <a:rPr lang="en-US" sz="1200" dirty="0"/>
+              <a:t>(Infosec vs. Infosec) by system defender (-30 if attacker hidden). If successful causes </a:t>
+            </a:r>
+            <a:r>
+              <a:rPr lang="en-US" sz="1200" b="1" dirty="0"/>
+              <a:t>Spotted</a:t>
+            </a:r>
+            <a:r>
+              <a:rPr lang="en-US" sz="1200" dirty="0"/>
+              <a:t>.</a:t>
+            </a:r>
+          </a:p>
+        </p:txBody>
+      </p:sp>
+      <p:cxnSp>
+        <p:nvCxnSpPr>
+          <p:cNvPr id="40" name="Elbow Connector 39">
+            <a:extLst>
+              <a:ext uri="{FF2B5EF4-FFF2-40B4-BE49-F238E27FC236}">
+                <a16:creationId xmlns:a16="http://schemas.microsoft.com/office/drawing/2014/main" id="{C3D110FD-A39C-084E-AE4B-AE8E82376328}"/>
+              </a:ext>
+            </a:extLst>
+          </p:cNvPr>
+          <p:cNvCxnSpPr>
+            <a:cxnSpLocks/>
+            <a:stCxn id="4" idx="2"/>
+            <a:endCxn id="6" idx="2"/>
+          </p:cNvCxnSpPr>
+          <p:nvPr/>
+        </p:nvCxnSpPr>
+        <p:spPr>
+          <a:xfrm rot="16200000" flipH="1">
+            <a:off x="5181601" y="3078712"/>
+            <a:ext cx="691662" cy="4642338"/>
+          </a:xfrm>
+          <a:prstGeom prst="bentConnector3">
+            <a:avLst>
+              <a:gd name="adj1" fmla="val 134746"/>
+            </a:avLst>
+          </a:prstGeom>
+          <a:ln>
+            <a:tailEnd type="triangle"/>
+          </a:ln>
+        </p:spPr>
+        <p:style>
+          <a:lnRef idx="1">
+            <a:schemeClr val="accent1"/>
+          </a:lnRef>
+          <a:fillRef idx="0">
+            <a:schemeClr val="accent1"/>
+          </a:fillRef>
+          <a:effectRef idx="0">
+            <a:schemeClr val="accent1"/>
+          </a:effectRef>
+          <a:fontRef idx="minor">
+            <a:schemeClr val="tx1"/>
+          </a:fontRef>
+        </p:style>
+      </p:cxnSp>
+      <p:cxnSp>
+        <p:nvCxnSpPr>
+          <p:cNvPr id="46" name="Elbow Connector 45">
+            <a:extLst>
+              <a:ext uri="{FF2B5EF4-FFF2-40B4-BE49-F238E27FC236}">
+                <a16:creationId xmlns:a16="http://schemas.microsoft.com/office/drawing/2014/main" id="{1DECA2D4-DF15-284A-8B95-C4C75A7BDA98}"/>
+              </a:ext>
+            </a:extLst>
+          </p:cNvPr>
+          <p:cNvCxnSpPr>
+            <a:cxnSpLocks/>
+          </p:cNvCxnSpPr>
+          <p:nvPr/>
+        </p:nvCxnSpPr>
+        <p:spPr>
+          <a:xfrm rot="16200000" flipH="1">
+            <a:off x="6433041" y="4423935"/>
+            <a:ext cx="345831" cy="2321169"/>
+          </a:xfrm>
+          <a:prstGeom prst="bentConnector3">
+            <a:avLst>
+              <a:gd name="adj1" fmla="val 149153"/>
+            </a:avLst>
+          </a:prstGeom>
+          <a:ln>
+            <a:tailEnd type="triangle"/>
+          </a:ln>
+        </p:spPr>
+        <p:style>
+          <a:lnRef idx="1">
+            <a:schemeClr val="accent1"/>
+          </a:lnRef>
+          <a:fillRef idx="0">
+            <a:schemeClr val="accent1"/>
+          </a:fillRef>
+          <a:effectRef idx="0">
+            <a:schemeClr val="accent1"/>
+          </a:effectRef>
+          <a:fontRef idx="minor">
+            <a:schemeClr val="tx1"/>
+          </a:fontRef>
+        </p:style>
+      </p:cxnSp>
+    </p:spTree>
+    <p:extLst>
+      <p:ext uri="{BB962C8B-B14F-4D97-AF65-F5344CB8AC3E}">
+        <p14:creationId xmlns:p14="http://schemas.microsoft.com/office/powerpoint/2010/main" val="123137754"/>
+      </p:ext>
+    </p:extLst>
+  </p:cSld>
+  <p:clrMapOvr>
+    <a:masterClrMapping/>
+  </p:clrMapOvr>
+</p:sld>
+</file>
+
+<file path=ppt/slides/slide8.xml><?xml version="1.0" encoding="utf-8"?>
+<p:sld xmlns:a="http://schemas.openxmlformats.org/drawingml/2006/main" xmlns:r="http://schemas.openxmlformats.org/officeDocument/2006/relationships" xmlns:p="http://schemas.openxmlformats.org/presentationml/2006/main">
+  <p:cSld>
+    <p:spTree>
+      <p:nvGrpSpPr>
+        <p:cNvPr id="1" name=""/>
+        <p:cNvGrpSpPr/>
+        <p:nvPr/>
+      </p:nvGrpSpPr>
+      <p:grpSpPr>
+        <a:xfrm>
+          <a:off x="0" y="0"/>
+          <a:ext cx="0" cy="0"/>
+          <a:chOff x="0" y="0"/>
+          <a:chExt cx="0" cy="0"/>
+        </a:xfrm>
+      </p:grpSpPr>
+      <p:sp>
+        <p:nvSpPr>
+          <p:cNvPr id="36" name="Rectangle 35">
+            <a:extLst>
+              <a:ext uri="{FF2B5EF4-FFF2-40B4-BE49-F238E27FC236}">
+                <a16:creationId xmlns:a16="http://schemas.microsoft.com/office/drawing/2014/main" id="{5FC63A5B-D36C-2442-88FD-AD9B79E8AA32}"/>
+              </a:ext>
+            </a:extLst>
+          </p:cNvPr>
+          <p:cNvSpPr/>
+          <p:nvPr/>
+        </p:nvSpPr>
+        <p:spPr>
+          <a:xfrm>
+            <a:off x="5705422" y="1948613"/>
+            <a:ext cx="2375629" cy="616307"/>
+          </a:xfrm>
+          <a:prstGeom prst="rect">
+            <a:avLst/>
+          </a:prstGeom>
+          <a:solidFill>
+            <a:schemeClr val="tx2">
+              <a:lumMod val="60000"/>
+              <a:lumOff val="40000"/>
+            </a:schemeClr>
+          </a:solidFill>
+          <a:ln>
+            <a:solidFill>
+              <a:schemeClr val="tx1"/>
+            </a:solidFill>
+          </a:ln>
+        </p:spPr>
+        <p:style>
+          <a:lnRef idx="2">
+            <a:schemeClr val="accent1">
+              <a:shade val="50000"/>
+            </a:schemeClr>
+          </a:lnRef>
+          <a:fillRef idx="1">
+            <a:schemeClr val="accent1"/>
+          </a:fillRef>
+          <a:effectRef idx="0">
+            <a:schemeClr val="accent1"/>
+          </a:effectRef>
+          <a:fontRef idx="minor">
+            <a:schemeClr val="lt1"/>
+          </a:fontRef>
+        </p:style>
+        <p:txBody>
+          <a:bodyPr rot="0" spcFirstLastPara="0" vertOverflow="overflow" horzOverflow="overflow" vert="horz" wrap="square" lIns="91440" tIns="45720" rIns="91440" bIns="45720" numCol="1" spcCol="0" rtlCol="0" fromWordArt="0" anchor="ctr" anchorCtr="0" forceAA="0" compatLnSpc="1">
+            <a:prstTxWarp prst="textNoShape">
+              <a:avLst/>
+            </a:prstTxWarp>
+            <a:noAutofit/>
+          </a:bodyPr>
+          <a:lstStyle/>
+          <a:p>
+            <a:pPr algn="ctr"/>
+            <a:r>
+              <a:rPr lang="en-US" sz="1100" b="1" dirty="0">
+                <a:solidFill>
+                  <a:schemeClr val="tx1"/>
+                </a:solidFill>
+              </a:rPr>
+              <a:t>Ranged sleight used in ...</a:t>
+            </a:r>
+          </a:p>
+          <a:p>
+            <a:pPr algn="ctr"/>
+            <a:r>
+              <a:rPr lang="en-US" sz="1100" dirty="0">
+                <a:solidFill>
+                  <a:schemeClr val="tx1"/>
+                </a:solidFill>
+              </a:rPr>
+              <a:t>Touch (+20), 2m (+10), 10m (±0), </a:t>
+            </a:r>
+          </a:p>
+          <a:p>
+            <a:pPr algn="ctr"/>
+            <a:r>
+              <a:rPr lang="en-US" sz="1100" dirty="0">
+                <a:solidFill>
+                  <a:schemeClr val="tx1"/>
+                </a:solidFill>
+              </a:rPr>
+              <a:t>12m (-10), 14m(-20), …</a:t>
+            </a:r>
+          </a:p>
+        </p:txBody>
+      </p:sp>
+      <p:sp>
+        <p:nvSpPr>
+          <p:cNvPr id="15" name="Rectangle 14">
+            <a:extLst>
+              <a:ext uri="{FF2B5EF4-FFF2-40B4-BE49-F238E27FC236}">
+                <a16:creationId xmlns:a16="http://schemas.microsoft.com/office/drawing/2014/main" id="{EBEACA8D-C52E-204D-B136-235C8148CA16}"/>
+              </a:ext>
+            </a:extLst>
+          </p:cNvPr>
+          <p:cNvSpPr/>
+          <p:nvPr/>
+        </p:nvSpPr>
+        <p:spPr>
+          <a:xfrm>
+            <a:off x="772683" y="390261"/>
+            <a:ext cx="2375629" cy="381600"/>
+          </a:xfrm>
+          <a:prstGeom prst="rect">
+            <a:avLst/>
+          </a:prstGeom>
+          <a:solidFill>
+            <a:schemeClr val="bg1">
+              <a:lumMod val="75000"/>
+            </a:schemeClr>
+          </a:solidFill>
+          <a:ln>
+            <a:solidFill>
+              <a:schemeClr val="tx1"/>
+            </a:solidFill>
+          </a:ln>
+        </p:spPr>
+        <p:style>
+          <a:lnRef idx="2">
+            <a:schemeClr val="accent1">
+              <a:shade val="50000"/>
+            </a:schemeClr>
+          </a:lnRef>
+          <a:fillRef idx="1">
+            <a:schemeClr val="accent1"/>
+          </a:fillRef>
+          <a:effectRef idx="0">
+            <a:schemeClr val="accent1"/>
+          </a:effectRef>
+          <a:fontRef idx="minor">
+            <a:schemeClr val="lt1"/>
+          </a:fontRef>
+        </p:style>
+        <p:txBody>
+          <a:bodyPr rot="0" spcFirstLastPara="0" vertOverflow="overflow" horzOverflow="overflow" vert="horz" wrap="square" lIns="91440" tIns="45720" rIns="91440" bIns="45720" numCol="1" spcCol="0" rtlCol="0" fromWordArt="0" anchor="ctr" anchorCtr="0" forceAA="0" compatLnSpc="1">
+            <a:prstTxWarp prst="textNoShape">
+              <a:avLst/>
+            </a:prstTxWarp>
+            <a:noAutofit/>
+          </a:bodyPr>
+          <a:lstStyle/>
+          <a:p>
+            <a:pPr algn="ctr"/>
+            <a:r>
+              <a:rPr lang="en-US" sz="1600" b="1" dirty="0">
+                <a:solidFill>
+                  <a:schemeClr val="tx1"/>
+                </a:solidFill>
+              </a:rPr>
+              <a:t>Psi Chi</a:t>
+            </a:r>
+          </a:p>
+        </p:txBody>
+      </p:sp>
+      <p:sp>
+        <p:nvSpPr>
+          <p:cNvPr id="16" name="Rectangle 15">
+            <a:extLst>
+              <a:ext uri="{FF2B5EF4-FFF2-40B4-BE49-F238E27FC236}">
+                <a16:creationId xmlns:a16="http://schemas.microsoft.com/office/drawing/2014/main" id="{697748EE-89CA-834F-8943-EDCCC65D5372}"/>
+              </a:ext>
+            </a:extLst>
+          </p:cNvPr>
+          <p:cNvSpPr/>
+          <p:nvPr/>
+        </p:nvSpPr>
+        <p:spPr>
+          <a:xfrm>
+            <a:off x="3239050" y="390262"/>
+            <a:ext cx="4841998" cy="381600"/>
+          </a:xfrm>
+          <a:prstGeom prst="rect">
+            <a:avLst/>
+          </a:prstGeom>
+          <a:solidFill>
+            <a:schemeClr val="bg1">
+              <a:lumMod val="75000"/>
+            </a:schemeClr>
+          </a:solidFill>
+          <a:ln>
+            <a:solidFill>
+              <a:schemeClr val="tx1"/>
+            </a:solidFill>
+          </a:ln>
+        </p:spPr>
+        <p:style>
+          <a:lnRef idx="2">
+            <a:schemeClr val="accent1">
+              <a:shade val="50000"/>
+            </a:schemeClr>
+          </a:lnRef>
+          <a:fillRef idx="1">
+            <a:schemeClr val="accent1"/>
+          </a:fillRef>
+          <a:effectRef idx="0">
+            <a:schemeClr val="accent1"/>
+          </a:effectRef>
+          <a:fontRef idx="minor">
+            <a:schemeClr val="lt1"/>
+          </a:fontRef>
+        </p:style>
+        <p:txBody>
+          <a:bodyPr rot="0" spcFirstLastPara="0" vertOverflow="overflow" horzOverflow="overflow" vert="horz" wrap="square" lIns="91440" tIns="45720" rIns="91440" bIns="45720" numCol="1" spcCol="0" rtlCol="0" fromWordArt="0" anchor="ctr" anchorCtr="0" forceAA="0" compatLnSpc="1">
+            <a:prstTxWarp prst="textNoShape">
+              <a:avLst/>
+            </a:prstTxWarp>
+            <a:noAutofit/>
+          </a:bodyPr>
+          <a:lstStyle/>
+          <a:p>
+            <a:pPr algn="ctr"/>
+            <a:r>
+              <a:rPr lang="en-US" sz="1600" b="1" dirty="0">
+                <a:solidFill>
+                  <a:schemeClr val="tx1"/>
+                </a:solidFill>
+              </a:rPr>
+              <a:t>Psi Gamma</a:t>
+            </a:r>
+          </a:p>
+        </p:txBody>
+      </p:sp>
+      <p:sp>
+        <p:nvSpPr>
+          <p:cNvPr id="19" name="Rectangle 18">
+            <a:extLst>
+              <a:ext uri="{FF2B5EF4-FFF2-40B4-BE49-F238E27FC236}">
+                <a16:creationId xmlns:a16="http://schemas.microsoft.com/office/drawing/2014/main" id="{AD7EA9DA-EBE9-E34C-B0A0-2FB32B5A0227}"/>
+              </a:ext>
+            </a:extLst>
+          </p:cNvPr>
+          <p:cNvSpPr/>
+          <p:nvPr/>
+        </p:nvSpPr>
+        <p:spPr>
+          <a:xfrm>
+            <a:off x="3239053" y="880029"/>
+            <a:ext cx="2375629" cy="246921"/>
+          </a:xfrm>
+          <a:prstGeom prst="rect">
+            <a:avLst/>
+          </a:prstGeom>
+          <a:solidFill>
+            <a:schemeClr val="bg1">
+              <a:lumMod val="75000"/>
+            </a:schemeClr>
+          </a:solidFill>
+          <a:ln>
+            <a:solidFill>
+              <a:schemeClr val="tx1"/>
+            </a:solidFill>
+          </a:ln>
+        </p:spPr>
+        <p:style>
+          <a:lnRef idx="2">
+            <a:schemeClr val="accent1">
+              <a:shade val="50000"/>
+            </a:schemeClr>
+          </a:lnRef>
+          <a:fillRef idx="1">
+            <a:schemeClr val="accent1"/>
+          </a:fillRef>
+          <a:effectRef idx="0">
+            <a:schemeClr val="accent1"/>
+          </a:effectRef>
+          <a:fontRef idx="minor">
+            <a:schemeClr val="lt1"/>
+          </a:fontRef>
+        </p:style>
+        <p:txBody>
+          <a:bodyPr rot="0" spcFirstLastPara="0" vertOverflow="overflow" horzOverflow="overflow" vert="horz" wrap="square" lIns="91440" tIns="45720" rIns="91440" bIns="45720" numCol="1" spcCol="0" rtlCol="0" fromWordArt="0" anchor="ctr" anchorCtr="0" forceAA="0" compatLnSpc="1">
+            <a:prstTxWarp prst="textNoShape">
+              <a:avLst/>
+            </a:prstTxWarp>
+            <a:noAutofit/>
+          </a:bodyPr>
+          <a:lstStyle/>
+          <a:p>
+            <a:pPr algn="ctr"/>
+            <a:r>
+              <a:rPr lang="en-US" sz="1200" b="1" dirty="0">
+                <a:solidFill>
+                  <a:schemeClr val="tx1"/>
+                </a:solidFill>
+              </a:rPr>
+              <a:t>Simple</a:t>
+            </a:r>
+          </a:p>
+        </p:txBody>
+      </p:sp>
+      <p:sp>
+        <p:nvSpPr>
+          <p:cNvPr id="21" name="Rectangle 20">
+            <a:extLst>
+              <a:ext uri="{FF2B5EF4-FFF2-40B4-BE49-F238E27FC236}">
+                <a16:creationId xmlns:a16="http://schemas.microsoft.com/office/drawing/2014/main" id="{85044166-AC98-5445-9A00-0E0CE5B5F939}"/>
+              </a:ext>
+            </a:extLst>
+          </p:cNvPr>
+          <p:cNvSpPr/>
+          <p:nvPr/>
+        </p:nvSpPr>
+        <p:spPr>
+          <a:xfrm>
+            <a:off x="5705422" y="880029"/>
+            <a:ext cx="2375629" cy="246921"/>
+          </a:xfrm>
+          <a:prstGeom prst="rect">
+            <a:avLst/>
+          </a:prstGeom>
+          <a:solidFill>
+            <a:schemeClr val="bg1">
+              <a:lumMod val="75000"/>
+            </a:schemeClr>
+          </a:solidFill>
+          <a:ln>
+            <a:solidFill>
+              <a:schemeClr val="tx1"/>
+            </a:solidFill>
+          </a:ln>
+        </p:spPr>
+        <p:style>
+          <a:lnRef idx="2">
+            <a:schemeClr val="accent1">
+              <a:shade val="50000"/>
+            </a:schemeClr>
+          </a:lnRef>
+          <a:fillRef idx="1">
+            <a:schemeClr val="accent1"/>
+          </a:fillRef>
+          <a:effectRef idx="0">
+            <a:schemeClr val="accent1"/>
+          </a:effectRef>
+          <a:fontRef idx="minor">
+            <a:schemeClr val="lt1"/>
+          </a:fontRef>
+        </p:style>
+        <p:txBody>
+          <a:bodyPr rot="0" spcFirstLastPara="0" vertOverflow="overflow" horzOverflow="overflow" vert="horz" wrap="square" lIns="91440" tIns="45720" rIns="91440" bIns="45720" numCol="1" spcCol="0" rtlCol="0" fromWordArt="0" anchor="ctr" anchorCtr="0" forceAA="0" compatLnSpc="1">
+            <a:prstTxWarp prst="textNoShape">
+              <a:avLst/>
+            </a:prstTxWarp>
+            <a:noAutofit/>
+          </a:bodyPr>
+          <a:lstStyle/>
+          <a:p>
+            <a:pPr algn="ctr"/>
+            <a:r>
+              <a:rPr lang="en-US" sz="1200" b="1" dirty="0">
+                <a:solidFill>
+                  <a:schemeClr val="tx1"/>
+                </a:solidFill>
+              </a:rPr>
+              <a:t>Opposed</a:t>
+            </a:r>
+          </a:p>
+        </p:txBody>
+      </p:sp>
+      <p:sp>
+        <p:nvSpPr>
+          <p:cNvPr id="23" name="Rectangle 22">
+            <a:extLst>
+              <a:ext uri="{FF2B5EF4-FFF2-40B4-BE49-F238E27FC236}">
+                <a16:creationId xmlns:a16="http://schemas.microsoft.com/office/drawing/2014/main" id="{78347CAC-F8B3-7849-8709-3B678EE85F94}"/>
+              </a:ext>
+            </a:extLst>
+          </p:cNvPr>
+          <p:cNvSpPr/>
+          <p:nvPr/>
+        </p:nvSpPr>
+        <p:spPr>
+          <a:xfrm>
+            <a:off x="5705421" y="2667598"/>
+            <a:ext cx="2375629" cy="616307"/>
+          </a:xfrm>
+          <a:prstGeom prst="rect">
+            <a:avLst/>
+          </a:prstGeom>
+          <a:solidFill>
+            <a:schemeClr val="tx2">
+              <a:lumMod val="60000"/>
+              <a:lumOff val="40000"/>
+            </a:schemeClr>
+          </a:solidFill>
+          <a:ln>
+            <a:solidFill>
+              <a:schemeClr val="tx1"/>
+            </a:solidFill>
+          </a:ln>
+        </p:spPr>
+        <p:style>
+          <a:lnRef idx="2">
+            <a:schemeClr val="accent1">
+              <a:shade val="50000"/>
+            </a:schemeClr>
+          </a:lnRef>
+          <a:fillRef idx="1">
+            <a:schemeClr val="accent1"/>
+          </a:fillRef>
+          <a:effectRef idx="0">
+            <a:schemeClr val="accent1"/>
+          </a:effectRef>
+          <a:fontRef idx="minor">
+            <a:schemeClr val="lt1"/>
+          </a:fontRef>
+        </p:style>
+        <p:txBody>
+          <a:bodyPr rot="0" spcFirstLastPara="0" vertOverflow="overflow" horzOverflow="overflow" vert="horz" wrap="square" lIns="91440" tIns="45720" rIns="91440" bIns="45720" numCol="1" spcCol="0" rtlCol="0" fromWordArt="0" anchor="ctr" anchorCtr="0" forceAA="0" compatLnSpc="1">
+            <a:prstTxWarp prst="textNoShape">
+              <a:avLst/>
+            </a:prstTxWarp>
+            <a:noAutofit/>
+          </a:bodyPr>
+          <a:lstStyle/>
+          <a:p>
+            <a:pPr algn="ctr"/>
+            <a:r>
+              <a:rPr lang="en-US" sz="1100" b="1" dirty="0">
+                <a:solidFill>
+                  <a:schemeClr val="tx1"/>
+                </a:solidFill>
+              </a:rPr>
+              <a:t>Target Type</a:t>
+            </a:r>
+          </a:p>
+          <a:p>
+            <a:pPr algn="ctr"/>
+            <a:r>
+              <a:rPr lang="en-US" sz="1100" dirty="0">
+                <a:solidFill>
+                  <a:schemeClr val="tx1"/>
+                </a:solidFill>
+              </a:rPr>
+              <a:t>Pods / </a:t>
+            </a:r>
+            <a:r>
+              <a:rPr lang="en-US" sz="1100" dirty="0" err="1">
+                <a:solidFill>
+                  <a:schemeClr val="tx1"/>
+                </a:solidFill>
+              </a:rPr>
+              <a:t>Cyberbrains</a:t>
+            </a:r>
+            <a:r>
+              <a:rPr lang="en-US" sz="1100" dirty="0">
+                <a:solidFill>
+                  <a:schemeClr val="tx1"/>
+                </a:solidFill>
+              </a:rPr>
+              <a:t> (-30)</a:t>
+            </a:r>
+          </a:p>
+          <a:p>
+            <a:pPr algn="ctr"/>
+            <a:r>
+              <a:rPr lang="en-US" sz="1100" dirty="0">
+                <a:solidFill>
+                  <a:schemeClr val="tx1"/>
+                </a:solidFill>
+              </a:rPr>
+              <a:t>Non-Human (up to -30 or impossible)</a:t>
+            </a:r>
+          </a:p>
+        </p:txBody>
+      </p:sp>
+      <p:sp>
+        <p:nvSpPr>
+          <p:cNvPr id="26" name="Rectangle 25">
+            <a:extLst>
+              <a:ext uri="{FF2B5EF4-FFF2-40B4-BE49-F238E27FC236}">
+                <a16:creationId xmlns:a16="http://schemas.microsoft.com/office/drawing/2014/main" id="{4C766F67-F7A9-3D4D-A7BB-640C543E2F32}"/>
+              </a:ext>
+            </a:extLst>
+          </p:cNvPr>
+          <p:cNvSpPr/>
+          <p:nvPr/>
+        </p:nvSpPr>
+        <p:spPr>
+          <a:xfrm>
+            <a:off x="3239053" y="3386583"/>
+            <a:ext cx="4841997" cy="382577"/>
+          </a:xfrm>
+          <a:prstGeom prst="rect">
+            <a:avLst/>
+          </a:prstGeom>
+          <a:solidFill>
+            <a:schemeClr val="tx2">
+              <a:lumMod val="60000"/>
+              <a:lumOff val="40000"/>
+            </a:schemeClr>
+          </a:solidFill>
+          <a:ln>
+            <a:solidFill>
+              <a:schemeClr val="tx1"/>
+            </a:solidFill>
+          </a:ln>
+        </p:spPr>
+        <p:style>
+          <a:lnRef idx="2">
+            <a:schemeClr val="accent1">
+              <a:shade val="50000"/>
+            </a:schemeClr>
+          </a:lnRef>
+          <a:fillRef idx="1">
+            <a:schemeClr val="accent1"/>
+          </a:fillRef>
+          <a:effectRef idx="0">
+            <a:schemeClr val="accent1"/>
+          </a:effectRef>
+          <a:fontRef idx="minor">
+            <a:schemeClr val="lt1"/>
+          </a:fontRef>
+        </p:style>
+        <p:txBody>
+          <a:bodyPr rot="0" spcFirstLastPara="0" vertOverflow="overflow" horzOverflow="overflow" vert="horz" wrap="square" lIns="91440" tIns="45720" rIns="91440" bIns="45720" numCol="1" spcCol="0" rtlCol="0" fromWordArt="0" anchor="ctr" anchorCtr="0" forceAA="0" compatLnSpc="1">
+            <a:prstTxWarp prst="textNoShape">
+              <a:avLst/>
+            </a:prstTxWarp>
+            <a:noAutofit/>
+          </a:bodyPr>
+          <a:lstStyle/>
+          <a:p>
+            <a:pPr algn="ctr"/>
+            <a:r>
+              <a:rPr lang="en-US" sz="1600" b="1" dirty="0">
+                <a:solidFill>
+                  <a:schemeClr val="tx1"/>
+                </a:solidFill>
+              </a:rPr>
+              <a:t>Psi Test</a:t>
+            </a:r>
+          </a:p>
+        </p:txBody>
+      </p:sp>
+      <p:sp>
+        <p:nvSpPr>
+          <p:cNvPr id="27" name="Rectangle 26">
+            <a:extLst>
+              <a:ext uri="{FF2B5EF4-FFF2-40B4-BE49-F238E27FC236}">
+                <a16:creationId xmlns:a16="http://schemas.microsoft.com/office/drawing/2014/main" id="{6D2C30AD-2A6F-8C4D-9839-5F925EC1A25F}"/>
+              </a:ext>
+            </a:extLst>
+          </p:cNvPr>
+          <p:cNvSpPr/>
+          <p:nvPr/>
+        </p:nvSpPr>
+        <p:spPr>
+          <a:xfrm>
+            <a:off x="5705421" y="3871838"/>
+            <a:ext cx="2375629" cy="246921"/>
+          </a:xfrm>
+          <a:prstGeom prst="rect">
+            <a:avLst/>
+          </a:prstGeom>
+          <a:solidFill>
+            <a:schemeClr val="tx2">
+              <a:lumMod val="60000"/>
+              <a:lumOff val="40000"/>
+            </a:schemeClr>
+          </a:solidFill>
+          <a:ln>
+            <a:solidFill>
+              <a:schemeClr val="tx1"/>
+            </a:solidFill>
+          </a:ln>
+        </p:spPr>
+        <p:style>
+          <a:lnRef idx="2">
+            <a:schemeClr val="accent1">
+              <a:shade val="50000"/>
+            </a:schemeClr>
+          </a:lnRef>
+          <a:fillRef idx="1">
+            <a:schemeClr val="accent1"/>
+          </a:fillRef>
+          <a:effectRef idx="0">
+            <a:schemeClr val="accent1"/>
+          </a:effectRef>
+          <a:fontRef idx="minor">
+            <a:schemeClr val="lt1"/>
+          </a:fontRef>
+        </p:style>
+        <p:txBody>
+          <a:bodyPr rot="0" spcFirstLastPara="0" vertOverflow="overflow" horzOverflow="overflow" vert="horz" wrap="square" lIns="91440" tIns="45720" rIns="91440" bIns="45720" numCol="1" spcCol="0" rtlCol="0" fromWordArt="0" anchor="ctr" anchorCtr="0" forceAA="0" compatLnSpc="1">
+            <a:prstTxWarp prst="textNoShape">
+              <a:avLst/>
+            </a:prstTxWarp>
+            <a:noAutofit/>
+          </a:bodyPr>
+          <a:lstStyle/>
+          <a:p>
+            <a:pPr algn="ctr"/>
+            <a:r>
+              <a:rPr lang="en-US" sz="1100" b="1" dirty="0">
+                <a:solidFill>
+                  <a:schemeClr val="tx1"/>
+                </a:solidFill>
+              </a:rPr>
+              <a:t>Target Full Defense (+30)</a:t>
+            </a:r>
+          </a:p>
+        </p:txBody>
+      </p:sp>
+      <p:sp>
+        <p:nvSpPr>
+          <p:cNvPr id="28" name="Rectangle 27">
+            <a:extLst>
+              <a:ext uri="{FF2B5EF4-FFF2-40B4-BE49-F238E27FC236}">
+                <a16:creationId xmlns:a16="http://schemas.microsoft.com/office/drawing/2014/main" id="{F93F7FA9-B6EA-034E-88BD-65FB0D1BBE03}"/>
+              </a:ext>
+            </a:extLst>
+          </p:cNvPr>
+          <p:cNvSpPr/>
+          <p:nvPr/>
+        </p:nvSpPr>
+        <p:spPr>
+          <a:xfrm>
+            <a:off x="3239052" y="4221437"/>
+            <a:ext cx="4841998" cy="244067"/>
+          </a:xfrm>
+          <a:prstGeom prst="rect">
+            <a:avLst/>
+          </a:prstGeom>
+          <a:solidFill>
+            <a:schemeClr val="accent6">
+              <a:lumMod val="20000"/>
+              <a:lumOff val="80000"/>
+            </a:schemeClr>
+          </a:solidFill>
+          <a:ln>
+            <a:solidFill>
+              <a:schemeClr val="tx1"/>
+            </a:solidFill>
+          </a:ln>
+        </p:spPr>
+        <p:style>
+          <a:lnRef idx="2">
+            <a:schemeClr val="accent1">
+              <a:shade val="50000"/>
+            </a:schemeClr>
+          </a:lnRef>
+          <a:fillRef idx="1">
+            <a:schemeClr val="accent1"/>
+          </a:fillRef>
+          <a:effectRef idx="0">
+            <a:schemeClr val="accent1"/>
+          </a:effectRef>
+          <a:fontRef idx="minor">
+            <a:schemeClr val="lt1"/>
+          </a:fontRef>
+        </p:style>
+        <p:txBody>
+          <a:bodyPr rot="0" spcFirstLastPara="0" vertOverflow="overflow" horzOverflow="overflow" vert="horz" wrap="square" lIns="91440" tIns="45720" rIns="91440" bIns="45720" numCol="1" spcCol="0" rtlCol="0" fromWordArt="0" anchor="ctr" anchorCtr="0" forceAA="0" compatLnSpc="1">
+            <a:prstTxWarp prst="textNoShape">
+              <a:avLst/>
+            </a:prstTxWarp>
+            <a:noAutofit/>
+          </a:bodyPr>
+          <a:lstStyle/>
+          <a:p>
+            <a:pPr algn="ctr"/>
+            <a:r>
+              <a:rPr lang="en-US" sz="1100" b="1" dirty="0">
+                <a:solidFill>
+                  <a:schemeClr val="tx1"/>
+                </a:solidFill>
+              </a:rPr>
+              <a:t>Success:</a:t>
+            </a:r>
+            <a:r>
+              <a:rPr lang="en-US" sz="1100" dirty="0">
+                <a:solidFill>
+                  <a:schemeClr val="tx1"/>
+                </a:solidFill>
+              </a:rPr>
+              <a:t> Effects takes place.</a:t>
+            </a:r>
+          </a:p>
+        </p:txBody>
+      </p:sp>
+      <p:sp>
+        <p:nvSpPr>
+          <p:cNvPr id="52" name="Rectangle 51">
+            <a:extLst>
+              <a:ext uri="{FF2B5EF4-FFF2-40B4-BE49-F238E27FC236}">
+                <a16:creationId xmlns:a16="http://schemas.microsoft.com/office/drawing/2014/main" id="{9E9C96AB-FE8F-3F49-A275-17E21233A059}"/>
+              </a:ext>
+            </a:extLst>
+          </p:cNvPr>
+          <p:cNvSpPr/>
+          <p:nvPr/>
+        </p:nvSpPr>
+        <p:spPr>
+          <a:xfrm>
+            <a:off x="3239053" y="4568182"/>
+            <a:ext cx="4841997" cy="244067"/>
+          </a:xfrm>
+          <a:prstGeom prst="rect">
+            <a:avLst/>
+          </a:prstGeom>
+          <a:solidFill>
+            <a:schemeClr val="accent6">
+              <a:lumMod val="75000"/>
+            </a:schemeClr>
+          </a:solidFill>
+          <a:ln>
+            <a:solidFill>
+              <a:schemeClr val="tx1"/>
+            </a:solidFill>
+          </a:ln>
+        </p:spPr>
+        <p:style>
+          <a:lnRef idx="2">
+            <a:schemeClr val="accent1">
+              <a:shade val="50000"/>
+            </a:schemeClr>
+          </a:lnRef>
+          <a:fillRef idx="1">
+            <a:schemeClr val="accent1"/>
+          </a:fillRef>
+          <a:effectRef idx="0">
+            <a:schemeClr val="accent1"/>
+          </a:effectRef>
+          <a:fontRef idx="minor">
+            <a:schemeClr val="lt1"/>
+          </a:fontRef>
+        </p:style>
+        <p:txBody>
+          <a:bodyPr rot="0" spcFirstLastPara="0" vertOverflow="overflow" horzOverflow="overflow" vert="horz" wrap="square" lIns="91440" tIns="45720" rIns="91440" bIns="45720" numCol="1" spcCol="0" rtlCol="0" fromWordArt="0" anchor="ctr" anchorCtr="0" forceAA="0" compatLnSpc="1">
+            <a:prstTxWarp prst="textNoShape">
+              <a:avLst/>
+            </a:prstTxWarp>
+            <a:noAutofit/>
+          </a:bodyPr>
+          <a:lstStyle/>
+          <a:p>
+            <a:pPr algn="ctr"/>
+            <a:r>
+              <a:rPr lang="en-US" sz="1100" b="1" dirty="0">
+                <a:solidFill>
+                  <a:schemeClr val="tx1"/>
+                </a:solidFill>
+              </a:rPr>
+              <a:t>Critical Success: </a:t>
+            </a:r>
+            <a:r>
+              <a:rPr lang="en-US" sz="1100" dirty="0">
+                <a:solidFill>
+                  <a:schemeClr val="tx1"/>
+                </a:solidFill>
+              </a:rPr>
+              <a:t>Double Potency.</a:t>
+            </a:r>
+          </a:p>
+        </p:txBody>
+      </p:sp>
+      <p:sp>
+        <p:nvSpPr>
+          <p:cNvPr id="55" name="Rectangle 54">
+            <a:extLst>
+              <a:ext uri="{FF2B5EF4-FFF2-40B4-BE49-F238E27FC236}">
+                <a16:creationId xmlns:a16="http://schemas.microsoft.com/office/drawing/2014/main" id="{35B84E24-B6C1-1E47-BED6-9ED79A23A946}"/>
+              </a:ext>
+            </a:extLst>
+          </p:cNvPr>
+          <p:cNvSpPr/>
+          <p:nvPr/>
+        </p:nvSpPr>
+        <p:spPr>
+          <a:xfrm>
+            <a:off x="3239052" y="4914927"/>
+            <a:ext cx="4841997" cy="244067"/>
+          </a:xfrm>
+          <a:prstGeom prst="rect">
+            <a:avLst/>
+          </a:prstGeom>
+          <a:solidFill>
+            <a:srgbClr val="FF0000"/>
+          </a:solidFill>
+          <a:ln>
+            <a:solidFill>
+              <a:schemeClr val="tx1"/>
+            </a:solidFill>
+          </a:ln>
+        </p:spPr>
+        <p:style>
+          <a:lnRef idx="2">
+            <a:schemeClr val="accent1">
+              <a:shade val="50000"/>
+            </a:schemeClr>
+          </a:lnRef>
+          <a:fillRef idx="1">
+            <a:schemeClr val="accent1"/>
+          </a:fillRef>
+          <a:effectRef idx="0">
+            <a:schemeClr val="accent1"/>
+          </a:effectRef>
+          <a:fontRef idx="minor">
+            <a:schemeClr val="lt1"/>
+          </a:fontRef>
+        </p:style>
+        <p:txBody>
+          <a:bodyPr rot="0" spcFirstLastPara="0" vertOverflow="overflow" horzOverflow="overflow" vert="horz" wrap="square" lIns="91440" tIns="45720" rIns="91440" bIns="45720" numCol="1" spcCol="0" rtlCol="0" fromWordArt="0" anchor="ctr" anchorCtr="0" forceAA="0" compatLnSpc="1">
+            <a:prstTxWarp prst="textNoShape">
+              <a:avLst/>
+            </a:prstTxWarp>
+            <a:noAutofit/>
+          </a:bodyPr>
+          <a:lstStyle/>
+          <a:p>
+            <a:pPr algn="ctr"/>
+            <a:r>
+              <a:rPr lang="en-US" sz="1100" b="1" dirty="0">
+                <a:solidFill>
+                  <a:schemeClr val="tx1"/>
+                </a:solidFill>
+              </a:rPr>
+              <a:t>Critical Failure: 1D6 DV</a:t>
+            </a:r>
+          </a:p>
+        </p:txBody>
+      </p:sp>
+      <p:sp>
+        <p:nvSpPr>
+          <p:cNvPr id="56" name="Rectangle 55">
+            <a:extLst>
+              <a:ext uri="{FF2B5EF4-FFF2-40B4-BE49-F238E27FC236}">
+                <a16:creationId xmlns:a16="http://schemas.microsoft.com/office/drawing/2014/main" id="{E0232BCD-D7C3-DF40-A9A5-355E34FC941D}"/>
+              </a:ext>
+            </a:extLst>
+          </p:cNvPr>
+          <p:cNvSpPr/>
+          <p:nvPr/>
+        </p:nvSpPr>
+        <p:spPr>
+          <a:xfrm>
+            <a:off x="5705420" y="5261672"/>
+            <a:ext cx="2376000" cy="248400"/>
+          </a:xfrm>
+          <a:prstGeom prst="rect">
+            <a:avLst/>
+          </a:prstGeom>
+          <a:pattFill prst="wdUpDiag">
+            <a:fgClr>
+              <a:schemeClr val="accent2">
+                <a:lumMod val="60000"/>
+                <a:lumOff val="40000"/>
+              </a:schemeClr>
+            </a:fgClr>
+            <a:bgClr>
+              <a:schemeClr val="bg1"/>
+            </a:bgClr>
+          </a:pattFill>
+          <a:ln>
+            <a:solidFill>
+              <a:schemeClr val="tx1"/>
+            </a:solidFill>
+          </a:ln>
+        </p:spPr>
+        <p:style>
+          <a:lnRef idx="2">
+            <a:schemeClr val="accent1">
+              <a:shade val="50000"/>
+            </a:schemeClr>
+          </a:lnRef>
+          <a:fillRef idx="1">
+            <a:schemeClr val="accent1"/>
+          </a:fillRef>
+          <a:effectRef idx="0">
+            <a:schemeClr val="accent1"/>
+          </a:effectRef>
+          <a:fontRef idx="minor">
+            <a:schemeClr val="lt1"/>
+          </a:fontRef>
+        </p:style>
+        <p:txBody>
+          <a:bodyPr rot="0" spcFirstLastPara="0" vertOverflow="overflow" horzOverflow="overflow" vert="horz" wrap="square" lIns="91440" tIns="45720" rIns="91440" bIns="45720" numCol="1" spcCol="0" rtlCol="0" fromWordArt="0" anchor="ctr" anchorCtr="0" forceAA="0" compatLnSpc="1">
+            <a:prstTxWarp prst="textNoShape">
+              <a:avLst/>
+            </a:prstTxWarp>
+            <a:noAutofit/>
+          </a:bodyPr>
+          <a:lstStyle/>
+          <a:p>
+            <a:pPr algn="ctr"/>
+            <a:r>
+              <a:rPr lang="en-US" sz="1100" b="1" dirty="0">
+                <a:solidFill>
+                  <a:schemeClr val="tx1"/>
+                </a:solidFill>
+              </a:rPr>
+              <a:t>Defender Critical Success</a:t>
+            </a:r>
+            <a:r>
+              <a:rPr lang="en-US" sz="1100" dirty="0">
+                <a:solidFill>
+                  <a:schemeClr val="tx1"/>
+                </a:solidFill>
+              </a:rPr>
+              <a:t>: Lock Out</a:t>
+            </a:r>
+          </a:p>
+        </p:txBody>
+      </p:sp>
+      <p:sp>
+        <p:nvSpPr>
+          <p:cNvPr id="57" name="Rectangle 56">
+            <a:extLst>
+              <a:ext uri="{FF2B5EF4-FFF2-40B4-BE49-F238E27FC236}">
+                <a16:creationId xmlns:a16="http://schemas.microsoft.com/office/drawing/2014/main" id="{2BAF5EF5-8A19-DB43-AE82-3AF786FDD527}"/>
+              </a:ext>
+            </a:extLst>
+          </p:cNvPr>
+          <p:cNvSpPr/>
+          <p:nvPr/>
+        </p:nvSpPr>
+        <p:spPr>
+          <a:xfrm>
+            <a:off x="5705420" y="5612754"/>
+            <a:ext cx="2376000" cy="594911"/>
+          </a:xfrm>
+          <a:prstGeom prst="rect">
+            <a:avLst/>
+          </a:prstGeom>
+          <a:pattFill prst="wdUpDiag">
+            <a:fgClr>
+              <a:schemeClr val="bg1">
+                <a:lumMod val="95000"/>
+              </a:schemeClr>
+            </a:fgClr>
+            <a:bgClr>
+              <a:schemeClr val="bg1"/>
+            </a:bgClr>
+          </a:pattFill>
+          <a:ln>
+            <a:solidFill>
+              <a:schemeClr val="tx1"/>
+            </a:solidFill>
+          </a:ln>
+        </p:spPr>
+        <p:style>
+          <a:lnRef idx="2">
+            <a:schemeClr val="accent1">
+              <a:shade val="50000"/>
+            </a:schemeClr>
+          </a:lnRef>
+          <a:fillRef idx="1">
+            <a:schemeClr val="accent1"/>
+          </a:fillRef>
+          <a:effectRef idx="0">
+            <a:schemeClr val="accent1"/>
+          </a:effectRef>
+          <a:fontRef idx="minor">
+            <a:schemeClr val="lt1"/>
+          </a:fontRef>
+        </p:style>
+        <p:txBody>
+          <a:bodyPr rot="0" spcFirstLastPara="0" vertOverflow="overflow" horzOverflow="overflow" vert="horz" wrap="square" lIns="91440" tIns="45720" rIns="91440" bIns="45720" numCol="1" spcCol="0" rtlCol="0" fromWordArt="0" anchor="ctr" anchorCtr="0" forceAA="0" compatLnSpc="1">
+            <a:prstTxWarp prst="textNoShape">
+              <a:avLst/>
+            </a:prstTxWarp>
+            <a:noAutofit/>
+          </a:bodyPr>
+          <a:lstStyle/>
+          <a:p>
+            <a:pPr algn="ctr"/>
+            <a:r>
+              <a:rPr lang="en-US" sz="1100" b="1" dirty="0">
+                <a:solidFill>
+                  <a:schemeClr val="tx1"/>
+                </a:solidFill>
+              </a:rPr>
+              <a:t>Defender success regardless outcome</a:t>
+            </a:r>
+            <a:r>
+              <a:rPr lang="en-US" sz="1100" dirty="0">
+                <a:solidFill>
+                  <a:schemeClr val="tx1"/>
+                </a:solidFill>
+              </a:rPr>
+              <a:t>: Aware of </a:t>
+            </a:r>
+            <a:r>
+              <a:rPr lang="en-US" sz="1100" i="1" dirty="0">
+                <a:solidFill>
+                  <a:schemeClr val="tx1"/>
+                </a:solidFill>
+              </a:rPr>
+              <a:t>something. </a:t>
+            </a:r>
+            <a:endParaRPr lang="en-US" sz="1100" dirty="0">
+              <a:solidFill>
+                <a:schemeClr val="tx1"/>
+              </a:solidFill>
+            </a:endParaRPr>
+          </a:p>
+        </p:txBody>
+      </p:sp>
+      <p:sp>
+        <p:nvSpPr>
+          <p:cNvPr id="58" name="Rectangle 57">
+            <a:extLst>
+              <a:ext uri="{FF2B5EF4-FFF2-40B4-BE49-F238E27FC236}">
+                <a16:creationId xmlns:a16="http://schemas.microsoft.com/office/drawing/2014/main" id="{E9D76EA5-F54A-DA40-A8B4-93D23746F17D}"/>
+              </a:ext>
+            </a:extLst>
+          </p:cNvPr>
+          <p:cNvSpPr/>
+          <p:nvPr/>
+        </p:nvSpPr>
+        <p:spPr>
+          <a:xfrm>
+            <a:off x="3239051" y="6352899"/>
+            <a:ext cx="4841997" cy="382577"/>
+          </a:xfrm>
+          <a:prstGeom prst="rect">
+            <a:avLst/>
+          </a:prstGeom>
+          <a:solidFill>
+            <a:schemeClr val="tx2">
+              <a:lumMod val="60000"/>
+              <a:lumOff val="40000"/>
+            </a:schemeClr>
+          </a:solidFill>
+          <a:ln>
+            <a:solidFill>
+              <a:schemeClr val="tx1"/>
+            </a:solidFill>
+          </a:ln>
+        </p:spPr>
+        <p:style>
+          <a:lnRef idx="2">
+            <a:schemeClr val="accent1">
+              <a:shade val="50000"/>
+            </a:schemeClr>
+          </a:lnRef>
+          <a:fillRef idx="1">
+            <a:schemeClr val="accent1"/>
+          </a:fillRef>
+          <a:effectRef idx="0">
+            <a:schemeClr val="accent1"/>
+          </a:effectRef>
+          <a:fontRef idx="minor">
+            <a:schemeClr val="lt1"/>
+          </a:fontRef>
+        </p:style>
+        <p:txBody>
+          <a:bodyPr rot="0" spcFirstLastPara="0" vertOverflow="overflow" horzOverflow="overflow" vert="horz" wrap="square" lIns="91440" tIns="45720" rIns="91440" bIns="45720" numCol="1" spcCol="0" rtlCol="0" fromWordArt="0" anchor="ctr" anchorCtr="0" forceAA="0" compatLnSpc="1">
+            <a:prstTxWarp prst="textNoShape">
+              <a:avLst/>
+            </a:prstTxWarp>
+            <a:noAutofit/>
+          </a:bodyPr>
+          <a:lstStyle/>
+          <a:p>
+            <a:pPr algn="ctr"/>
+            <a:r>
+              <a:rPr lang="en-US" sz="1600" b="1" dirty="0">
+                <a:solidFill>
+                  <a:schemeClr val="tx1"/>
+                </a:solidFill>
+              </a:rPr>
+              <a:t>Infection Test</a:t>
+            </a:r>
+          </a:p>
+        </p:txBody>
+      </p:sp>
+      <p:sp>
+        <p:nvSpPr>
+          <p:cNvPr id="59" name="Rectangle 58">
+            <a:extLst>
+              <a:ext uri="{FF2B5EF4-FFF2-40B4-BE49-F238E27FC236}">
+                <a16:creationId xmlns:a16="http://schemas.microsoft.com/office/drawing/2014/main" id="{A33EDE10-0136-1C41-87C7-A6774615CC51}"/>
+              </a:ext>
+            </a:extLst>
+          </p:cNvPr>
+          <p:cNvSpPr/>
+          <p:nvPr/>
+        </p:nvSpPr>
+        <p:spPr>
+          <a:xfrm>
+            <a:off x="772685" y="6352899"/>
+            <a:ext cx="2375629" cy="382577"/>
+          </a:xfrm>
+          <a:prstGeom prst="rect">
+            <a:avLst/>
+          </a:prstGeom>
+          <a:pattFill prst="wdUpDiag">
+            <a:fgClr>
+              <a:schemeClr val="tx2">
+                <a:lumMod val="20000"/>
+                <a:lumOff val="80000"/>
+              </a:schemeClr>
+            </a:fgClr>
+            <a:bgClr>
+              <a:schemeClr val="bg1"/>
+            </a:bgClr>
+          </a:pattFill>
+          <a:ln>
+            <a:solidFill>
+              <a:schemeClr val="tx1"/>
+            </a:solidFill>
+          </a:ln>
+        </p:spPr>
+        <p:style>
+          <a:lnRef idx="2">
+            <a:schemeClr val="accent1">
+              <a:shade val="50000"/>
+            </a:schemeClr>
+          </a:lnRef>
+          <a:fillRef idx="1">
+            <a:schemeClr val="accent1"/>
+          </a:fillRef>
+          <a:effectRef idx="0">
+            <a:schemeClr val="accent1"/>
+          </a:effectRef>
+          <a:fontRef idx="minor">
+            <a:schemeClr val="lt1"/>
+          </a:fontRef>
+        </p:style>
+        <p:txBody>
+          <a:bodyPr rot="0" spcFirstLastPara="0" vertOverflow="overflow" horzOverflow="overflow" vert="horz" wrap="square" lIns="91440" tIns="45720" rIns="91440" bIns="45720" numCol="1" spcCol="0" rtlCol="0" fromWordArt="0" anchor="ctr" anchorCtr="0" forceAA="0" compatLnSpc="1">
+            <a:prstTxWarp prst="textNoShape">
+              <a:avLst/>
+            </a:prstTxWarp>
+            <a:noAutofit/>
+          </a:bodyPr>
+          <a:lstStyle/>
+          <a:p>
+            <a:pPr algn="ctr"/>
+            <a:r>
+              <a:rPr lang="en-US" sz="1600" b="1" dirty="0">
+                <a:solidFill>
+                  <a:schemeClr val="tx1"/>
+                </a:solidFill>
+              </a:rPr>
+              <a:t>Infection Test</a:t>
+            </a:r>
+            <a:r>
+              <a:rPr lang="en-US" sz="1600" dirty="0">
+                <a:solidFill>
+                  <a:schemeClr val="tx1"/>
+                </a:solidFill>
+              </a:rPr>
+              <a:t> (if pushed)</a:t>
+            </a:r>
+          </a:p>
+        </p:txBody>
+      </p:sp>
+      <p:cxnSp>
+        <p:nvCxnSpPr>
+          <p:cNvPr id="60" name="Straight Connector 59">
+            <a:extLst>
+              <a:ext uri="{FF2B5EF4-FFF2-40B4-BE49-F238E27FC236}">
+                <a16:creationId xmlns:a16="http://schemas.microsoft.com/office/drawing/2014/main" id="{A08F117B-F3C0-1C49-B2F4-7D3FAE46CB9A}"/>
+              </a:ext>
+            </a:extLst>
+          </p:cNvPr>
+          <p:cNvCxnSpPr>
+            <a:cxnSpLocks/>
+          </p:cNvCxnSpPr>
+          <p:nvPr/>
+        </p:nvCxnSpPr>
+        <p:spPr>
+          <a:xfrm>
+            <a:off x="4426867" y="5150978"/>
+            <a:ext cx="0" cy="1201921"/>
+          </a:xfrm>
+          <a:prstGeom prst="line">
+            <a:avLst/>
+          </a:prstGeom>
+        </p:spPr>
+        <p:style>
+          <a:lnRef idx="1">
+            <a:schemeClr val="accent1"/>
+          </a:lnRef>
+          <a:fillRef idx="0">
+            <a:schemeClr val="accent1"/>
+          </a:fillRef>
+          <a:effectRef idx="0">
+            <a:schemeClr val="accent1"/>
+          </a:effectRef>
+          <a:fontRef idx="minor">
+            <a:schemeClr val="tx1"/>
+          </a:fontRef>
+        </p:style>
+      </p:cxnSp>
+      <p:cxnSp>
+        <p:nvCxnSpPr>
+          <p:cNvPr id="61" name="Straight Connector 60">
+            <a:extLst>
+              <a:ext uri="{FF2B5EF4-FFF2-40B4-BE49-F238E27FC236}">
+                <a16:creationId xmlns:a16="http://schemas.microsoft.com/office/drawing/2014/main" id="{24E58AEE-0FC0-D449-8DE5-FB0129514277}"/>
+              </a:ext>
+            </a:extLst>
+          </p:cNvPr>
+          <p:cNvCxnSpPr>
+            <a:cxnSpLocks/>
+          </p:cNvCxnSpPr>
+          <p:nvPr/>
+        </p:nvCxnSpPr>
+        <p:spPr>
+          <a:xfrm>
+            <a:off x="4420631" y="3745108"/>
+            <a:ext cx="0" cy="460295"/>
+          </a:xfrm>
+          <a:prstGeom prst="line">
+            <a:avLst/>
+          </a:prstGeom>
+        </p:spPr>
+        <p:style>
+          <a:lnRef idx="1">
+            <a:schemeClr val="accent1"/>
+          </a:lnRef>
+          <a:fillRef idx="0">
+            <a:schemeClr val="accent1"/>
+          </a:fillRef>
+          <a:effectRef idx="0">
+            <a:schemeClr val="accent1"/>
+          </a:effectRef>
+          <a:fontRef idx="minor">
+            <a:schemeClr val="tx1"/>
+          </a:fontRef>
+        </p:style>
+      </p:cxnSp>
+      <p:sp>
+        <p:nvSpPr>
+          <p:cNvPr id="63" name="Rectangle 62">
+            <a:extLst>
+              <a:ext uri="{FF2B5EF4-FFF2-40B4-BE49-F238E27FC236}">
+                <a16:creationId xmlns:a16="http://schemas.microsoft.com/office/drawing/2014/main" id="{0FC8E331-DD4A-6549-B397-0624E8185DD0}"/>
+              </a:ext>
+            </a:extLst>
+          </p:cNvPr>
+          <p:cNvSpPr/>
+          <p:nvPr/>
+        </p:nvSpPr>
+        <p:spPr>
+          <a:xfrm>
+            <a:off x="772682" y="1229302"/>
+            <a:ext cx="2375629" cy="616307"/>
+          </a:xfrm>
+          <a:prstGeom prst="rect">
+            <a:avLst/>
+          </a:prstGeom>
+          <a:solidFill>
+            <a:schemeClr val="bg2">
+              <a:lumMod val="75000"/>
+            </a:schemeClr>
+          </a:solidFill>
+          <a:ln>
+            <a:solidFill>
+              <a:schemeClr val="tx1"/>
+            </a:solidFill>
+          </a:ln>
+        </p:spPr>
+        <p:style>
+          <a:lnRef idx="2">
+            <a:schemeClr val="accent1">
+              <a:shade val="50000"/>
+            </a:schemeClr>
+          </a:lnRef>
+          <a:fillRef idx="1">
+            <a:schemeClr val="accent1"/>
+          </a:fillRef>
+          <a:effectRef idx="0">
+            <a:schemeClr val="accent1"/>
+          </a:effectRef>
+          <a:fontRef idx="minor">
+            <a:schemeClr val="lt1"/>
+          </a:fontRef>
+        </p:style>
+        <p:txBody>
+          <a:bodyPr rot="0" spcFirstLastPara="0" vertOverflow="overflow" horzOverflow="overflow" vert="horz" wrap="square" lIns="91440" tIns="45720" rIns="91440" bIns="45720" numCol="1" spcCol="0" rtlCol="0" fromWordArt="0" anchor="ctr" anchorCtr="0" forceAA="0" compatLnSpc="1">
+            <a:prstTxWarp prst="textNoShape">
+              <a:avLst/>
+            </a:prstTxWarp>
+            <a:noAutofit/>
+          </a:bodyPr>
+          <a:lstStyle/>
+          <a:p>
+            <a:pPr algn="ctr"/>
+            <a:r>
+              <a:rPr lang="en-US" sz="1100" b="1" dirty="0">
+                <a:solidFill>
+                  <a:schemeClr val="tx1"/>
+                </a:solidFill>
+              </a:rPr>
+              <a:t>Infection Rating 33+</a:t>
+            </a:r>
+          </a:p>
+          <a:p>
+            <a:pPr algn="ctr"/>
+            <a:r>
+              <a:rPr lang="en-US" sz="1100" dirty="0">
+                <a:solidFill>
+                  <a:schemeClr val="tx1"/>
+                </a:solidFill>
+              </a:rPr>
+              <a:t>“Increased Effect” push auto applied.</a:t>
+            </a:r>
+          </a:p>
+        </p:txBody>
+      </p:sp>
+      <p:sp>
+        <p:nvSpPr>
+          <p:cNvPr id="64" name="Rectangle 63">
+            <a:extLst>
+              <a:ext uri="{FF2B5EF4-FFF2-40B4-BE49-F238E27FC236}">
+                <a16:creationId xmlns:a16="http://schemas.microsoft.com/office/drawing/2014/main" id="{67374649-834C-E847-B3CE-B533A970F190}"/>
+              </a:ext>
+            </a:extLst>
+          </p:cNvPr>
+          <p:cNvSpPr/>
+          <p:nvPr/>
+        </p:nvSpPr>
+        <p:spPr>
+          <a:xfrm>
+            <a:off x="3239050" y="1229302"/>
+            <a:ext cx="4848604" cy="616307"/>
+          </a:xfrm>
+          <a:prstGeom prst="rect">
+            <a:avLst/>
+          </a:prstGeom>
+          <a:solidFill>
+            <a:schemeClr val="bg2">
+              <a:lumMod val="75000"/>
+            </a:schemeClr>
+          </a:solidFill>
+          <a:ln>
+            <a:solidFill>
+              <a:schemeClr val="tx1"/>
+            </a:solidFill>
+          </a:ln>
+        </p:spPr>
+        <p:style>
+          <a:lnRef idx="2">
+            <a:schemeClr val="accent1">
+              <a:shade val="50000"/>
+            </a:schemeClr>
+          </a:lnRef>
+          <a:fillRef idx="1">
+            <a:schemeClr val="accent1"/>
+          </a:fillRef>
+          <a:effectRef idx="0">
+            <a:schemeClr val="accent1"/>
+          </a:effectRef>
+          <a:fontRef idx="minor">
+            <a:schemeClr val="lt1"/>
+          </a:fontRef>
+        </p:style>
+        <p:txBody>
+          <a:bodyPr rot="0" spcFirstLastPara="0" vertOverflow="overflow" horzOverflow="overflow" vert="horz" wrap="square" lIns="91440" tIns="45720" rIns="91440" bIns="45720" numCol="1" spcCol="0" rtlCol="0" fromWordArt="0" anchor="ctr" anchorCtr="0" forceAA="0" compatLnSpc="1">
+            <a:prstTxWarp prst="textNoShape">
+              <a:avLst/>
+            </a:prstTxWarp>
+            <a:noAutofit/>
+          </a:bodyPr>
+          <a:lstStyle/>
+          <a:p>
+            <a:pPr algn="ctr"/>
+            <a:r>
+              <a:rPr lang="en-US" sz="1100" b="1" dirty="0">
+                <a:solidFill>
+                  <a:schemeClr val="tx1"/>
+                </a:solidFill>
+              </a:rPr>
+              <a:t>Infection Rating 66+</a:t>
+            </a:r>
+          </a:p>
+          <a:p>
+            <a:pPr algn="ctr"/>
+            <a:r>
+              <a:rPr lang="en-US" sz="1100" dirty="0">
+                <a:solidFill>
+                  <a:schemeClr val="tx1"/>
+                </a:solidFill>
+              </a:rPr>
+              <a:t>One free push effect applied (same each time).</a:t>
+            </a:r>
+          </a:p>
+        </p:txBody>
+      </p:sp>
+      <p:cxnSp>
+        <p:nvCxnSpPr>
+          <p:cNvPr id="65" name="Straight Connector 64">
+            <a:extLst>
+              <a:ext uri="{FF2B5EF4-FFF2-40B4-BE49-F238E27FC236}">
+                <a16:creationId xmlns:a16="http://schemas.microsoft.com/office/drawing/2014/main" id="{A4F20798-08EE-C14C-A1CA-E3A35051FAB4}"/>
+              </a:ext>
+            </a:extLst>
+          </p:cNvPr>
+          <p:cNvCxnSpPr>
+            <a:cxnSpLocks/>
+          </p:cNvCxnSpPr>
+          <p:nvPr/>
+        </p:nvCxnSpPr>
+        <p:spPr>
+          <a:xfrm>
+            <a:off x="4389798" y="1845609"/>
+            <a:ext cx="0" cy="1540974"/>
+          </a:xfrm>
+          <a:prstGeom prst="line">
+            <a:avLst/>
+          </a:prstGeom>
+        </p:spPr>
+        <p:style>
+          <a:lnRef idx="1">
+            <a:schemeClr val="accent1"/>
+          </a:lnRef>
+          <a:fillRef idx="0">
+            <a:schemeClr val="accent1"/>
+          </a:fillRef>
+          <a:effectRef idx="0">
+            <a:schemeClr val="accent1"/>
+          </a:effectRef>
+          <a:fontRef idx="minor">
+            <a:schemeClr val="tx1"/>
+          </a:fontRef>
+        </p:style>
+      </p:cxnSp>
+      <p:cxnSp>
+        <p:nvCxnSpPr>
+          <p:cNvPr id="66" name="Straight Connector 65">
+            <a:extLst>
+              <a:ext uri="{FF2B5EF4-FFF2-40B4-BE49-F238E27FC236}">
+                <a16:creationId xmlns:a16="http://schemas.microsoft.com/office/drawing/2014/main" id="{6369AC77-D286-F64B-9AEC-CCAE42522170}"/>
+              </a:ext>
+            </a:extLst>
+          </p:cNvPr>
+          <p:cNvCxnSpPr>
+            <a:cxnSpLocks/>
+            <a:stCxn id="63" idx="2"/>
+            <a:endCxn id="59" idx="0"/>
+          </p:cNvCxnSpPr>
+          <p:nvPr/>
+        </p:nvCxnSpPr>
+        <p:spPr>
+          <a:xfrm>
+            <a:off x="1960497" y="1845609"/>
+            <a:ext cx="3" cy="4507290"/>
+          </a:xfrm>
+          <a:prstGeom prst="line">
+            <a:avLst/>
+          </a:prstGeom>
+        </p:spPr>
+        <p:style>
+          <a:lnRef idx="1">
+            <a:schemeClr val="accent1"/>
+          </a:lnRef>
+          <a:fillRef idx="0">
+            <a:schemeClr val="accent1"/>
+          </a:fillRef>
+          <a:effectRef idx="0">
+            <a:schemeClr val="accent1"/>
+          </a:effectRef>
+          <a:fontRef idx="minor">
+            <a:schemeClr val="tx1"/>
+          </a:fontRef>
+        </p:style>
+      </p:cxnSp>
+      <p:cxnSp>
+        <p:nvCxnSpPr>
+          <p:cNvPr id="67" name="Straight Connector 66">
+            <a:extLst>
+              <a:ext uri="{FF2B5EF4-FFF2-40B4-BE49-F238E27FC236}">
+                <a16:creationId xmlns:a16="http://schemas.microsoft.com/office/drawing/2014/main" id="{22FE9D84-08DD-3E42-BBF2-E11A3DDC23BE}"/>
+              </a:ext>
+            </a:extLst>
+          </p:cNvPr>
+          <p:cNvCxnSpPr>
+            <a:cxnSpLocks/>
+            <a:stCxn id="15" idx="2"/>
+            <a:endCxn id="63" idx="0"/>
+          </p:cNvCxnSpPr>
+          <p:nvPr/>
+        </p:nvCxnSpPr>
+        <p:spPr>
+          <a:xfrm flipH="1">
+            <a:off x="1960497" y="771861"/>
+            <a:ext cx="1" cy="457441"/>
+          </a:xfrm>
+          <a:prstGeom prst="line">
+            <a:avLst/>
+          </a:prstGeom>
+        </p:spPr>
+        <p:style>
+          <a:lnRef idx="1">
+            <a:schemeClr val="accent1"/>
+          </a:lnRef>
+          <a:fillRef idx="0">
+            <a:schemeClr val="accent1"/>
+          </a:fillRef>
+          <a:effectRef idx="0">
+            <a:schemeClr val="accent1"/>
+          </a:effectRef>
+          <a:fontRef idx="minor">
+            <a:schemeClr val="tx1"/>
+          </a:fontRef>
+        </p:style>
+      </p:cxnSp>
+    </p:spTree>
+    <p:extLst>
+      <p:ext uri="{BB962C8B-B14F-4D97-AF65-F5344CB8AC3E}">
+        <p14:creationId xmlns:p14="http://schemas.microsoft.com/office/powerpoint/2010/main" val="315110799"/>
+      </p:ext>
+    </p:extLst>
+  </p:cSld>
+  <p:clrMapOvr>
+    <a:masterClrMapping/>
+  </p:clrMapOvr>
+</p:sld>
+</file>
+
+<file path=ppt/slides/slide9.xml><?xml version="1.0" encoding="utf-8"?>
+<p:sld xmlns:a="http://schemas.openxmlformats.org/drawingml/2006/main" xmlns:r="http://schemas.openxmlformats.org/officeDocument/2006/relationships" xmlns:p="http://schemas.openxmlformats.org/presentationml/2006/main">
+  <p:cSld>
+    <p:spTree>
+      <p:nvGrpSpPr>
+        <p:cNvPr id="1" name=""/>
+        <p:cNvGrpSpPr/>
+        <p:nvPr/>
+      </p:nvGrpSpPr>
+      <p:grpSpPr>
+        <a:xfrm>
+          <a:off x="0" y="0"/>
+          <a:ext cx="0" cy="0"/>
+          <a:chOff x="0" y="0"/>
+          <a:chExt cx="0" cy="0"/>
+        </a:xfrm>
+      </p:grpSpPr>
+      <p:sp>
+        <p:nvSpPr>
+          <p:cNvPr id="34" name="Rectangle 33">
+            <a:extLst>
+              <a:ext uri="{FF2B5EF4-FFF2-40B4-BE49-F238E27FC236}">
+                <a16:creationId xmlns:a16="http://schemas.microsoft.com/office/drawing/2014/main" id="{D8BBE71F-5B09-9A41-9F00-9260818688C5}"/>
+              </a:ext>
+            </a:extLst>
+          </p:cNvPr>
+          <p:cNvSpPr/>
+          <p:nvPr/>
+        </p:nvSpPr>
+        <p:spPr>
+          <a:xfrm>
+            <a:off x="5419598" y="2587706"/>
+            <a:ext cx="2556000" cy="1098757"/>
+          </a:xfrm>
+          <a:prstGeom prst="rect">
+            <a:avLst/>
+          </a:prstGeom>
+          <a:solidFill>
+            <a:schemeClr val="tx2">
+              <a:lumMod val="60000"/>
+              <a:lumOff val="40000"/>
+            </a:schemeClr>
+          </a:solidFill>
+          <a:ln>
+            <a:solidFill>
+              <a:schemeClr val="tx1"/>
+            </a:solidFill>
+          </a:ln>
+        </p:spPr>
+        <p:style>
+          <a:lnRef idx="2">
+            <a:schemeClr val="accent1">
+              <a:shade val="50000"/>
+            </a:schemeClr>
+          </a:lnRef>
+          <a:fillRef idx="1">
+            <a:schemeClr val="accent1"/>
+          </a:fillRef>
+          <a:effectRef idx="0">
+            <a:schemeClr val="accent1"/>
+          </a:effectRef>
+          <a:fontRef idx="minor">
+            <a:schemeClr val="lt1"/>
+          </a:fontRef>
+        </p:style>
+        <p:txBody>
+          <a:bodyPr rot="0" spcFirstLastPara="0" vertOverflow="overflow" horzOverflow="overflow" vert="horz" wrap="square" lIns="91440" tIns="45720" rIns="91440" bIns="45720" numCol="1" spcCol="0" rtlCol="0" fromWordArt="0" anchor="ctr" anchorCtr="0" forceAA="0" compatLnSpc="1">
+            <a:prstTxWarp prst="textNoShape">
+              <a:avLst/>
+            </a:prstTxWarp>
+            <a:noAutofit/>
+          </a:bodyPr>
+          <a:lstStyle/>
+          <a:p>
+            <a:pPr algn="ctr"/>
+            <a:r>
+              <a:rPr lang="en-US" sz="1600" b="1" dirty="0">
+                <a:solidFill>
+                  <a:schemeClr val="tx1"/>
+                </a:solidFill>
+              </a:rPr>
+              <a:t>Infection Test</a:t>
+            </a:r>
+          </a:p>
+          <a:p>
+            <a:pPr algn="ctr"/>
+            <a:r>
+              <a:rPr lang="en-US" sz="1100" dirty="0">
+                <a:solidFill>
+                  <a:schemeClr val="tx1"/>
+                </a:solidFill>
+              </a:rPr>
+              <a:t>(The ‘virus’ rolls, not the character)</a:t>
+            </a:r>
+          </a:p>
+        </p:txBody>
+      </p:sp>
+      <p:sp>
+        <p:nvSpPr>
+          <p:cNvPr id="37" name="Rectangle 36">
+            <a:extLst>
+              <a:ext uri="{FF2B5EF4-FFF2-40B4-BE49-F238E27FC236}">
+                <a16:creationId xmlns:a16="http://schemas.microsoft.com/office/drawing/2014/main" id="{1D852AD3-DBB6-814B-8E98-695037AB4800}"/>
+              </a:ext>
+            </a:extLst>
+          </p:cNvPr>
+          <p:cNvSpPr/>
+          <p:nvPr/>
+        </p:nvSpPr>
+        <p:spPr>
+          <a:xfrm>
+            <a:off x="2692947" y="1852198"/>
+            <a:ext cx="5282649" cy="616307"/>
+          </a:xfrm>
+          <a:prstGeom prst="rect">
+            <a:avLst/>
+          </a:prstGeom>
+          <a:solidFill>
+            <a:schemeClr val="bg2">
+              <a:lumMod val="75000"/>
+            </a:schemeClr>
+          </a:solidFill>
+          <a:ln>
+            <a:solidFill>
+              <a:schemeClr val="tx1"/>
+            </a:solidFill>
+          </a:ln>
+        </p:spPr>
+        <p:style>
+          <a:lnRef idx="2">
+            <a:schemeClr val="accent1">
+              <a:shade val="50000"/>
+            </a:schemeClr>
+          </a:lnRef>
+          <a:fillRef idx="1">
+            <a:schemeClr val="accent1"/>
+          </a:fillRef>
+          <a:effectRef idx="0">
+            <a:schemeClr val="accent1"/>
+          </a:effectRef>
+          <a:fontRef idx="minor">
+            <a:schemeClr val="lt1"/>
+          </a:fontRef>
+        </p:style>
+        <p:txBody>
+          <a:bodyPr rot="0" spcFirstLastPara="0" vertOverflow="overflow" horzOverflow="overflow" vert="horz" wrap="square" lIns="91440" tIns="45720" rIns="91440" bIns="45720" numCol="1" spcCol="0" rtlCol="0" fromWordArt="0" anchor="ctr" anchorCtr="0" forceAA="0" compatLnSpc="1">
+            <a:prstTxWarp prst="textNoShape">
+              <a:avLst/>
+            </a:prstTxWarp>
+            <a:noAutofit/>
+          </a:bodyPr>
+          <a:lstStyle/>
+          <a:p>
+            <a:pPr algn="ctr"/>
+            <a:r>
+              <a:rPr lang="en-US" sz="1400" b="1" dirty="0">
+                <a:solidFill>
+                  <a:schemeClr val="tx1"/>
+                </a:solidFill>
+              </a:rPr>
+              <a:t>Raise Infection Rating </a:t>
+            </a:r>
+            <a:r>
+              <a:rPr lang="en-US" sz="1400" dirty="0">
+                <a:solidFill>
+                  <a:schemeClr val="tx1"/>
+                </a:solidFill>
+              </a:rPr>
+              <a:t>(IR) by </a:t>
+            </a:r>
+          </a:p>
+          <a:p>
+            <a:pPr algn="ctr"/>
+            <a:r>
+              <a:rPr lang="en-US" sz="1400" dirty="0">
+                <a:solidFill>
+                  <a:schemeClr val="tx1"/>
+                </a:solidFill>
+              </a:rPr>
+              <a:t>Sleight’s </a:t>
+            </a:r>
+            <a:r>
+              <a:rPr lang="en-US" sz="1400" b="1" dirty="0">
+                <a:solidFill>
+                  <a:schemeClr val="tx1"/>
+                </a:solidFill>
+              </a:rPr>
+              <a:t>Infection Modifier </a:t>
+            </a:r>
+            <a:r>
+              <a:rPr lang="en-US" sz="1400" dirty="0">
+                <a:solidFill>
+                  <a:schemeClr val="tx1"/>
+                </a:solidFill>
+              </a:rPr>
+              <a:t>(IM)</a:t>
+            </a:r>
+          </a:p>
+        </p:txBody>
+      </p:sp>
+      <p:sp>
+        <p:nvSpPr>
+          <p:cNvPr id="47" name="Rectangle 46">
+            <a:extLst>
+              <a:ext uri="{FF2B5EF4-FFF2-40B4-BE49-F238E27FC236}">
+                <a16:creationId xmlns:a16="http://schemas.microsoft.com/office/drawing/2014/main" id="{75B1A238-8278-BD46-9AA3-98F8B1D83E97}"/>
+              </a:ext>
+            </a:extLst>
+          </p:cNvPr>
+          <p:cNvSpPr/>
+          <p:nvPr/>
+        </p:nvSpPr>
+        <p:spPr>
+          <a:xfrm>
+            <a:off x="2692949" y="2587708"/>
+            <a:ext cx="2556000" cy="1098757"/>
+          </a:xfrm>
+          <a:prstGeom prst="rect">
+            <a:avLst/>
+          </a:prstGeom>
+          <a:solidFill>
+            <a:schemeClr val="bg2">
+              <a:lumMod val="75000"/>
+            </a:schemeClr>
+          </a:solidFill>
+          <a:ln>
+            <a:solidFill>
+              <a:schemeClr val="tx1"/>
+            </a:solidFill>
+          </a:ln>
+        </p:spPr>
+        <p:style>
+          <a:lnRef idx="2">
+            <a:schemeClr val="accent1">
+              <a:shade val="50000"/>
+            </a:schemeClr>
+          </a:lnRef>
+          <a:fillRef idx="1">
+            <a:schemeClr val="accent1"/>
+          </a:fillRef>
+          <a:effectRef idx="0">
+            <a:schemeClr val="accent1"/>
+          </a:effectRef>
+          <a:fontRef idx="minor">
+            <a:schemeClr val="lt1"/>
+          </a:fontRef>
+        </p:style>
+        <p:txBody>
+          <a:bodyPr rot="0" spcFirstLastPara="0" vertOverflow="overflow" horzOverflow="overflow" vert="horz" wrap="square" lIns="91440" tIns="46800" rIns="91440" bIns="45720" numCol="1" spcCol="0" rtlCol="0" fromWordArt="0" anchor="ctr" anchorCtr="0" forceAA="0" compatLnSpc="1">
+            <a:prstTxWarp prst="textNoShape">
+              <a:avLst/>
+            </a:prstTxWarp>
+            <a:noAutofit/>
+          </a:bodyPr>
+          <a:lstStyle/>
+          <a:p>
+            <a:pPr algn="ctr"/>
+            <a:endParaRPr lang="en-US" sz="1400" b="1" dirty="0">
+              <a:solidFill>
+                <a:schemeClr val="tx1"/>
+              </a:solidFill>
+            </a:endParaRPr>
+          </a:p>
+          <a:p>
+            <a:pPr algn="ctr"/>
+            <a:r>
+              <a:rPr lang="en-US" sz="1400" b="1" dirty="0">
+                <a:solidFill>
+                  <a:schemeClr val="tx1"/>
+                </a:solidFill>
+              </a:rPr>
+              <a:t>Spending Moxie</a:t>
+            </a:r>
+          </a:p>
+          <a:p>
+            <a:r>
+              <a:rPr lang="en-US" sz="1050" b="1" dirty="0">
+                <a:solidFill>
+                  <a:schemeClr val="tx1"/>
+                </a:solidFill>
+              </a:rPr>
+              <a:t>1x:</a:t>
+            </a:r>
+            <a:r>
+              <a:rPr lang="en-US" sz="1050" dirty="0">
+                <a:solidFill>
+                  <a:schemeClr val="tx1"/>
+                </a:solidFill>
+              </a:rPr>
+              <a:t> Avoid test if not pushed.</a:t>
+            </a:r>
+          </a:p>
+          <a:p>
+            <a:r>
+              <a:rPr lang="en-US" sz="1050" b="1" dirty="0">
+                <a:solidFill>
+                  <a:schemeClr val="tx1"/>
+                </a:solidFill>
+              </a:rPr>
+              <a:t>1x</a:t>
+            </a:r>
+            <a:r>
+              <a:rPr lang="en-US" sz="1050" dirty="0">
+                <a:solidFill>
+                  <a:schemeClr val="tx1"/>
+                </a:solidFill>
+              </a:rPr>
+              <a:t>: Avoid DV if pushed. </a:t>
+            </a:r>
+          </a:p>
+          <a:p>
+            <a:r>
+              <a:rPr lang="en-US" sz="1050" b="1" dirty="0">
+                <a:solidFill>
+                  <a:schemeClr val="tx1"/>
+                </a:solidFill>
+              </a:rPr>
+              <a:t>2x: </a:t>
+            </a:r>
+            <a:r>
+              <a:rPr lang="en-US" sz="1050" dirty="0">
+                <a:solidFill>
+                  <a:schemeClr val="tx1"/>
+                </a:solidFill>
+              </a:rPr>
+              <a:t>Avoid test and DV if pushed</a:t>
+            </a:r>
+          </a:p>
+          <a:p>
+            <a:pPr algn="ctr"/>
+            <a:endParaRPr lang="en-US" sz="1400" b="1" dirty="0">
+              <a:solidFill>
+                <a:schemeClr val="tx1"/>
+              </a:solidFill>
+            </a:endParaRPr>
+          </a:p>
+        </p:txBody>
+      </p:sp>
+      <p:sp>
+        <p:nvSpPr>
+          <p:cNvPr id="48" name="Rectangle 47">
+            <a:extLst>
+              <a:ext uri="{FF2B5EF4-FFF2-40B4-BE49-F238E27FC236}">
+                <a16:creationId xmlns:a16="http://schemas.microsoft.com/office/drawing/2014/main" id="{143988BF-8B8F-B14C-A8F2-BA661E64FA20}"/>
+              </a:ext>
+            </a:extLst>
+          </p:cNvPr>
+          <p:cNvSpPr/>
+          <p:nvPr/>
+        </p:nvSpPr>
+        <p:spPr>
+          <a:xfrm>
+            <a:off x="2692947" y="1113867"/>
+            <a:ext cx="5282649" cy="616307"/>
+          </a:xfrm>
+          <a:prstGeom prst="rect">
+            <a:avLst/>
+          </a:prstGeom>
+          <a:pattFill prst="wdUpDiag">
+            <a:fgClr>
+              <a:schemeClr val="bg1">
+                <a:lumMod val="95000"/>
+              </a:schemeClr>
+            </a:fgClr>
+            <a:bgClr>
+              <a:schemeClr val="bg1"/>
+            </a:bgClr>
+          </a:pattFill>
+          <a:ln>
+            <a:solidFill>
+              <a:schemeClr val="tx1"/>
+            </a:solidFill>
+          </a:ln>
+        </p:spPr>
+        <p:style>
+          <a:lnRef idx="2">
+            <a:schemeClr val="accent1">
+              <a:shade val="50000"/>
+            </a:schemeClr>
+          </a:lnRef>
+          <a:fillRef idx="1">
+            <a:schemeClr val="accent1"/>
+          </a:fillRef>
+          <a:effectRef idx="0">
+            <a:schemeClr val="accent1"/>
+          </a:effectRef>
+          <a:fontRef idx="minor">
+            <a:schemeClr val="lt1"/>
+          </a:fontRef>
+        </p:style>
+        <p:txBody>
+          <a:bodyPr rot="0" spcFirstLastPara="0" vertOverflow="overflow" horzOverflow="overflow" vert="horz" wrap="square" lIns="91440" tIns="45720" rIns="91440" bIns="45720" numCol="1" spcCol="0" rtlCol="0" fromWordArt="0" anchor="ctr" anchorCtr="0" forceAA="0" compatLnSpc="1">
+            <a:prstTxWarp prst="textNoShape">
+              <a:avLst/>
+            </a:prstTxWarp>
+            <a:noAutofit/>
+          </a:bodyPr>
+          <a:lstStyle/>
+          <a:p>
+            <a:pPr algn="ctr"/>
+            <a:r>
+              <a:rPr lang="en-US" sz="1400" b="1" dirty="0">
+                <a:solidFill>
+                  <a:schemeClr val="tx1"/>
+                </a:solidFill>
+              </a:rPr>
+              <a:t>If Pushed Psi Chi</a:t>
+            </a:r>
+            <a:r>
+              <a:rPr lang="en-US" sz="1400" dirty="0">
+                <a:solidFill>
+                  <a:schemeClr val="tx1"/>
+                </a:solidFill>
+              </a:rPr>
+              <a:t>: IM + 5 and 1D6 DV</a:t>
+            </a:r>
+          </a:p>
+          <a:p>
+            <a:pPr algn="ctr"/>
+            <a:r>
+              <a:rPr lang="en-US" sz="1400" b="1" dirty="0">
+                <a:solidFill>
+                  <a:schemeClr val="tx1"/>
+                </a:solidFill>
+              </a:rPr>
+              <a:t>If Pushed Psi Gamma</a:t>
+            </a:r>
+            <a:r>
+              <a:rPr lang="en-US" sz="1400" dirty="0">
+                <a:solidFill>
+                  <a:schemeClr val="tx1"/>
+                </a:solidFill>
+              </a:rPr>
+              <a:t>: IM x 2 and 1D6 DV</a:t>
+            </a:r>
+          </a:p>
+        </p:txBody>
+      </p:sp>
+      <p:sp>
+        <p:nvSpPr>
+          <p:cNvPr id="49" name="Rectangle 48">
+            <a:extLst>
+              <a:ext uri="{FF2B5EF4-FFF2-40B4-BE49-F238E27FC236}">
+                <a16:creationId xmlns:a16="http://schemas.microsoft.com/office/drawing/2014/main" id="{52189F9F-7B86-7342-ACAD-2BF7B6FAF9FC}"/>
+              </a:ext>
+            </a:extLst>
+          </p:cNvPr>
+          <p:cNvSpPr/>
+          <p:nvPr/>
+        </p:nvSpPr>
+        <p:spPr>
+          <a:xfrm>
+            <a:off x="5419596" y="4839836"/>
+            <a:ext cx="2556000" cy="594911"/>
+          </a:xfrm>
+          <a:prstGeom prst="rect">
+            <a:avLst/>
+          </a:prstGeom>
+          <a:solidFill>
+            <a:schemeClr val="accent6">
+              <a:lumMod val="20000"/>
+              <a:lumOff val="80000"/>
+            </a:schemeClr>
+          </a:solidFill>
+          <a:ln>
+            <a:solidFill>
+              <a:schemeClr val="tx1"/>
+            </a:solidFill>
+          </a:ln>
+        </p:spPr>
+        <p:style>
+          <a:lnRef idx="2">
+            <a:schemeClr val="accent1">
+              <a:shade val="50000"/>
+            </a:schemeClr>
+          </a:lnRef>
+          <a:fillRef idx="1">
+            <a:schemeClr val="accent1"/>
+          </a:fillRef>
+          <a:effectRef idx="0">
+            <a:schemeClr val="accent1"/>
+          </a:effectRef>
+          <a:fontRef idx="minor">
+            <a:schemeClr val="lt1"/>
+          </a:fontRef>
+        </p:style>
+        <p:txBody>
+          <a:bodyPr rot="0" spcFirstLastPara="0" vertOverflow="overflow" horzOverflow="overflow" vert="horz" wrap="square" lIns="91440" tIns="45720" rIns="91440" bIns="45720" numCol="1" spcCol="0" rtlCol="0" fromWordArt="0" anchor="ctr" anchorCtr="0" forceAA="0" compatLnSpc="1">
+            <a:prstTxWarp prst="textNoShape">
+              <a:avLst/>
+            </a:prstTxWarp>
+            <a:noAutofit/>
+          </a:bodyPr>
+          <a:lstStyle/>
+          <a:p>
+            <a:pPr algn="ctr"/>
+            <a:r>
+              <a:rPr lang="en-US" sz="1400" b="1" dirty="0">
+                <a:solidFill>
+                  <a:schemeClr val="tx1"/>
+                </a:solidFill>
+              </a:rPr>
+              <a:t>Success</a:t>
+            </a:r>
+          </a:p>
+          <a:p>
+            <a:pPr algn="ctr"/>
+            <a:r>
+              <a:rPr lang="en-US" sz="1100" dirty="0">
+                <a:solidFill>
+                  <a:schemeClr val="tx1"/>
+                </a:solidFill>
+              </a:rPr>
+              <a:t>Roll D6 (1+ per </a:t>
+            </a:r>
+            <a:r>
+              <a:rPr lang="en-US" sz="1100" b="1" dirty="0">
+                <a:solidFill>
+                  <a:schemeClr val="tx1"/>
+                </a:solidFill>
+              </a:rPr>
+              <a:t>superior</a:t>
+            </a:r>
+            <a:r>
+              <a:rPr lang="en-US" sz="1100" dirty="0">
+                <a:solidFill>
+                  <a:schemeClr val="tx1"/>
+                </a:solidFill>
+              </a:rPr>
+              <a:t>), </a:t>
+            </a:r>
+          </a:p>
+          <a:p>
+            <a:pPr algn="ctr"/>
+            <a:r>
+              <a:rPr lang="en-US" sz="1100" b="1" dirty="0">
+                <a:solidFill>
+                  <a:schemeClr val="tx1"/>
+                </a:solidFill>
+              </a:rPr>
+              <a:t>consult strain table</a:t>
+            </a:r>
+            <a:r>
+              <a:rPr lang="en-US" sz="1100" dirty="0">
+                <a:solidFill>
+                  <a:schemeClr val="tx1"/>
+                </a:solidFill>
+              </a:rPr>
+              <a:t>.</a:t>
+            </a:r>
+          </a:p>
+        </p:txBody>
+      </p:sp>
+      <p:sp>
+        <p:nvSpPr>
+          <p:cNvPr id="50" name="Rectangle 49">
+            <a:extLst>
+              <a:ext uri="{FF2B5EF4-FFF2-40B4-BE49-F238E27FC236}">
+                <a16:creationId xmlns:a16="http://schemas.microsoft.com/office/drawing/2014/main" id="{B7BD6F5A-5E41-6E45-A49A-5AB3011EF1EF}"/>
+              </a:ext>
+            </a:extLst>
+          </p:cNvPr>
+          <p:cNvSpPr/>
+          <p:nvPr/>
+        </p:nvSpPr>
+        <p:spPr>
+          <a:xfrm>
+            <a:off x="2692949" y="4839836"/>
+            <a:ext cx="2556000" cy="594911"/>
+          </a:xfrm>
+          <a:prstGeom prst="rect">
+            <a:avLst/>
+          </a:prstGeom>
+          <a:solidFill>
+            <a:schemeClr val="accent6">
+              <a:lumMod val="75000"/>
+            </a:schemeClr>
+          </a:solidFill>
+          <a:ln>
+            <a:solidFill>
+              <a:schemeClr val="tx1"/>
+            </a:solidFill>
+          </a:ln>
+        </p:spPr>
+        <p:style>
+          <a:lnRef idx="2">
+            <a:schemeClr val="accent1">
+              <a:shade val="50000"/>
+            </a:schemeClr>
+          </a:lnRef>
+          <a:fillRef idx="1">
+            <a:schemeClr val="accent1"/>
+          </a:fillRef>
+          <a:effectRef idx="0">
+            <a:schemeClr val="accent1"/>
+          </a:effectRef>
+          <a:fontRef idx="minor">
+            <a:schemeClr val="lt1"/>
+          </a:fontRef>
+        </p:style>
+        <p:txBody>
+          <a:bodyPr rot="0" spcFirstLastPara="0" vertOverflow="overflow" horzOverflow="overflow" vert="horz" wrap="square" lIns="91440" tIns="45720" rIns="91440" bIns="45720" numCol="1" spcCol="0" rtlCol="0" fromWordArt="0" anchor="ctr" anchorCtr="0" forceAA="0" compatLnSpc="1">
+            <a:prstTxWarp prst="textNoShape">
+              <a:avLst/>
+            </a:prstTxWarp>
+            <a:noAutofit/>
+          </a:bodyPr>
+          <a:lstStyle/>
+          <a:p>
+            <a:pPr algn="ctr"/>
+            <a:r>
+              <a:rPr lang="en-US" sz="1400" b="1" dirty="0">
+                <a:solidFill>
+                  <a:schemeClr val="tx1"/>
+                </a:solidFill>
+              </a:rPr>
+              <a:t>Critical Success</a:t>
+            </a:r>
+          </a:p>
+          <a:p>
+            <a:pPr algn="ctr"/>
+            <a:r>
+              <a:rPr lang="en-US" sz="1100" b="1" dirty="0">
+                <a:solidFill>
+                  <a:schemeClr val="tx1"/>
+                </a:solidFill>
+              </a:rPr>
+              <a:t>Checkout</a:t>
+            </a:r>
+            <a:r>
+              <a:rPr lang="en-US" sz="1100" dirty="0">
+                <a:solidFill>
+                  <a:schemeClr val="tx1"/>
+                </a:solidFill>
+              </a:rPr>
+              <a:t> (takes over in sleep), </a:t>
+            </a:r>
+          </a:p>
+          <a:p>
+            <a:pPr algn="ctr"/>
+            <a:r>
+              <a:rPr lang="en-US" sz="1100" b="1" dirty="0">
+                <a:solidFill>
+                  <a:schemeClr val="tx1"/>
+                </a:solidFill>
+              </a:rPr>
+              <a:t>Interference</a:t>
+            </a:r>
+            <a:r>
+              <a:rPr lang="en-US" sz="1100" dirty="0">
+                <a:solidFill>
+                  <a:schemeClr val="tx1"/>
+                </a:solidFill>
+              </a:rPr>
+              <a:t> (critical failure in future).</a:t>
+            </a:r>
+          </a:p>
+        </p:txBody>
+      </p:sp>
+      <p:sp>
+        <p:nvSpPr>
+          <p:cNvPr id="51" name="Rectangle 50">
+            <a:extLst>
+              <a:ext uri="{FF2B5EF4-FFF2-40B4-BE49-F238E27FC236}">
+                <a16:creationId xmlns:a16="http://schemas.microsoft.com/office/drawing/2014/main" id="{292E18AE-B73A-E345-80E4-A332D325729F}"/>
+              </a:ext>
+            </a:extLst>
+          </p:cNvPr>
+          <p:cNvSpPr/>
+          <p:nvPr/>
+        </p:nvSpPr>
+        <p:spPr>
+          <a:xfrm>
+            <a:off x="2692948" y="4421971"/>
+            <a:ext cx="5282648" cy="329187"/>
+          </a:xfrm>
+          <a:prstGeom prst="rect">
+            <a:avLst/>
+          </a:prstGeom>
+          <a:solidFill>
+            <a:schemeClr val="accent2">
+              <a:lumMod val="60000"/>
+              <a:lumOff val="40000"/>
+            </a:schemeClr>
+          </a:solidFill>
+          <a:ln>
+            <a:solidFill>
+              <a:schemeClr val="tx1"/>
+            </a:solidFill>
+          </a:ln>
+        </p:spPr>
+        <p:style>
+          <a:lnRef idx="2">
+            <a:schemeClr val="accent1">
+              <a:shade val="50000"/>
+            </a:schemeClr>
+          </a:lnRef>
+          <a:fillRef idx="1">
+            <a:schemeClr val="accent1"/>
+          </a:fillRef>
+          <a:effectRef idx="0">
+            <a:schemeClr val="accent1"/>
+          </a:effectRef>
+          <a:fontRef idx="minor">
+            <a:schemeClr val="lt1"/>
+          </a:fontRef>
+        </p:style>
+        <p:txBody>
+          <a:bodyPr rot="0" spcFirstLastPara="0" vertOverflow="overflow" horzOverflow="overflow" vert="horz" wrap="square" lIns="91440" tIns="45720" rIns="91440" bIns="45720" numCol="1" spcCol="0" rtlCol="0" fromWordArt="0" anchor="ctr" anchorCtr="0" forceAA="0" compatLnSpc="1">
+            <a:prstTxWarp prst="textNoShape">
+              <a:avLst/>
+            </a:prstTxWarp>
+            <a:noAutofit/>
+          </a:bodyPr>
+          <a:lstStyle/>
+          <a:p>
+            <a:pPr algn="ctr"/>
+            <a:r>
+              <a:rPr lang="en-US" sz="1400" b="1" dirty="0">
+                <a:solidFill>
+                  <a:schemeClr val="tx1"/>
+                </a:solidFill>
+              </a:rPr>
+              <a:t>Failure: </a:t>
+            </a:r>
+            <a:r>
+              <a:rPr lang="en-US" sz="1400" dirty="0">
+                <a:solidFill>
+                  <a:schemeClr val="tx1"/>
+                </a:solidFill>
+              </a:rPr>
+              <a:t>Nothing else happens.</a:t>
+            </a:r>
+          </a:p>
+        </p:txBody>
+      </p:sp>
+      <p:sp>
+        <p:nvSpPr>
+          <p:cNvPr id="52" name="Rectangle 51">
+            <a:extLst>
+              <a:ext uri="{FF2B5EF4-FFF2-40B4-BE49-F238E27FC236}">
+                <a16:creationId xmlns:a16="http://schemas.microsoft.com/office/drawing/2014/main" id="{018F6566-7ED5-5B49-8AA8-9C2783320564}"/>
+              </a:ext>
+            </a:extLst>
+          </p:cNvPr>
+          <p:cNvSpPr/>
+          <p:nvPr/>
+        </p:nvSpPr>
+        <p:spPr>
+          <a:xfrm>
+            <a:off x="2692948" y="4015650"/>
+            <a:ext cx="5282649" cy="329187"/>
+          </a:xfrm>
+          <a:prstGeom prst="rect">
+            <a:avLst/>
+          </a:prstGeom>
+          <a:solidFill>
+            <a:srgbClr val="FF0000"/>
+          </a:solidFill>
+          <a:ln>
+            <a:solidFill>
+              <a:schemeClr val="tx1"/>
+            </a:solidFill>
+          </a:ln>
+        </p:spPr>
+        <p:style>
+          <a:lnRef idx="2">
+            <a:schemeClr val="accent1">
+              <a:shade val="50000"/>
+            </a:schemeClr>
+          </a:lnRef>
+          <a:fillRef idx="1">
+            <a:schemeClr val="accent1"/>
+          </a:fillRef>
+          <a:effectRef idx="0">
+            <a:schemeClr val="accent1"/>
+          </a:effectRef>
+          <a:fontRef idx="minor">
+            <a:schemeClr val="lt1"/>
+          </a:fontRef>
+        </p:style>
+        <p:txBody>
+          <a:bodyPr rot="0" spcFirstLastPara="0" vertOverflow="overflow" horzOverflow="overflow" vert="horz" wrap="square" lIns="91440" tIns="45720" rIns="91440" bIns="45720" numCol="1" spcCol="0" rtlCol="0" fromWordArt="0" anchor="ctr" anchorCtr="0" forceAA="0" compatLnSpc="1">
+            <a:prstTxWarp prst="textNoShape">
+              <a:avLst/>
+            </a:prstTxWarp>
+            <a:noAutofit/>
+          </a:bodyPr>
+          <a:lstStyle/>
+          <a:p>
+            <a:pPr algn="ctr"/>
+            <a:r>
+              <a:rPr lang="en-US" sz="1400" b="1" dirty="0">
+                <a:solidFill>
+                  <a:schemeClr val="tx1"/>
+                </a:solidFill>
+              </a:rPr>
+              <a:t>Critical Failure: </a:t>
+            </a:r>
+            <a:r>
+              <a:rPr lang="en-US" sz="1400" dirty="0">
+                <a:solidFill>
+                  <a:schemeClr val="tx1"/>
+                </a:solidFill>
+              </a:rPr>
+              <a:t>Virus loses grip until next recharge.</a:t>
+            </a:r>
+          </a:p>
+        </p:txBody>
+      </p:sp>
+      <p:cxnSp>
+        <p:nvCxnSpPr>
+          <p:cNvPr id="3" name="Straight Connector 2">
+            <a:extLst>
+              <a:ext uri="{FF2B5EF4-FFF2-40B4-BE49-F238E27FC236}">
+                <a16:creationId xmlns:a16="http://schemas.microsoft.com/office/drawing/2014/main" id="{0FD0C70D-FAF0-8B48-B1AD-1BB640F5580F}"/>
+              </a:ext>
+            </a:extLst>
+          </p:cNvPr>
+          <p:cNvCxnSpPr>
+            <a:cxnSpLocks/>
+          </p:cNvCxnSpPr>
+          <p:nvPr/>
+        </p:nvCxnSpPr>
+        <p:spPr>
+          <a:xfrm flipH="1">
+            <a:off x="3505200" y="3686463"/>
+            <a:ext cx="2222500" cy="329187"/>
+          </a:xfrm>
+          <a:prstGeom prst="line">
+            <a:avLst/>
+          </a:prstGeom>
+        </p:spPr>
+        <p:style>
+          <a:lnRef idx="1">
+            <a:schemeClr val="accent1"/>
+          </a:lnRef>
+          <a:fillRef idx="0">
+            <a:schemeClr val="accent1"/>
+          </a:fillRef>
+          <a:effectRef idx="0">
+            <a:schemeClr val="accent1"/>
+          </a:effectRef>
+          <a:fontRef idx="minor">
+            <a:schemeClr val="tx1"/>
+          </a:fontRef>
+        </p:style>
+      </p:cxnSp>
+      <p:cxnSp>
+        <p:nvCxnSpPr>
+          <p:cNvPr id="54" name="Straight Connector 53">
+            <a:extLst>
+              <a:ext uri="{FF2B5EF4-FFF2-40B4-BE49-F238E27FC236}">
+                <a16:creationId xmlns:a16="http://schemas.microsoft.com/office/drawing/2014/main" id="{B45EE48B-470F-DC48-8E96-FF6CA2740208}"/>
+              </a:ext>
+            </a:extLst>
+          </p:cNvPr>
+          <p:cNvCxnSpPr>
+            <a:cxnSpLocks/>
+          </p:cNvCxnSpPr>
+          <p:nvPr/>
+        </p:nvCxnSpPr>
+        <p:spPr>
+          <a:xfrm flipH="1" flipV="1">
+            <a:off x="7543800" y="3686463"/>
+            <a:ext cx="266700" cy="329186"/>
+          </a:xfrm>
+          <a:prstGeom prst="line">
+            <a:avLst/>
+          </a:prstGeom>
+        </p:spPr>
+        <p:style>
+          <a:lnRef idx="1">
+            <a:schemeClr val="accent1"/>
+          </a:lnRef>
+          <a:fillRef idx="0">
+            <a:schemeClr val="accent1"/>
+          </a:fillRef>
+          <a:effectRef idx="0">
+            <a:schemeClr val="accent1"/>
+          </a:effectRef>
+          <a:fontRef idx="minor">
+            <a:schemeClr val="tx1"/>
+          </a:fontRef>
+        </p:style>
+      </p:cxnSp>
+    </p:spTree>
+    <p:extLst>
+      <p:ext uri="{BB962C8B-B14F-4D97-AF65-F5344CB8AC3E}">
+        <p14:creationId xmlns:p14="http://schemas.microsoft.com/office/powerpoint/2010/main" val="2198635303"/>
+      </p:ext>
+    </p:extLst>
+  </p:cSld>
+  <p:clrMapOvr>
+    <a:masterClrMapping/>
+  </p:clrMapOvr>
+</p:sld>
+</file>
+
 <file path=ppt/theme/theme1.xml><?xml version="1.0" encoding="utf-8"?>
 <a:theme xmlns:a="http://schemas.openxmlformats.org/drawingml/2006/main" name="Office Theme">
   <a:themeElements>
-    <a:clrScheme name="Office">
+    <a:clrScheme name="Office Theme">
       <a:dk1>
         <a:sysClr val="windowText" lastClr="000000"/>
       </a:dk1>
@@ -9687,14 +15369,14 @@
         <a:srgbClr val="954F72"/>
       </a:folHlink>
     </a:clrScheme>
-    <a:fontScheme name="Office">
+    <a:fontScheme name="Office Theme">
       <a:majorFont>
         <a:latin typeface="Calibri Light" panose="020F0302020204030204"/>
         <a:ea typeface=""/>
         <a:cs typeface=""/>
-        <a:font script="Jpan" typeface="Yu Gothic Light"/>
+        <a:font script="Jpan" typeface="游ゴシック Light"/>
         <a:font script="Hang" typeface="맑은 고딕"/>
-        <a:font script="Hans" typeface="DengXian Light"/>
+        <a:font script="Hans" typeface="等线 Light"/>
         <a:font script="Hant" typeface="新細明體"/>
         <a:font script="Arab" typeface="Times New Roman"/>
         <a:font script="Hebr" typeface="Times New Roman"/>
@@ -9727,9 +15409,9 @@
         <a:latin typeface="Calibri" panose="020F0502020204030204"/>
         <a:ea typeface=""/>
         <a:cs typeface=""/>
-        <a:font script="Jpan" typeface="Yu Gothic"/>
+        <a:font script="Jpan" typeface="游ゴシック"/>
         <a:font script="Hang" typeface="맑은 고딕"/>
-        <a:font script="Hans" typeface="DengXian"/>
+        <a:font script="Hans" typeface="等线"/>
         <a:font script="Hant" typeface="新細明體"/>
         <a:font script="Arab" typeface="Arial"/>
         <a:font script="Hebr" typeface="Arial"/>
@@ -9759,7 +15441,7 @@
         <a:font script="Geor" typeface="Sylfaen"/>
       </a:minorFont>
     </a:fontScheme>
-    <a:fmtScheme name="Office">
+    <a:fmtScheme name="Office Theme">
       <a:fillStyleLst>
         <a:solidFill>
           <a:schemeClr val="phClr"/>

--- a/cheat-sheet-system/supplement/figure-layout.pptx
+++ b/cheat-sheet-system/supplement/figure-layout.pptx
@@ -12522,7 +12522,7 @@
                   <a:schemeClr val="tx1"/>
                 </a:solidFill>
               </a:rPr>
-              <a:t>Launces CM. </a:t>
+              <a:t>Launches CM. </a:t>
             </a:r>
             <a:r>
               <a:rPr lang="en-US" sz="1050" b="1" dirty="0">
@@ -13887,7 +13887,7 @@
                   <a:schemeClr val="tx1"/>
                 </a:solidFill>
               </a:rPr>
-              <a:t>Defender success regardless outcome</a:t>
+              <a:t>Defender success regardless of outcome</a:t>
             </a:r>
             <a:r>
               <a:rPr lang="en-US" sz="1100" dirty="0">
@@ -14835,7 +14835,7 @@
                   <a:schemeClr val="tx1"/>
                 </a:solidFill>
               </a:rPr>
-              <a:t>If Pushed Psi Chi</a:t>
+              <a:t>If pushed Psi Chi</a:t>
             </a:r>
             <a:r>
               <a:rPr lang="en-US" sz="1400" dirty="0">
@@ -14854,7 +14854,7 @@
                   <a:schemeClr val="tx1"/>
                 </a:solidFill>
               </a:rPr>
-              <a:t>If Pushed Psi Gamma</a:t>
+              <a:t>If pushed Psi Gamma</a:t>
             </a:r>
             <a:r>
               <a:rPr lang="en-US" sz="1400" dirty="0">
@@ -15064,7 +15064,7 @@
                   <a:schemeClr val="tx1"/>
                 </a:solidFill>
               </a:rPr>
-              <a:t> (takes over in sleep), </a:t>
+              <a:t> (takes over in sleep) or </a:t>
             </a:r>
           </a:p>
           <a:p>
